--- a/docs/tools/builder/common/front-backend/front-backend.pptx
+++ b/docs/tools/builder/common/front-backend/front-backend.pptx
@@ -5,13 +5,16 @@
     <p:sldMasterId id="2147483648" r:id="rId1"/>
   </p:sldMasterIdLst>
   <p:notesMasterIdLst>
-    <p:notesMasterId r:id="rId4"/>
+    <p:notesMasterId r:id="rId7"/>
   </p:notesMasterIdLst>
   <p:handoutMasterIdLst>
-    <p:handoutMasterId r:id="rId5"/>
+    <p:handoutMasterId r:id="rId8"/>
   </p:handoutMasterIdLst>
   <p:sldIdLst>
     <p:sldId id="256" r:id="rId3"/>
+    <p:sldId id="264" r:id="rId4"/>
+    <p:sldId id="265" r:id="rId5"/>
+    <p:sldId id="268" r:id="rId6"/>
   </p:sldIdLst>
   <p:sldSz cx="12192000" cy="6858000"/>
   <p:notesSz cx="7103745" cy="10234295"/>
@@ -3469,14 +3472,2044 @@
           </a:bodyPr>
           <a:p>
             <a:r>
-              <a:rPr lang="zh-CN" altLang="" b="1">
+              <a:rPr lang="zh-CN" altLang="en-US" b="1">
                 <a:solidFill>
                   <a:srgbClr val="2C3E50"/>
                 </a:solidFill>
               </a:rPr>
               <a:t>编译器前端和后端</a:t>
             </a:r>
-            <a:endParaRPr lang="zh-CN" altLang="" b="1">
+            <a:endParaRPr lang="zh-CN" altLang="en-US" b="1">
+              <a:solidFill>
+                <a:srgbClr val="2C3E50"/>
+              </a:solidFill>
+            </a:endParaRPr>
+          </a:p>
+        </p:txBody>
+      </p:sp>
+    </p:spTree>
+  </p:cSld>
+  <p:clrMapOvr>
+    <a:masterClrMapping/>
+  </p:clrMapOvr>
+</p:sld>
+</file>
+
+<file path=ppt/slides/slide2.xml><?xml version="1.0" encoding="utf-8"?>
+<p:sld xmlns:a="http://schemas.openxmlformats.org/drawingml/2006/main" xmlns:r="http://schemas.openxmlformats.org/officeDocument/2006/relationships" xmlns:p="http://schemas.openxmlformats.org/presentationml/2006/main">
+  <p:cSld>
+    <p:spTree>
+      <p:nvGrpSpPr>
+        <p:cNvPr id="1" name=""/>
+        <p:cNvGrpSpPr/>
+        <p:nvPr/>
+      </p:nvGrpSpPr>
+      <p:grpSpPr/>
+      <p:sp>
+        <p:nvSpPr>
+          <p:cNvPr id="5" name="矩形 4"/>
+          <p:cNvSpPr/>
+          <p:nvPr/>
+        </p:nvSpPr>
+        <p:spPr>
+          <a:xfrm>
+            <a:off x="2681605" y="2962910"/>
+            <a:ext cx="502920" cy="1467485"/>
+          </a:xfrm>
+          <a:prstGeom prst="rect">
+            <a:avLst/>
+          </a:prstGeom>
+          <a:noFill/>
+          <a:ln w="28575">
+            <a:solidFill>
+              <a:srgbClr val="2C3E50"/>
+            </a:solidFill>
+          </a:ln>
+          <a:extLst>
+            <a:ext uri="{909E8E84-426E-40DD-AFC4-6F175D3DCCD1}">
+              <a14:hiddenFill xmlns:a14="http://schemas.microsoft.com/office/drawing/2010/main">
+                <a:solidFill>
+                  <a:schemeClr val="accent1"/>
+                </a:solidFill>
+              </a14:hiddenFill>
+            </a:ext>
+          </a:extLst>
+        </p:spPr>
+        <p:style>
+          <a:lnRef idx="2">
+            <a:schemeClr val="accent1">
+              <a:shade val="50000"/>
+            </a:schemeClr>
+          </a:lnRef>
+          <a:fillRef idx="1">
+            <a:schemeClr val="accent1"/>
+          </a:fillRef>
+          <a:effectRef idx="0">
+            <a:schemeClr val="accent1"/>
+          </a:effectRef>
+          <a:fontRef idx="minor">
+            <a:schemeClr val="lt1"/>
+          </a:fontRef>
+        </p:style>
+        <p:txBody>
+          <a:bodyPr rtlCol="0" anchor="ctr"/>
+          <a:p>
+            <a:pPr algn="ctr"/>
+            <a:r>
+              <a:rPr lang="zh-CN" altLang="en-US" sz="1200" b="1">
+                <a:solidFill>
+                  <a:srgbClr val="2C3E50"/>
+                </a:solidFill>
+              </a:rPr>
+              <a:t>词法分析</a:t>
+            </a:r>
+            <a:endParaRPr lang="zh-CN" altLang="en-US" sz="1200" b="1">
+              <a:solidFill>
+                <a:srgbClr val="2C3E50"/>
+              </a:solidFill>
+            </a:endParaRPr>
+          </a:p>
+        </p:txBody>
+      </p:sp>
+      <p:sp>
+        <p:nvSpPr>
+          <p:cNvPr id="2" name="矩形 1"/>
+          <p:cNvSpPr/>
+          <p:nvPr/>
+        </p:nvSpPr>
+        <p:spPr>
+          <a:xfrm>
+            <a:off x="3896360" y="2962910"/>
+            <a:ext cx="502920" cy="1467485"/>
+          </a:xfrm>
+          <a:prstGeom prst="rect">
+            <a:avLst/>
+          </a:prstGeom>
+          <a:noFill/>
+          <a:ln w="28575">
+            <a:solidFill>
+              <a:srgbClr val="2C3E50"/>
+            </a:solidFill>
+          </a:ln>
+          <a:extLst>
+            <a:ext uri="{909E8E84-426E-40DD-AFC4-6F175D3DCCD1}">
+              <a14:hiddenFill xmlns:a14="http://schemas.microsoft.com/office/drawing/2010/main">
+                <a:solidFill>
+                  <a:schemeClr val="accent1"/>
+                </a:solidFill>
+              </a14:hiddenFill>
+            </a:ext>
+          </a:extLst>
+        </p:spPr>
+        <p:style>
+          <a:lnRef idx="2">
+            <a:schemeClr val="accent1">
+              <a:shade val="50000"/>
+            </a:schemeClr>
+          </a:lnRef>
+          <a:fillRef idx="1">
+            <a:schemeClr val="accent1"/>
+          </a:fillRef>
+          <a:effectRef idx="0">
+            <a:schemeClr val="accent1"/>
+          </a:effectRef>
+          <a:fontRef idx="minor">
+            <a:schemeClr val="lt1"/>
+          </a:fontRef>
+        </p:style>
+        <p:txBody>
+          <a:bodyPr rtlCol="0" anchor="ctr"/>
+          <a:p>
+            <a:pPr algn="ctr"/>
+            <a:r>
+              <a:rPr lang="zh-CN" altLang="en-US" sz="1200" b="1">
+                <a:solidFill>
+                  <a:srgbClr val="2C3E50"/>
+                </a:solidFill>
+              </a:rPr>
+              <a:t>语法分析</a:t>
+            </a:r>
+            <a:endParaRPr lang="zh-CN" altLang="en-US" sz="1200" b="1">
+              <a:solidFill>
+                <a:srgbClr val="2C3E50"/>
+              </a:solidFill>
+            </a:endParaRPr>
+          </a:p>
+        </p:txBody>
+      </p:sp>
+      <p:sp>
+        <p:nvSpPr>
+          <p:cNvPr id="3" name="矩形 2"/>
+          <p:cNvSpPr/>
+          <p:nvPr/>
+        </p:nvSpPr>
+        <p:spPr>
+          <a:xfrm>
+            <a:off x="5111115" y="2962910"/>
+            <a:ext cx="502920" cy="1467485"/>
+          </a:xfrm>
+          <a:prstGeom prst="rect">
+            <a:avLst/>
+          </a:prstGeom>
+          <a:noFill/>
+          <a:ln w="28575">
+            <a:solidFill>
+              <a:srgbClr val="2C3E50"/>
+            </a:solidFill>
+          </a:ln>
+          <a:extLst>
+            <a:ext uri="{909E8E84-426E-40DD-AFC4-6F175D3DCCD1}">
+              <a14:hiddenFill xmlns:a14="http://schemas.microsoft.com/office/drawing/2010/main">
+                <a:solidFill>
+                  <a:schemeClr val="accent1"/>
+                </a:solidFill>
+              </a14:hiddenFill>
+            </a:ext>
+          </a:extLst>
+        </p:spPr>
+        <p:style>
+          <a:lnRef idx="2">
+            <a:schemeClr val="accent1">
+              <a:shade val="50000"/>
+            </a:schemeClr>
+          </a:lnRef>
+          <a:fillRef idx="1">
+            <a:schemeClr val="accent1"/>
+          </a:fillRef>
+          <a:effectRef idx="0">
+            <a:schemeClr val="accent1"/>
+          </a:effectRef>
+          <a:fontRef idx="minor">
+            <a:schemeClr val="lt1"/>
+          </a:fontRef>
+        </p:style>
+        <p:txBody>
+          <a:bodyPr rtlCol="0" anchor="ctr"/>
+          <a:p>
+            <a:pPr algn="ctr"/>
+            <a:r>
+              <a:rPr lang="zh-CN" altLang="en-US" sz="1200" b="1">
+                <a:solidFill>
+                  <a:srgbClr val="2C3E50"/>
+                </a:solidFill>
+              </a:rPr>
+              <a:t>语义分析</a:t>
+            </a:r>
+            <a:endParaRPr lang="zh-CN" altLang="en-US" sz="1200" b="1">
+              <a:solidFill>
+                <a:srgbClr val="2C3E50"/>
+              </a:solidFill>
+            </a:endParaRPr>
+          </a:p>
+        </p:txBody>
+      </p:sp>
+      <p:sp>
+        <p:nvSpPr>
+          <p:cNvPr id="4" name="矩形 3"/>
+          <p:cNvSpPr/>
+          <p:nvPr/>
+        </p:nvSpPr>
+        <p:spPr>
+          <a:xfrm>
+            <a:off x="6638290" y="2962910"/>
+            <a:ext cx="502920" cy="1467485"/>
+          </a:xfrm>
+          <a:prstGeom prst="rect">
+            <a:avLst/>
+          </a:prstGeom>
+          <a:noFill/>
+          <a:ln w="28575">
+            <a:solidFill>
+              <a:srgbClr val="2C3E50"/>
+            </a:solidFill>
+          </a:ln>
+          <a:extLst>
+            <a:ext uri="{909E8E84-426E-40DD-AFC4-6F175D3DCCD1}">
+              <a14:hiddenFill xmlns:a14="http://schemas.microsoft.com/office/drawing/2010/main">
+                <a:solidFill>
+                  <a:schemeClr val="accent1"/>
+                </a:solidFill>
+              </a14:hiddenFill>
+            </a:ext>
+          </a:extLst>
+        </p:spPr>
+        <p:style>
+          <a:lnRef idx="2">
+            <a:schemeClr val="accent1">
+              <a:shade val="50000"/>
+            </a:schemeClr>
+          </a:lnRef>
+          <a:fillRef idx="1">
+            <a:schemeClr val="accent1"/>
+          </a:fillRef>
+          <a:effectRef idx="0">
+            <a:schemeClr val="accent1"/>
+          </a:effectRef>
+          <a:fontRef idx="minor">
+            <a:schemeClr val="lt1"/>
+          </a:fontRef>
+        </p:style>
+        <p:txBody>
+          <a:bodyPr rtlCol="0" anchor="ctr"/>
+          <a:p>
+            <a:pPr algn="ctr"/>
+            <a:r>
+              <a:rPr lang="zh-CN" altLang="en-US" sz="1200" b="1">
+                <a:solidFill>
+                  <a:srgbClr val="2C3E50"/>
+                </a:solidFill>
+              </a:rPr>
+              <a:t>代码优化</a:t>
+            </a:r>
+            <a:endParaRPr lang="zh-CN" altLang="en-US" sz="1200" b="1">
+              <a:solidFill>
+                <a:srgbClr val="2C3E50"/>
+              </a:solidFill>
+            </a:endParaRPr>
+          </a:p>
+        </p:txBody>
+      </p:sp>
+      <p:sp>
+        <p:nvSpPr>
+          <p:cNvPr id="12" name="矩形 11"/>
+          <p:cNvSpPr/>
+          <p:nvPr/>
+        </p:nvSpPr>
+        <p:spPr>
+          <a:xfrm>
+            <a:off x="8160385" y="2963545"/>
+            <a:ext cx="502920" cy="1467485"/>
+          </a:xfrm>
+          <a:prstGeom prst="rect">
+            <a:avLst/>
+          </a:prstGeom>
+          <a:noFill/>
+          <a:ln w="28575">
+            <a:solidFill>
+              <a:srgbClr val="2C3E50"/>
+            </a:solidFill>
+          </a:ln>
+          <a:extLst>
+            <a:ext uri="{909E8E84-426E-40DD-AFC4-6F175D3DCCD1}">
+              <a14:hiddenFill xmlns:a14="http://schemas.microsoft.com/office/drawing/2010/main">
+                <a:solidFill>
+                  <a:schemeClr val="accent1"/>
+                </a:solidFill>
+              </a14:hiddenFill>
+            </a:ext>
+          </a:extLst>
+        </p:spPr>
+        <p:style>
+          <a:lnRef idx="2">
+            <a:schemeClr val="accent1">
+              <a:shade val="50000"/>
+            </a:schemeClr>
+          </a:lnRef>
+          <a:fillRef idx="1">
+            <a:schemeClr val="accent1"/>
+          </a:fillRef>
+          <a:effectRef idx="0">
+            <a:schemeClr val="accent1"/>
+          </a:effectRef>
+          <a:fontRef idx="minor">
+            <a:schemeClr val="lt1"/>
+          </a:fontRef>
+        </p:style>
+        <p:txBody>
+          <a:bodyPr rtlCol="0" anchor="ctr"/>
+          <a:p>
+            <a:pPr algn="ctr"/>
+            <a:r>
+              <a:rPr lang="zh-CN" altLang="en-US" sz="1200" b="1">
+                <a:solidFill>
+                  <a:srgbClr val="2C3E50"/>
+                </a:solidFill>
+              </a:rPr>
+              <a:t>生成目标</a:t>
+            </a:r>
+            <a:endParaRPr lang="zh-CN" altLang="en-US" sz="1200" b="1">
+              <a:solidFill>
+                <a:srgbClr val="2C3E50"/>
+              </a:solidFill>
+            </a:endParaRPr>
+          </a:p>
+        </p:txBody>
+      </p:sp>
+      <p:sp>
+        <p:nvSpPr>
+          <p:cNvPr id="14" name="矩形 13"/>
+          <p:cNvSpPr/>
+          <p:nvPr/>
+        </p:nvSpPr>
+        <p:spPr>
+          <a:xfrm>
+            <a:off x="2412365" y="2546350"/>
+            <a:ext cx="3496310" cy="2301240"/>
+          </a:xfrm>
+          <a:prstGeom prst="rect">
+            <a:avLst/>
+          </a:prstGeom>
+          <a:noFill/>
+          <a:ln w="28575">
+            <a:solidFill>
+              <a:srgbClr val="3EAF7C"/>
+            </a:solidFill>
+            <a:prstDash val="sysDash"/>
+          </a:ln>
+          <a:extLst>
+            <a:ext uri="{909E8E84-426E-40DD-AFC4-6F175D3DCCD1}">
+              <a14:hiddenFill xmlns:a14="http://schemas.microsoft.com/office/drawing/2010/main">
+                <a:solidFill>
+                  <a:schemeClr val="accent1"/>
+                </a:solidFill>
+              </a14:hiddenFill>
+            </a:ext>
+          </a:extLst>
+        </p:spPr>
+        <p:style>
+          <a:lnRef idx="2">
+            <a:schemeClr val="accent1">
+              <a:shade val="50000"/>
+            </a:schemeClr>
+          </a:lnRef>
+          <a:fillRef idx="1">
+            <a:schemeClr val="accent1"/>
+          </a:fillRef>
+          <a:effectRef idx="0">
+            <a:schemeClr val="accent1"/>
+          </a:effectRef>
+          <a:fontRef idx="minor">
+            <a:schemeClr val="lt1"/>
+          </a:fontRef>
+        </p:style>
+        <p:txBody>
+          <a:bodyPr rtlCol="0" anchor="ctr"/>
+          <a:p>
+            <a:pPr algn="ctr"/>
+            <a:endParaRPr lang="zh-CN" altLang="en-US"/>
+          </a:p>
+        </p:txBody>
+      </p:sp>
+      <p:sp>
+        <p:nvSpPr>
+          <p:cNvPr id="16" name="矩形 15"/>
+          <p:cNvSpPr/>
+          <p:nvPr/>
+        </p:nvSpPr>
+        <p:spPr>
+          <a:xfrm>
+            <a:off x="6396355" y="2545715"/>
+            <a:ext cx="1000125" cy="2301240"/>
+          </a:xfrm>
+          <a:prstGeom prst="rect">
+            <a:avLst/>
+          </a:prstGeom>
+          <a:noFill/>
+          <a:ln w="28575">
+            <a:solidFill>
+              <a:srgbClr val="3EAF7C"/>
+            </a:solidFill>
+            <a:prstDash val="sysDash"/>
+          </a:ln>
+          <a:extLst>
+            <a:ext uri="{909E8E84-426E-40DD-AFC4-6F175D3DCCD1}">
+              <a14:hiddenFill xmlns:a14="http://schemas.microsoft.com/office/drawing/2010/main">
+                <a:solidFill>
+                  <a:schemeClr val="accent1"/>
+                </a:solidFill>
+              </a14:hiddenFill>
+            </a:ext>
+          </a:extLst>
+        </p:spPr>
+        <p:style>
+          <a:lnRef idx="2">
+            <a:schemeClr val="accent1">
+              <a:shade val="50000"/>
+            </a:schemeClr>
+          </a:lnRef>
+          <a:fillRef idx="1">
+            <a:schemeClr val="accent1"/>
+          </a:fillRef>
+          <a:effectRef idx="0">
+            <a:schemeClr val="accent1"/>
+          </a:effectRef>
+          <a:fontRef idx="minor">
+            <a:schemeClr val="lt1"/>
+          </a:fontRef>
+        </p:style>
+        <p:txBody>
+          <a:bodyPr rtlCol="0" anchor="ctr"/>
+          <a:p>
+            <a:pPr algn="ctr"/>
+            <a:endParaRPr lang="zh-CN" altLang="en-US"/>
+          </a:p>
+        </p:txBody>
+      </p:sp>
+      <p:sp>
+        <p:nvSpPr>
+          <p:cNvPr id="17" name="矩形 16"/>
+          <p:cNvSpPr/>
+          <p:nvPr/>
+        </p:nvSpPr>
+        <p:spPr>
+          <a:xfrm>
+            <a:off x="7911465" y="2546350"/>
+            <a:ext cx="1000125" cy="2301240"/>
+          </a:xfrm>
+          <a:prstGeom prst="rect">
+            <a:avLst/>
+          </a:prstGeom>
+          <a:noFill/>
+          <a:ln w="28575">
+            <a:solidFill>
+              <a:srgbClr val="3EAF7C"/>
+            </a:solidFill>
+            <a:prstDash val="sysDash"/>
+          </a:ln>
+          <a:extLst>
+            <a:ext uri="{909E8E84-426E-40DD-AFC4-6F175D3DCCD1}">
+              <a14:hiddenFill xmlns:a14="http://schemas.microsoft.com/office/drawing/2010/main">
+                <a:solidFill>
+                  <a:schemeClr val="accent1"/>
+                </a:solidFill>
+              </a14:hiddenFill>
+            </a:ext>
+          </a:extLst>
+        </p:spPr>
+        <p:style>
+          <a:lnRef idx="2">
+            <a:schemeClr val="accent1">
+              <a:shade val="50000"/>
+            </a:schemeClr>
+          </a:lnRef>
+          <a:fillRef idx="1">
+            <a:schemeClr val="accent1"/>
+          </a:fillRef>
+          <a:effectRef idx="0">
+            <a:schemeClr val="accent1"/>
+          </a:effectRef>
+          <a:fontRef idx="minor">
+            <a:schemeClr val="lt1"/>
+          </a:fontRef>
+        </p:style>
+        <p:txBody>
+          <a:bodyPr rtlCol="0" anchor="ctr"/>
+          <a:p>
+            <a:pPr algn="ctr"/>
+            <a:endParaRPr lang="zh-CN" altLang="en-US"/>
+          </a:p>
+        </p:txBody>
+      </p:sp>
+      <p:sp>
+        <p:nvSpPr>
+          <p:cNvPr id="18" name="文本框 17"/>
+          <p:cNvSpPr txBox="true"/>
+          <p:nvPr/>
+        </p:nvSpPr>
+        <p:spPr>
+          <a:xfrm>
+            <a:off x="1287145" y="2962910"/>
+            <a:ext cx="642620" cy="368300"/>
+          </a:xfrm>
+          <a:prstGeom prst="rect">
+            <a:avLst/>
+          </a:prstGeom>
+          <a:noFill/>
+        </p:spPr>
+        <p:txBody>
+          <a:bodyPr wrap="none" rtlCol="0">
+            <a:spAutoFit/>
+          </a:bodyPr>
+          <a:p>
+            <a:r>
+              <a:rPr lang="zh-CN" altLang="en-US" b="1">
+                <a:solidFill>
+                  <a:srgbClr val="2C3E50"/>
+                </a:solidFill>
+              </a:rPr>
+              <a:t>源码</a:t>
+            </a:r>
+            <a:endParaRPr lang="zh-CN" altLang="en-US" b="1">
+              <a:solidFill>
+                <a:srgbClr val="2C3E50"/>
+              </a:solidFill>
+            </a:endParaRPr>
+          </a:p>
+        </p:txBody>
+      </p:sp>
+      <p:sp>
+        <p:nvSpPr>
+          <p:cNvPr id="19" name="文本框 18"/>
+          <p:cNvSpPr txBox="true"/>
+          <p:nvPr/>
+        </p:nvSpPr>
+        <p:spPr>
+          <a:xfrm>
+            <a:off x="9477375" y="2962910"/>
+            <a:ext cx="642620" cy="368300"/>
+          </a:xfrm>
+          <a:prstGeom prst="rect">
+            <a:avLst/>
+          </a:prstGeom>
+          <a:noFill/>
+        </p:spPr>
+        <p:txBody>
+          <a:bodyPr wrap="none" rtlCol="0">
+            <a:spAutoFit/>
+          </a:bodyPr>
+          <a:p>
+            <a:r>
+              <a:rPr lang="zh-CN" altLang="en-US" b="1">
+                <a:solidFill>
+                  <a:srgbClr val="2C3E50"/>
+                </a:solidFill>
+              </a:rPr>
+              <a:t>程序</a:t>
+            </a:r>
+            <a:endParaRPr lang="zh-CN" altLang="en-US" b="1">
+              <a:solidFill>
+                <a:srgbClr val="2C3E50"/>
+              </a:solidFill>
+            </a:endParaRPr>
+          </a:p>
+        </p:txBody>
+      </p:sp>
+      <p:cxnSp>
+        <p:nvCxnSpPr>
+          <p:cNvPr id="20" name="肘形连接符 19"/>
+          <p:cNvCxnSpPr>
+            <a:stCxn id="18" idx="2"/>
+            <a:endCxn id="5" idx="1"/>
+          </p:cNvCxnSpPr>
+          <p:nvPr/>
+        </p:nvCxnSpPr>
+        <p:spPr>
+          <a:xfrm rot="5400000" flipV="true">
+            <a:off x="1962150" y="2977515"/>
+            <a:ext cx="365760" cy="1073150"/>
+          </a:xfrm>
+          <a:prstGeom prst="bentConnector2">
+            <a:avLst/>
+          </a:prstGeom>
+          <a:ln w="38100">
+            <a:solidFill>
+              <a:srgbClr val="3EAF7C"/>
+            </a:solidFill>
+            <a:tailEnd type="arrow"/>
+          </a:ln>
+        </p:spPr>
+        <p:style>
+          <a:lnRef idx="1">
+            <a:schemeClr val="accent1"/>
+          </a:lnRef>
+          <a:fillRef idx="0">
+            <a:schemeClr val="accent1"/>
+          </a:fillRef>
+          <a:effectRef idx="0">
+            <a:schemeClr val="accent1"/>
+          </a:effectRef>
+          <a:fontRef idx="minor">
+            <a:schemeClr val="tx1"/>
+          </a:fontRef>
+        </p:style>
+      </p:cxnSp>
+      <p:cxnSp>
+        <p:nvCxnSpPr>
+          <p:cNvPr id="21" name="直接箭头连接符 20"/>
+          <p:cNvCxnSpPr>
+            <a:stCxn id="5" idx="3"/>
+            <a:endCxn id="2" idx="1"/>
+          </p:cNvCxnSpPr>
+          <p:nvPr/>
+        </p:nvCxnSpPr>
+        <p:spPr>
+          <a:xfrm>
+            <a:off x="3184525" y="3696970"/>
+            <a:ext cx="711835" cy="0"/>
+          </a:xfrm>
+          <a:prstGeom prst="straightConnector1">
+            <a:avLst/>
+          </a:prstGeom>
+          <a:ln w="38100">
+            <a:solidFill>
+              <a:srgbClr val="3EAF7C"/>
+            </a:solidFill>
+            <a:tailEnd type="arrow"/>
+          </a:ln>
+        </p:spPr>
+        <p:style>
+          <a:lnRef idx="1">
+            <a:schemeClr val="accent1"/>
+          </a:lnRef>
+          <a:fillRef idx="0">
+            <a:schemeClr val="accent1"/>
+          </a:fillRef>
+          <a:effectRef idx="0">
+            <a:schemeClr val="accent1"/>
+          </a:effectRef>
+          <a:fontRef idx="minor">
+            <a:schemeClr val="tx1"/>
+          </a:fontRef>
+        </p:style>
+      </p:cxnSp>
+      <p:cxnSp>
+        <p:nvCxnSpPr>
+          <p:cNvPr id="22" name="直接箭头连接符 21"/>
+          <p:cNvCxnSpPr>
+            <a:stCxn id="2" idx="3"/>
+            <a:endCxn id="3" idx="1"/>
+          </p:cNvCxnSpPr>
+          <p:nvPr/>
+        </p:nvCxnSpPr>
+        <p:spPr>
+          <a:xfrm>
+            <a:off x="4399280" y="3696970"/>
+            <a:ext cx="711835" cy="0"/>
+          </a:xfrm>
+          <a:prstGeom prst="straightConnector1">
+            <a:avLst/>
+          </a:prstGeom>
+          <a:ln w="38100">
+            <a:solidFill>
+              <a:srgbClr val="3EAF7C"/>
+            </a:solidFill>
+            <a:tailEnd type="arrow"/>
+          </a:ln>
+        </p:spPr>
+        <p:style>
+          <a:lnRef idx="1">
+            <a:schemeClr val="accent1"/>
+          </a:lnRef>
+          <a:fillRef idx="0">
+            <a:schemeClr val="accent1"/>
+          </a:fillRef>
+          <a:effectRef idx="0">
+            <a:schemeClr val="accent1"/>
+          </a:effectRef>
+          <a:fontRef idx="minor">
+            <a:schemeClr val="tx1"/>
+          </a:fontRef>
+        </p:style>
+      </p:cxnSp>
+      <p:cxnSp>
+        <p:nvCxnSpPr>
+          <p:cNvPr id="23" name="直接箭头连接符 22"/>
+          <p:cNvCxnSpPr>
+            <a:stCxn id="3" idx="3"/>
+            <a:endCxn id="4" idx="1"/>
+          </p:cNvCxnSpPr>
+          <p:nvPr/>
+        </p:nvCxnSpPr>
+        <p:spPr>
+          <a:xfrm>
+            <a:off x="5614035" y="3696970"/>
+            <a:ext cx="1024255" cy="0"/>
+          </a:xfrm>
+          <a:prstGeom prst="straightConnector1">
+            <a:avLst/>
+          </a:prstGeom>
+          <a:ln w="38100">
+            <a:solidFill>
+              <a:srgbClr val="3EAF7C"/>
+            </a:solidFill>
+            <a:tailEnd type="arrow"/>
+          </a:ln>
+        </p:spPr>
+        <p:style>
+          <a:lnRef idx="1">
+            <a:schemeClr val="accent1"/>
+          </a:lnRef>
+          <a:fillRef idx="0">
+            <a:schemeClr val="accent1"/>
+          </a:fillRef>
+          <a:effectRef idx="0">
+            <a:schemeClr val="accent1"/>
+          </a:effectRef>
+          <a:fontRef idx="minor">
+            <a:schemeClr val="tx1"/>
+          </a:fontRef>
+        </p:style>
+      </p:cxnSp>
+      <p:cxnSp>
+        <p:nvCxnSpPr>
+          <p:cNvPr id="24" name="直接箭头连接符 23"/>
+          <p:cNvCxnSpPr>
+            <a:stCxn id="4" idx="3"/>
+            <a:endCxn id="12" idx="1"/>
+          </p:cNvCxnSpPr>
+          <p:nvPr/>
+        </p:nvCxnSpPr>
+        <p:spPr>
+          <a:xfrm>
+            <a:off x="7141210" y="3696970"/>
+            <a:ext cx="1019175" cy="635"/>
+          </a:xfrm>
+          <a:prstGeom prst="straightConnector1">
+            <a:avLst/>
+          </a:prstGeom>
+          <a:ln w="38100">
+            <a:solidFill>
+              <a:srgbClr val="3EAF7C"/>
+            </a:solidFill>
+            <a:tailEnd type="arrow"/>
+          </a:ln>
+        </p:spPr>
+        <p:style>
+          <a:lnRef idx="1">
+            <a:schemeClr val="accent1"/>
+          </a:lnRef>
+          <a:fillRef idx="0">
+            <a:schemeClr val="accent1"/>
+          </a:fillRef>
+          <a:effectRef idx="0">
+            <a:schemeClr val="accent1"/>
+          </a:effectRef>
+          <a:fontRef idx="minor">
+            <a:schemeClr val="tx1"/>
+          </a:fontRef>
+        </p:style>
+      </p:cxnSp>
+      <p:cxnSp>
+        <p:nvCxnSpPr>
+          <p:cNvPr id="25" name="肘形连接符 24"/>
+          <p:cNvCxnSpPr>
+            <a:stCxn id="12" idx="3"/>
+            <a:endCxn id="19" idx="2"/>
+          </p:cNvCxnSpPr>
+          <p:nvPr/>
+        </p:nvCxnSpPr>
+        <p:spPr>
+          <a:xfrm flipV="true">
+            <a:off x="8663305" y="3331210"/>
+            <a:ext cx="1135380" cy="366395"/>
+          </a:xfrm>
+          <a:prstGeom prst="bentConnector2">
+            <a:avLst/>
+          </a:prstGeom>
+          <a:ln w="38100">
+            <a:solidFill>
+              <a:srgbClr val="3EAF7C"/>
+            </a:solidFill>
+            <a:tailEnd type="arrow"/>
+          </a:ln>
+        </p:spPr>
+        <p:style>
+          <a:lnRef idx="1">
+            <a:schemeClr val="accent1"/>
+          </a:lnRef>
+          <a:fillRef idx="0">
+            <a:schemeClr val="accent1"/>
+          </a:fillRef>
+          <a:effectRef idx="0">
+            <a:schemeClr val="accent1"/>
+          </a:effectRef>
+          <a:fontRef idx="minor">
+            <a:schemeClr val="tx1"/>
+          </a:fontRef>
+        </p:style>
+      </p:cxnSp>
+      <p:sp>
+        <p:nvSpPr>
+          <p:cNvPr id="26" name="文本框 25"/>
+          <p:cNvSpPr txBox="true"/>
+          <p:nvPr/>
+        </p:nvSpPr>
+        <p:spPr>
+          <a:xfrm>
+            <a:off x="3840480" y="2177415"/>
+            <a:ext cx="541020" cy="306705"/>
+          </a:xfrm>
+          <a:prstGeom prst="rect">
+            <a:avLst/>
+          </a:prstGeom>
+          <a:noFill/>
+        </p:spPr>
+        <p:txBody>
+          <a:bodyPr wrap="none" rtlCol="0">
+            <a:spAutoFit/>
+          </a:bodyPr>
+          <a:p>
+            <a:r>
+              <a:rPr lang="zh-CN" altLang="en-US" sz="1400" b="1">
+                <a:solidFill>
+                  <a:srgbClr val="2C3E50"/>
+                </a:solidFill>
+              </a:rPr>
+              <a:t>前端</a:t>
+            </a:r>
+            <a:endParaRPr lang="zh-CN" altLang="en-US" sz="1400" b="1">
+              <a:solidFill>
+                <a:srgbClr val="2C3E50"/>
+              </a:solidFill>
+            </a:endParaRPr>
+          </a:p>
+        </p:txBody>
+      </p:sp>
+      <p:sp>
+        <p:nvSpPr>
+          <p:cNvPr id="27" name="文本框 26"/>
+          <p:cNvSpPr txBox="true"/>
+          <p:nvPr/>
+        </p:nvSpPr>
+        <p:spPr>
+          <a:xfrm>
+            <a:off x="6455410" y="2177415"/>
+            <a:ext cx="720090" cy="306705"/>
+          </a:xfrm>
+          <a:prstGeom prst="rect">
+            <a:avLst/>
+          </a:prstGeom>
+          <a:noFill/>
+        </p:spPr>
+        <p:txBody>
+          <a:bodyPr wrap="none" rtlCol="0">
+            <a:spAutoFit/>
+          </a:bodyPr>
+          <a:p>
+            <a:r>
+              <a:rPr lang="zh-CN" altLang="en-US" sz="1400" b="1">
+                <a:solidFill>
+                  <a:srgbClr val="2C3E50"/>
+                </a:solidFill>
+              </a:rPr>
+              <a:t>优化器</a:t>
+            </a:r>
+            <a:endParaRPr lang="zh-CN" altLang="en-US" sz="1400" b="1">
+              <a:solidFill>
+                <a:srgbClr val="2C3E50"/>
+              </a:solidFill>
+            </a:endParaRPr>
+          </a:p>
+        </p:txBody>
+      </p:sp>
+      <p:sp>
+        <p:nvSpPr>
+          <p:cNvPr id="28" name="文本框 27"/>
+          <p:cNvSpPr txBox="true"/>
+          <p:nvPr/>
+        </p:nvSpPr>
+        <p:spPr>
+          <a:xfrm>
+            <a:off x="8098155" y="2177415"/>
+            <a:ext cx="541020" cy="306705"/>
+          </a:xfrm>
+          <a:prstGeom prst="rect">
+            <a:avLst/>
+          </a:prstGeom>
+          <a:noFill/>
+        </p:spPr>
+        <p:txBody>
+          <a:bodyPr wrap="none" rtlCol="0">
+            <a:spAutoFit/>
+          </a:bodyPr>
+          <a:p>
+            <a:r>
+              <a:rPr lang="zh-CN" altLang="en-US" sz="1400" b="1">
+                <a:solidFill>
+                  <a:srgbClr val="2C3E50"/>
+                </a:solidFill>
+              </a:rPr>
+              <a:t>后端</a:t>
+            </a:r>
+            <a:endParaRPr lang="zh-CN" altLang="en-US" sz="1400" b="1">
+              <a:solidFill>
+                <a:srgbClr val="2C3E50"/>
+              </a:solidFill>
+            </a:endParaRPr>
+          </a:p>
+        </p:txBody>
+      </p:sp>
+    </p:spTree>
+  </p:cSld>
+  <p:clrMapOvr>
+    <a:masterClrMapping/>
+  </p:clrMapOvr>
+</p:sld>
+</file>
+
+<file path=ppt/slides/slide3.xml><?xml version="1.0" encoding="utf-8"?>
+<p:sld xmlns:a="http://schemas.openxmlformats.org/drawingml/2006/main" xmlns:r="http://schemas.openxmlformats.org/officeDocument/2006/relationships" xmlns:p="http://schemas.openxmlformats.org/presentationml/2006/main">
+  <p:cSld>
+    <p:spTree>
+      <p:nvGrpSpPr>
+        <p:cNvPr id="1" name=""/>
+        <p:cNvGrpSpPr/>
+        <p:nvPr/>
+      </p:nvGrpSpPr>
+      <p:grpSpPr/>
+      <p:sp>
+        <p:nvSpPr>
+          <p:cNvPr id="5" name="矩形 4"/>
+          <p:cNvSpPr/>
+          <p:nvPr/>
+        </p:nvSpPr>
+        <p:spPr>
+          <a:xfrm>
+            <a:off x="4402455" y="2978785"/>
+            <a:ext cx="1857375" cy="661670"/>
+          </a:xfrm>
+          <a:prstGeom prst="rect">
+            <a:avLst/>
+          </a:prstGeom>
+          <a:noFill/>
+          <a:ln w="28575">
+            <a:solidFill>
+              <a:srgbClr val="2C3E50"/>
+            </a:solidFill>
+          </a:ln>
+          <a:extLst>
+            <a:ext uri="{909E8E84-426E-40DD-AFC4-6F175D3DCCD1}">
+              <a14:hiddenFill xmlns:a14="http://schemas.microsoft.com/office/drawing/2010/main">
+                <a:solidFill>
+                  <a:schemeClr val="accent1"/>
+                </a:solidFill>
+              </a14:hiddenFill>
+            </a:ext>
+          </a:extLst>
+        </p:spPr>
+        <p:style>
+          <a:lnRef idx="2">
+            <a:schemeClr val="accent1">
+              <a:shade val="50000"/>
+            </a:schemeClr>
+          </a:lnRef>
+          <a:fillRef idx="1">
+            <a:schemeClr val="accent1"/>
+          </a:fillRef>
+          <a:effectRef idx="0">
+            <a:schemeClr val="accent1"/>
+          </a:effectRef>
+          <a:fontRef idx="minor">
+            <a:schemeClr val="lt1"/>
+          </a:fontRef>
+        </p:style>
+        <p:txBody>
+          <a:bodyPr rtlCol="0" anchor="ctr"/>
+          <a:p>
+            <a:pPr algn="ctr"/>
+            <a:r>
+              <a:rPr lang="zh-CN" altLang="en-US" sz="2000" b="1">
+                <a:solidFill>
+                  <a:srgbClr val="2C3E50"/>
+                </a:solidFill>
+              </a:rPr>
+              <a:t>编译器</a:t>
+            </a:r>
+            <a:endParaRPr lang="zh-CN" altLang="en-US" sz="2000" b="1">
+              <a:solidFill>
+                <a:srgbClr val="2C3E50"/>
+              </a:solidFill>
+            </a:endParaRPr>
+          </a:p>
+        </p:txBody>
+      </p:sp>
+      <p:sp>
+        <p:nvSpPr>
+          <p:cNvPr id="18" name="文本框 17"/>
+          <p:cNvSpPr txBox="true"/>
+          <p:nvPr/>
+        </p:nvSpPr>
+        <p:spPr>
+          <a:xfrm>
+            <a:off x="3007995" y="2594610"/>
+            <a:ext cx="541020" cy="306705"/>
+          </a:xfrm>
+          <a:prstGeom prst="rect">
+            <a:avLst/>
+          </a:prstGeom>
+          <a:noFill/>
+        </p:spPr>
+        <p:txBody>
+          <a:bodyPr wrap="none" rtlCol="0">
+            <a:spAutoFit/>
+          </a:bodyPr>
+          <a:p>
+            <a:r>
+              <a:rPr lang="zh-CN" altLang="en-US" sz="1400" b="1">
+                <a:solidFill>
+                  <a:srgbClr val="2C3E50"/>
+                </a:solidFill>
+              </a:rPr>
+              <a:t>源码</a:t>
+            </a:r>
+            <a:endParaRPr lang="zh-CN" altLang="en-US" sz="1400" b="1">
+              <a:solidFill>
+                <a:srgbClr val="2C3E50"/>
+              </a:solidFill>
+            </a:endParaRPr>
+          </a:p>
+        </p:txBody>
+      </p:sp>
+      <p:sp>
+        <p:nvSpPr>
+          <p:cNvPr id="19" name="文本框 18"/>
+          <p:cNvSpPr txBox="true"/>
+          <p:nvPr/>
+        </p:nvSpPr>
+        <p:spPr>
+          <a:xfrm>
+            <a:off x="6718935" y="2646680"/>
+            <a:ext cx="1078230" cy="306705"/>
+          </a:xfrm>
+          <a:prstGeom prst="rect">
+            <a:avLst/>
+          </a:prstGeom>
+          <a:noFill/>
+        </p:spPr>
+        <p:txBody>
+          <a:bodyPr wrap="none" rtlCol="0">
+            <a:spAutoFit/>
+          </a:bodyPr>
+          <a:p>
+            <a:r>
+              <a:rPr lang="zh-CN" altLang="" sz="1400" b="1">
+                <a:solidFill>
+                  <a:srgbClr val="2C3E50"/>
+                </a:solidFill>
+              </a:rPr>
+              <a:t>目标机器码</a:t>
+            </a:r>
+            <a:endParaRPr lang="zh-CN" altLang="" sz="1400" b="1">
+              <a:solidFill>
+                <a:srgbClr val="2C3E50"/>
+              </a:solidFill>
+            </a:endParaRPr>
+          </a:p>
+        </p:txBody>
+      </p:sp>
+      <p:cxnSp>
+        <p:nvCxnSpPr>
+          <p:cNvPr id="20" name="肘形连接符 19"/>
+          <p:cNvCxnSpPr>
+            <a:stCxn id="18" idx="2"/>
+          </p:cNvCxnSpPr>
+          <p:nvPr/>
+        </p:nvCxnSpPr>
+        <p:spPr>
+          <a:xfrm rot="5400000" flipV="true">
+            <a:off x="3632200" y="2547620"/>
+            <a:ext cx="365760" cy="1073150"/>
+          </a:xfrm>
+          <a:prstGeom prst="bentConnector2">
+            <a:avLst/>
+          </a:prstGeom>
+          <a:ln w="38100">
+            <a:solidFill>
+              <a:srgbClr val="3EAF7C"/>
+            </a:solidFill>
+            <a:tailEnd type="arrow"/>
+          </a:ln>
+        </p:spPr>
+        <p:style>
+          <a:lnRef idx="1">
+            <a:schemeClr val="accent1"/>
+          </a:lnRef>
+          <a:fillRef idx="0">
+            <a:schemeClr val="accent1"/>
+          </a:fillRef>
+          <a:effectRef idx="0">
+            <a:schemeClr val="accent1"/>
+          </a:effectRef>
+          <a:fontRef idx="minor">
+            <a:schemeClr val="tx1"/>
+          </a:fontRef>
+        </p:style>
+      </p:cxnSp>
+      <p:cxnSp>
+        <p:nvCxnSpPr>
+          <p:cNvPr id="25" name="肘形连接符 24"/>
+          <p:cNvCxnSpPr/>
+          <p:nvPr/>
+        </p:nvCxnSpPr>
+        <p:spPr>
+          <a:xfrm flipV="true">
+            <a:off x="6259830" y="2978785"/>
+            <a:ext cx="1135380" cy="366395"/>
+          </a:xfrm>
+          <a:prstGeom prst="bentConnector2">
+            <a:avLst/>
+          </a:prstGeom>
+          <a:ln w="38100">
+            <a:solidFill>
+              <a:srgbClr val="3EAF7C"/>
+            </a:solidFill>
+            <a:tailEnd type="arrow"/>
+          </a:ln>
+        </p:spPr>
+        <p:style>
+          <a:lnRef idx="1">
+            <a:schemeClr val="accent1"/>
+          </a:lnRef>
+          <a:fillRef idx="0">
+            <a:schemeClr val="accent1"/>
+          </a:fillRef>
+          <a:effectRef idx="0">
+            <a:schemeClr val="accent1"/>
+          </a:effectRef>
+          <a:fontRef idx="minor">
+            <a:schemeClr val="tx1"/>
+          </a:fontRef>
+        </p:style>
+      </p:cxnSp>
+    </p:spTree>
+  </p:cSld>
+  <p:clrMapOvr>
+    <a:masterClrMapping/>
+  </p:clrMapOvr>
+</p:sld>
+</file>
+
+<file path=ppt/slides/slide4.xml><?xml version="1.0" encoding="utf-8"?>
+<p:sld xmlns:a="http://schemas.openxmlformats.org/drawingml/2006/main" xmlns:r="http://schemas.openxmlformats.org/officeDocument/2006/relationships" xmlns:p="http://schemas.openxmlformats.org/presentationml/2006/main">
+  <p:cSld>
+    <p:spTree>
+      <p:nvGrpSpPr>
+        <p:cNvPr id="1" name=""/>
+        <p:cNvGrpSpPr/>
+        <p:nvPr/>
+      </p:nvGrpSpPr>
+      <p:grpSpPr/>
+      <p:sp>
+        <p:nvSpPr>
+          <p:cNvPr id="5" name="矩形 4"/>
+          <p:cNvSpPr/>
+          <p:nvPr/>
+        </p:nvSpPr>
+        <p:spPr>
+          <a:xfrm>
+            <a:off x="3635375" y="1924685"/>
+            <a:ext cx="1020445" cy="423545"/>
+          </a:xfrm>
+          <a:prstGeom prst="rect">
+            <a:avLst/>
+          </a:prstGeom>
+          <a:noFill/>
+          <a:ln w="28575">
+            <a:solidFill>
+              <a:srgbClr val="2C3E50"/>
+            </a:solidFill>
+          </a:ln>
+          <a:extLst>
+            <a:ext uri="{909E8E84-426E-40DD-AFC4-6F175D3DCCD1}">
+              <a14:hiddenFill xmlns:a14="http://schemas.microsoft.com/office/drawing/2010/main">
+                <a:solidFill>
+                  <a:schemeClr val="accent1"/>
+                </a:solidFill>
+              </a14:hiddenFill>
+            </a:ext>
+          </a:extLst>
+        </p:spPr>
+        <p:style>
+          <a:lnRef idx="2">
+            <a:schemeClr val="accent1">
+              <a:shade val="50000"/>
+            </a:schemeClr>
+          </a:lnRef>
+          <a:fillRef idx="1">
+            <a:schemeClr val="accent1"/>
+          </a:fillRef>
+          <a:effectRef idx="0">
+            <a:schemeClr val="accent1"/>
+          </a:effectRef>
+          <a:fontRef idx="minor">
+            <a:schemeClr val="lt1"/>
+          </a:fontRef>
+        </p:style>
+        <p:txBody>
+          <a:bodyPr rtlCol="0" anchor="ctr"/>
+          <a:p>
+            <a:pPr algn="ctr"/>
+            <a:r>
+              <a:rPr lang="en-US" altLang="zh-CN" sz="1200" b="1">
+                <a:solidFill>
+                  <a:srgbClr val="2C3E50"/>
+                </a:solidFill>
+              </a:rPr>
+              <a:t>C</a:t>
+            </a:r>
+            <a:endParaRPr lang="zh-CN" altLang="en-US" sz="1200" b="1">
+              <a:solidFill>
+                <a:srgbClr val="2C3E50"/>
+              </a:solidFill>
+            </a:endParaRPr>
+          </a:p>
+        </p:txBody>
+      </p:sp>
+      <p:sp>
+        <p:nvSpPr>
+          <p:cNvPr id="6" name="矩形 5"/>
+          <p:cNvSpPr/>
+          <p:nvPr/>
+        </p:nvSpPr>
+        <p:spPr>
+          <a:xfrm>
+            <a:off x="3635375" y="2348230"/>
+            <a:ext cx="1020445" cy="420370"/>
+          </a:xfrm>
+          <a:prstGeom prst="rect">
+            <a:avLst/>
+          </a:prstGeom>
+          <a:noFill/>
+          <a:ln w="28575">
+            <a:solidFill>
+              <a:srgbClr val="2C3E50"/>
+            </a:solidFill>
+          </a:ln>
+          <a:extLst>
+            <a:ext uri="{909E8E84-426E-40DD-AFC4-6F175D3DCCD1}">
+              <a14:hiddenFill xmlns:a14="http://schemas.microsoft.com/office/drawing/2010/main">
+                <a:solidFill>
+                  <a:schemeClr val="accent1"/>
+                </a:solidFill>
+              </a14:hiddenFill>
+            </a:ext>
+          </a:extLst>
+        </p:spPr>
+        <p:style>
+          <a:lnRef idx="2">
+            <a:schemeClr val="accent1">
+              <a:shade val="50000"/>
+            </a:schemeClr>
+          </a:lnRef>
+          <a:fillRef idx="1">
+            <a:schemeClr val="accent1"/>
+          </a:fillRef>
+          <a:effectRef idx="0">
+            <a:schemeClr val="accent1"/>
+          </a:effectRef>
+          <a:fontRef idx="minor">
+            <a:schemeClr val="lt1"/>
+          </a:fontRef>
+        </p:style>
+        <p:txBody>
+          <a:bodyPr rtlCol="0" anchor="ctr"/>
+          <a:p>
+            <a:pPr algn="ctr"/>
+            <a:r>
+              <a:rPr lang="en-US" altLang="zh-CN" sz="1200" b="1">
+                <a:solidFill>
+                  <a:srgbClr val="2C3E50"/>
+                </a:solidFill>
+              </a:rPr>
+              <a:t>C++</a:t>
+            </a:r>
+            <a:endParaRPr lang="en-US" altLang="zh-CN" sz="1200" b="1">
+              <a:solidFill>
+                <a:srgbClr val="2C3E50"/>
+              </a:solidFill>
+            </a:endParaRPr>
+          </a:p>
+        </p:txBody>
+      </p:sp>
+      <p:sp>
+        <p:nvSpPr>
+          <p:cNvPr id="7" name="矩形 6"/>
+          <p:cNvSpPr/>
+          <p:nvPr/>
+        </p:nvSpPr>
+        <p:spPr>
+          <a:xfrm>
+            <a:off x="3635375" y="4101465"/>
+            <a:ext cx="1020445" cy="454660"/>
+          </a:xfrm>
+          <a:prstGeom prst="rect">
+            <a:avLst/>
+          </a:prstGeom>
+          <a:noFill/>
+          <a:ln w="28575">
+            <a:solidFill>
+              <a:srgbClr val="2C3E50"/>
+            </a:solidFill>
+          </a:ln>
+          <a:extLst>
+            <a:ext uri="{909E8E84-426E-40DD-AFC4-6F175D3DCCD1}">
+              <a14:hiddenFill xmlns:a14="http://schemas.microsoft.com/office/drawing/2010/main">
+                <a:solidFill>
+                  <a:schemeClr val="accent1"/>
+                </a:solidFill>
+              </a14:hiddenFill>
+            </a:ext>
+          </a:extLst>
+        </p:spPr>
+        <p:style>
+          <a:lnRef idx="2">
+            <a:schemeClr val="accent1">
+              <a:shade val="50000"/>
+            </a:schemeClr>
+          </a:lnRef>
+          <a:fillRef idx="1">
+            <a:schemeClr val="accent1"/>
+          </a:fillRef>
+          <a:effectRef idx="0">
+            <a:schemeClr val="accent1"/>
+          </a:effectRef>
+          <a:fontRef idx="minor">
+            <a:schemeClr val="lt1"/>
+          </a:fontRef>
+        </p:style>
+        <p:txBody>
+          <a:bodyPr rtlCol="0" anchor="ctr"/>
+          <a:p>
+            <a:pPr algn="ctr"/>
+            <a:r>
+              <a:rPr lang="" altLang="en-US" sz="1200" b="1">
+                <a:solidFill>
+                  <a:srgbClr val="2C3E50"/>
+                </a:solidFill>
+              </a:rPr>
+              <a:t>?</a:t>
+            </a:r>
+            <a:endParaRPr lang="" altLang="en-US" sz="1200" b="1">
+              <a:solidFill>
+                <a:srgbClr val="2C3E50"/>
+              </a:solidFill>
+            </a:endParaRPr>
+          </a:p>
+        </p:txBody>
+      </p:sp>
+      <p:sp>
+        <p:nvSpPr>
+          <p:cNvPr id="8" name="矩形 7"/>
+          <p:cNvSpPr/>
+          <p:nvPr/>
+        </p:nvSpPr>
+        <p:spPr>
+          <a:xfrm>
+            <a:off x="3635375" y="2768600"/>
+            <a:ext cx="1020445" cy="417830"/>
+          </a:xfrm>
+          <a:prstGeom prst="rect">
+            <a:avLst/>
+          </a:prstGeom>
+          <a:noFill/>
+          <a:ln w="28575">
+            <a:solidFill>
+              <a:srgbClr val="2C3E50"/>
+            </a:solidFill>
+          </a:ln>
+          <a:extLst>
+            <a:ext uri="{909E8E84-426E-40DD-AFC4-6F175D3DCCD1}">
+              <a14:hiddenFill xmlns:a14="http://schemas.microsoft.com/office/drawing/2010/main">
+                <a:solidFill>
+                  <a:schemeClr val="accent1"/>
+                </a:solidFill>
+              </a14:hiddenFill>
+            </a:ext>
+          </a:extLst>
+        </p:spPr>
+        <p:style>
+          <a:lnRef idx="2">
+            <a:schemeClr val="accent1">
+              <a:shade val="50000"/>
+            </a:schemeClr>
+          </a:lnRef>
+          <a:fillRef idx="1">
+            <a:schemeClr val="accent1"/>
+          </a:fillRef>
+          <a:effectRef idx="0">
+            <a:schemeClr val="accent1"/>
+          </a:effectRef>
+          <a:fontRef idx="minor">
+            <a:schemeClr val="lt1"/>
+          </a:fontRef>
+        </p:style>
+        <p:txBody>
+          <a:bodyPr rtlCol="0" anchor="ctr"/>
+          <a:p>
+            <a:pPr algn="ctr"/>
+            <a:r>
+              <a:rPr lang="en-US" altLang="zh-CN" sz="1200" b="1">
+                <a:solidFill>
+                  <a:srgbClr val="2C3E50"/>
+                </a:solidFill>
+              </a:rPr>
+              <a:t>Go</a:t>
+            </a:r>
+            <a:endParaRPr lang="en-US" altLang="zh-CN" sz="1200" b="1">
+              <a:solidFill>
+                <a:srgbClr val="2C3E50"/>
+              </a:solidFill>
+            </a:endParaRPr>
+          </a:p>
+        </p:txBody>
+      </p:sp>
+      <p:sp>
+        <p:nvSpPr>
+          <p:cNvPr id="4" name="矩形 3"/>
+          <p:cNvSpPr/>
+          <p:nvPr/>
+        </p:nvSpPr>
+        <p:spPr>
+          <a:xfrm>
+            <a:off x="3635375" y="3186430"/>
+            <a:ext cx="1020445" cy="915035"/>
+          </a:xfrm>
+          <a:prstGeom prst="rect">
+            <a:avLst/>
+          </a:prstGeom>
+          <a:noFill/>
+          <a:ln w="28575">
+            <a:solidFill>
+              <a:srgbClr val="2C3E50"/>
+            </a:solidFill>
+          </a:ln>
+          <a:extLst>
+            <a:ext uri="{909E8E84-426E-40DD-AFC4-6F175D3DCCD1}">
+              <a14:hiddenFill xmlns:a14="http://schemas.microsoft.com/office/drawing/2010/main">
+                <a:solidFill>
+                  <a:schemeClr val="accent1"/>
+                </a:solidFill>
+              </a14:hiddenFill>
+            </a:ext>
+          </a:extLst>
+        </p:spPr>
+        <p:style>
+          <a:lnRef idx="2">
+            <a:schemeClr val="accent1">
+              <a:shade val="50000"/>
+            </a:schemeClr>
+          </a:lnRef>
+          <a:fillRef idx="1">
+            <a:schemeClr val="accent1"/>
+          </a:fillRef>
+          <a:effectRef idx="0">
+            <a:schemeClr val="accent1"/>
+          </a:effectRef>
+          <a:fontRef idx="minor">
+            <a:schemeClr val="lt1"/>
+          </a:fontRef>
+        </p:style>
+        <p:txBody>
+          <a:bodyPr rtlCol="0" anchor="ctr"/>
+          <a:p>
+            <a:pPr algn="ctr"/>
+            <a:r>
+              <a:rPr lang="" altLang="zh-CN" sz="1200" b="1">
+                <a:solidFill>
+                  <a:srgbClr val="2C3E50"/>
+                </a:solidFill>
+              </a:rPr>
+              <a:t>.</a:t>
+            </a:r>
+            <a:endParaRPr lang="" altLang="zh-CN" sz="1200" b="1">
+              <a:solidFill>
+                <a:srgbClr val="2C3E50"/>
+              </a:solidFill>
+            </a:endParaRPr>
+          </a:p>
+          <a:p>
+            <a:pPr algn="ctr"/>
+            <a:r>
+              <a:rPr lang="" altLang="zh-CN" sz="1200" b="1">
+                <a:solidFill>
+                  <a:srgbClr val="2C3E50"/>
+                </a:solidFill>
+              </a:rPr>
+              <a:t>.</a:t>
+            </a:r>
+            <a:endParaRPr lang="" altLang="zh-CN" sz="1200" b="1">
+              <a:solidFill>
+                <a:srgbClr val="2C3E50"/>
+              </a:solidFill>
+            </a:endParaRPr>
+          </a:p>
+          <a:p>
+            <a:pPr algn="ctr"/>
+            <a:r>
+              <a:rPr lang="" altLang="zh-CN" sz="1200" b="1">
+                <a:solidFill>
+                  <a:srgbClr val="2C3E50"/>
+                </a:solidFill>
+              </a:rPr>
+              <a:t>.</a:t>
+            </a:r>
+            <a:endParaRPr lang="" altLang="zh-CN" sz="1200" b="1">
+              <a:solidFill>
+                <a:srgbClr val="2C3E50"/>
+              </a:solidFill>
+            </a:endParaRPr>
+          </a:p>
+        </p:txBody>
+      </p:sp>
+      <p:sp>
+        <p:nvSpPr>
+          <p:cNvPr id="15" name="矩形 14"/>
+          <p:cNvSpPr/>
+          <p:nvPr/>
+        </p:nvSpPr>
+        <p:spPr>
+          <a:xfrm>
+            <a:off x="7461250" y="1924685"/>
+            <a:ext cx="1020445" cy="423545"/>
+          </a:xfrm>
+          <a:prstGeom prst="rect">
+            <a:avLst/>
+          </a:prstGeom>
+          <a:noFill/>
+          <a:ln w="28575">
+            <a:solidFill>
+              <a:srgbClr val="2C3E50"/>
+            </a:solidFill>
+          </a:ln>
+          <a:extLst>
+            <a:ext uri="{909E8E84-426E-40DD-AFC4-6F175D3DCCD1}">
+              <a14:hiddenFill xmlns:a14="http://schemas.microsoft.com/office/drawing/2010/main">
+                <a:solidFill>
+                  <a:schemeClr val="accent1"/>
+                </a:solidFill>
+              </a14:hiddenFill>
+            </a:ext>
+          </a:extLst>
+        </p:spPr>
+        <p:style>
+          <a:lnRef idx="2">
+            <a:schemeClr val="accent1">
+              <a:shade val="50000"/>
+            </a:schemeClr>
+          </a:lnRef>
+          <a:fillRef idx="1">
+            <a:schemeClr val="accent1"/>
+          </a:fillRef>
+          <a:effectRef idx="0">
+            <a:schemeClr val="accent1"/>
+          </a:effectRef>
+          <a:fontRef idx="minor">
+            <a:schemeClr val="lt1"/>
+          </a:fontRef>
+        </p:style>
+        <p:txBody>
+          <a:bodyPr rtlCol="0" anchor="ctr"/>
+          <a:p>
+            <a:pPr algn="ctr"/>
+            <a:r>
+              <a:rPr lang="" altLang="en-US" sz="1200" b="1">
+                <a:solidFill>
+                  <a:srgbClr val="2C3E50"/>
+                </a:solidFill>
+              </a:rPr>
+              <a:t>X86</a:t>
+            </a:r>
+            <a:endParaRPr lang="" altLang="en-US" sz="1200" b="1">
+              <a:solidFill>
+                <a:srgbClr val="2C3E50"/>
+              </a:solidFill>
+            </a:endParaRPr>
+          </a:p>
+        </p:txBody>
+      </p:sp>
+      <p:sp>
+        <p:nvSpPr>
+          <p:cNvPr id="16" name="矩形 15"/>
+          <p:cNvSpPr/>
+          <p:nvPr/>
+        </p:nvSpPr>
+        <p:spPr>
+          <a:xfrm>
+            <a:off x="7461250" y="2348230"/>
+            <a:ext cx="1020445" cy="420370"/>
+          </a:xfrm>
+          <a:prstGeom prst="rect">
+            <a:avLst/>
+          </a:prstGeom>
+          <a:noFill/>
+          <a:ln w="28575">
+            <a:solidFill>
+              <a:srgbClr val="2C3E50"/>
+            </a:solidFill>
+          </a:ln>
+          <a:extLst>
+            <a:ext uri="{909E8E84-426E-40DD-AFC4-6F175D3DCCD1}">
+              <a14:hiddenFill xmlns:a14="http://schemas.microsoft.com/office/drawing/2010/main">
+                <a:solidFill>
+                  <a:schemeClr val="accent1"/>
+                </a:solidFill>
+              </a14:hiddenFill>
+            </a:ext>
+          </a:extLst>
+        </p:spPr>
+        <p:style>
+          <a:lnRef idx="2">
+            <a:schemeClr val="accent1">
+              <a:shade val="50000"/>
+            </a:schemeClr>
+          </a:lnRef>
+          <a:fillRef idx="1">
+            <a:schemeClr val="accent1"/>
+          </a:fillRef>
+          <a:effectRef idx="0">
+            <a:schemeClr val="accent1"/>
+          </a:effectRef>
+          <a:fontRef idx="minor">
+            <a:schemeClr val="lt1"/>
+          </a:fontRef>
+        </p:style>
+        <p:txBody>
+          <a:bodyPr rtlCol="0" anchor="ctr"/>
+          <a:p>
+            <a:pPr algn="ctr"/>
+            <a:r>
+              <a:rPr lang="" altLang="en-US" sz="1200" b="1">
+                <a:solidFill>
+                  <a:srgbClr val="2C3E50"/>
+                </a:solidFill>
+              </a:rPr>
+              <a:t>ARM</a:t>
+            </a:r>
+            <a:endParaRPr lang="" altLang="en-US" sz="1200" b="1">
+              <a:solidFill>
+                <a:srgbClr val="2C3E50"/>
+              </a:solidFill>
+            </a:endParaRPr>
+          </a:p>
+        </p:txBody>
+      </p:sp>
+      <p:sp>
+        <p:nvSpPr>
+          <p:cNvPr id="17" name="矩形 16"/>
+          <p:cNvSpPr/>
+          <p:nvPr/>
+        </p:nvSpPr>
+        <p:spPr>
+          <a:xfrm>
+            <a:off x="7461250" y="4101465"/>
+            <a:ext cx="1020445" cy="454660"/>
+          </a:xfrm>
+          <a:prstGeom prst="rect">
+            <a:avLst/>
+          </a:prstGeom>
+          <a:noFill/>
+          <a:ln w="28575">
+            <a:solidFill>
+              <a:srgbClr val="2C3E50"/>
+            </a:solidFill>
+          </a:ln>
+          <a:extLst>
+            <a:ext uri="{909E8E84-426E-40DD-AFC4-6F175D3DCCD1}">
+              <a14:hiddenFill xmlns:a14="http://schemas.microsoft.com/office/drawing/2010/main">
+                <a:solidFill>
+                  <a:schemeClr val="accent1"/>
+                </a:solidFill>
+              </a14:hiddenFill>
+            </a:ext>
+          </a:extLst>
+        </p:spPr>
+        <p:style>
+          <a:lnRef idx="2">
+            <a:schemeClr val="accent1">
+              <a:shade val="50000"/>
+            </a:schemeClr>
+          </a:lnRef>
+          <a:fillRef idx="1">
+            <a:schemeClr val="accent1"/>
+          </a:fillRef>
+          <a:effectRef idx="0">
+            <a:schemeClr val="accent1"/>
+          </a:effectRef>
+          <a:fontRef idx="minor">
+            <a:schemeClr val="lt1"/>
+          </a:fontRef>
+        </p:style>
+        <p:txBody>
+          <a:bodyPr rtlCol="0" anchor="ctr"/>
+          <a:p>
+            <a:pPr algn="ctr"/>
+            <a:r>
+              <a:rPr lang="" altLang="en-US" sz="1200" b="1">
+                <a:solidFill>
+                  <a:srgbClr val="2C3E50"/>
+                </a:solidFill>
+              </a:rPr>
+              <a:t>?</a:t>
+            </a:r>
+            <a:endParaRPr lang="" altLang="en-US" sz="1200" b="1">
+              <a:solidFill>
+                <a:srgbClr val="2C3E50"/>
+              </a:solidFill>
+            </a:endParaRPr>
+          </a:p>
+        </p:txBody>
+      </p:sp>
+      <p:sp>
+        <p:nvSpPr>
+          <p:cNvPr id="18" name="矩形 17"/>
+          <p:cNvSpPr/>
+          <p:nvPr/>
+        </p:nvSpPr>
+        <p:spPr>
+          <a:xfrm>
+            <a:off x="7461250" y="2768600"/>
+            <a:ext cx="1020445" cy="417830"/>
+          </a:xfrm>
+          <a:prstGeom prst="rect">
+            <a:avLst/>
+          </a:prstGeom>
+          <a:noFill/>
+          <a:ln w="28575">
+            <a:solidFill>
+              <a:srgbClr val="2C3E50"/>
+            </a:solidFill>
+          </a:ln>
+          <a:extLst>
+            <a:ext uri="{909E8E84-426E-40DD-AFC4-6F175D3DCCD1}">
+              <a14:hiddenFill xmlns:a14="http://schemas.microsoft.com/office/drawing/2010/main">
+                <a:solidFill>
+                  <a:schemeClr val="accent1"/>
+                </a:solidFill>
+              </a14:hiddenFill>
+            </a:ext>
+          </a:extLst>
+        </p:spPr>
+        <p:style>
+          <a:lnRef idx="2">
+            <a:schemeClr val="accent1">
+              <a:shade val="50000"/>
+            </a:schemeClr>
+          </a:lnRef>
+          <a:fillRef idx="1">
+            <a:schemeClr val="accent1"/>
+          </a:fillRef>
+          <a:effectRef idx="0">
+            <a:schemeClr val="accent1"/>
+          </a:effectRef>
+          <a:fontRef idx="minor">
+            <a:schemeClr val="lt1"/>
+          </a:fontRef>
+        </p:style>
+        <p:txBody>
+          <a:bodyPr rtlCol="0" anchor="ctr"/>
+          <a:p>
+            <a:pPr algn="ctr"/>
+            <a:r>
+              <a:rPr lang="" altLang="en-US" sz="1200" b="1">
+                <a:solidFill>
+                  <a:srgbClr val="2C3E50"/>
+                </a:solidFill>
+              </a:rPr>
+              <a:t>Powerpc</a:t>
+            </a:r>
+            <a:endParaRPr lang="" altLang="en-US" sz="1200" b="1">
+              <a:solidFill>
+                <a:srgbClr val="2C3E50"/>
+              </a:solidFill>
+            </a:endParaRPr>
+          </a:p>
+        </p:txBody>
+      </p:sp>
+      <p:sp>
+        <p:nvSpPr>
+          <p:cNvPr id="19" name="矩形 18"/>
+          <p:cNvSpPr/>
+          <p:nvPr/>
+        </p:nvSpPr>
+        <p:spPr>
+          <a:xfrm>
+            <a:off x="7461250" y="3186430"/>
+            <a:ext cx="1020445" cy="915035"/>
+          </a:xfrm>
+          <a:prstGeom prst="rect">
+            <a:avLst/>
+          </a:prstGeom>
+          <a:noFill/>
+          <a:ln w="28575">
+            <a:solidFill>
+              <a:srgbClr val="2C3E50"/>
+            </a:solidFill>
+          </a:ln>
+          <a:extLst>
+            <a:ext uri="{909E8E84-426E-40DD-AFC4-6F175D3DCCD1}">
+              <a14:hiddenFill xmlns:a14="http://schemas.microsoft.com/office/drawing/2010/main">
+                <a:solidFill>
+                  <a:schemeClr val="accent1"/>
+                </a:solidFill>
+              </a14:hiddenFill>
+            </a:ext>
+          </a:extLst>
+        </p:spPr>
+        <p:style>
+          <a:lnRef idx="2">
+            <a:schemeClr val="accent1">
+              <a:shade val="50000"/>
+            </a:schemeClr>
+          </a:lnRef>
+          <a:fillRef idx="1">
+            <a:schemeClr val="accent1"/>
+          </a:fillRef>
+          <a:effectRef idx="0">
+            <a:schemeClr val="accent1"/>
+          </a:effectRef>
+          <a:fontRef idx="minor">
+            <a:schemeClr val="lt1"/>
+          </a:fontRef>
+        </p:style>
+        <p:txBody>
+          <a:bodyPr rtlCol="0" anchor="ctr"/>
+          <a:p>
+            <a:pPr algn="ctr"/>
+            <a:endParaRPr lang="en-US" altLang="zh-CN" sz="1200" b="1">
+              <a:solidFill>
+                <a:srgbClr val="2C3E50"/>
+              </a:solidFill>
+            </a:endParaRPr>
+          </a:p>
+        </p:txBody>
+      </p:sp>
+      <p:sp>
+        <p:nvSpPr>
+          <p:cNvPr id="21" name="左大括号 20"/>
+          <p:cNvSpPr/>
+          <p:nvPr/>
+        </p:nvSpPr>
+        <p:spPr>
+          <a:xfrm>
+            <a:off x="6889750" y="1876425"/>
+            <a:ext cx="571500" cy="2679700"/>
+          </a:xfrm>
+          <a:prstGeom prst="leftBrace">
+            <a:avLst>
+              <a:gd name="adj1" fmla="val 8333"/>
+              <a:gd name="adj2" fmla="val 51267"/>
+            </a:avLst>
+          </a:prstGeom>
+          <a:ln w="38100">
+            <a:solidFill>
+              <a:srgbClr val="3EAF7C"/>
+            </a:solidFill>
+          </a:ln>
+        </p:spPr>
+        <p:style>
+          <a:lnRef idx="1">
+            <a:schemeClr val="accent1"/>
+          </a:lnRef>
+          <a:fillRef idx="0">
+            <a:schemeClr val="accent1"/>
+          </a:fillRef>
+          <a:effectRef idx="0">
+            <a:schemeClr val="accent1"/>
+          </a:effectRef>
+          <a:fontRef idx="minor">
+            <a:schemeClr val="tx1"/>
+          </a:fontRef>
+        </p:style>
+        <p:txBody>
+          <a:bodyPr rtlCol="0" anchor="ctr"/>
+          <a:p>
+            <a:pPr algn="ctr"/>
+            <a:endParaRPr lang="zh-CN" altLang="en-US"/>
+          </a:p>
+        </p:txBody>
+      </p:sp>
+      <p:sp>
+        <p:nvSpPr>
+          <p:cNvPr id="22" name="左大括号 21"/>
+          <p:cNvSpPr/>
+          <p:nvPr/>
+        </p:nvSpPr>
+        <p:spPr>
+          <a:xfrm rot="10800000">
+            <a:off x="4609465" y="1882775"/>
+            <a:ext cx="584835" cy="2679700"/>
+          </a:xfrm>
+          <a:prstGeom prst="leftBrace">
+            <a:avLst>
+              <a:gd name="adj1" fmla="val 8333"/>
+              <a:gd name="adj2" fmla="val 51267"/>
+            </a:avLst>
+          </a:prstGeom>
+          <a:ln w="38100">
+            <a:solidFill>
+              <a:srgbClr val="3EAF7C"/>
+            </a:solidFill>
+          </a:ln>
+        </p:spPr>
+        <p:style>
+          <a:lnRef idx="1">
+            <a:schemeClr val="accent1"/>
+          </a:lnRef>
+          <a:fillRef idx="0">
+            <a:schemeClr val="accent1"/>
+          </a:fillRef>
+          <a:effectRef idx="0">
+            <a:schemeClr val="accent1"/>
+          </a:effectRef>
+          <a:fontRef idx="minor">
+            <a:schemeClr val="tx1"/>
+          </a:fontRef>
+        </p:style>
+        <p:txBody>
+          <a:bodyPr rtlCol="0" anchor="ctr"/>
+          <a:p>
+            <a:pPr algn="ctr"/>
+            <a:endParaRPr lang="zh-CN" altLang="en-US"/>
+          </a:p>
+        </p:txBody>
+      </p:sp>
+      <p:sp>
+        <p:nvSpPr>
+          <p:cNvPr id="23" name="文本框 22"/>
+          <p:cNvSpPr txBox="true"/>
+          <p:nvPr/>
+        </p:nvSpPr>
+        <p:spPr>
+          <a:xfrm>
+            <a:off x="5434965" y="3032125"/>
+            <a:ext cx="347980" cy="368300"/>
+          </a:xfrm>
+          <a:prstGeom prst="rect">
+            <a:avLst/>
+          </a:prstGeom>
+          <a:noFill/>
+        </p:spPr>
+        <p:txBody>
+          <a:bodyPr wrap="none" rtlCol="0">
+            <a:spAutoFit/>
+          </a:bodyPr>
+          <a:p>
+            <a:r>
+              <a:rPr lang="" altLang="zh-CN" b="1">
+                <a:solidFill>
+                  <a:srgbClr val="2C3E50"/>
+                </a:solidFill>
+              </a:rPr>
+              <a:t>N</a:t>
+            </a:r>
+            <a:endParaRPr lang="" altLang="zh-CN" b="1">
+              <a:solidFill>
+                <a:srgbClr val="2C3E50"/>
+              </a:solidFill>
+            </a:endParaRPr>
+          </a:p>
+        </p:txBody>
+      </p:sp>
+      <p:sp>
+        <p:nvSpPr>
+          <p:cNvPr id="24" name="文本框 23"/>
+          <p:cNvSpPr txBox="true"/>
+          <p:nvPr/>
+        </p:nvSpPr>
+        <p:spPr>
+          <a:xfrm>
+            <a:off x="6406515" y="3038475"/>
+            <a:ext cx="347980" cy="368300"/>
+          </a:xfrm>
+          <a:prstGeom prst="rect">
+            <a:avLst/>
+          </a:prstGeom>
+          <a:noFill/>
+        </p:spPr>
+        <p:txBody>
+          <a:bodyPr wrap="none" rtlCol="0">
+            <a:spAutoFit/>
+          </a:bodyPr>
+          <a:p>
+            <a:r>
+              <a:rPr lang="en-US" altLang="zh-CN" b="1">
+                <a:solidFill>
+                  <a:srgbClr val="2C3E50"/>
+                </a:solidFill>
+              </a:rPr>
+              <a:t>N</a:t>
+            </a:r>
+            <a:endParaRPr lang="en-US" altLang="zh-CN" b="1">
               <a:solidFill>
                 <a:srgbClr val="2C3E50"/>
               </a:solidFill>

--- a/docs/tools/builder/common/front-backend/front-backend.pptx
+++ b/docs/tools/builder/common/front-backend/front-backend.pptx
@@ -3505,920 +3505,935 @@
         <p:nvPr/>
       </p:nvGrpSpPr>
       <p:grpSpPr/>
-      <p:sp>
-        <p:nvSpPr>
-          <p:cNvPr id="5" name="矩形 4"/>
-          <p:cNvSpPr/>
+      <p:grpSp>
+        <p:nvGrpSpPr>
+          <p:cNvPr id="29" name="组合 28"/>
+          <p:cNvGrpSpPr/>
           <p:nvPr/>
-        </p:nvSpPr>
-        <p:spPr>
+        </p:nvGrpSpPr>
+        <p:grpSpPr>
           <a:xfrm>
-            <a:off x="2681605" y="2962910"/>
-            <a:ext cx="502920" cy="1467485"/>
+            <a:off x="593090" y="1208405"/>
+            <a:ext cx="11256645" cy="4324985"/>
+            <a:chOff x="2027" y="3429"/>
+            <a:chExt cx="13910" cy="4205"/>
           </a:xfrm>
-          <a:prstGeom prst="rect">
-            <a:avLst/>
-          </a:prstGeom>
-          <a:noFill/>
-          <a:ln w="28575">
-            <a:solidFill>
-              <a:srgbClr val="2C3E50"/>
-            </a:solidFill>
-          </a:ln>
-          <a:extLst>
-            <a:ext uri="{909E8E84-426E-40DD-AFC4-6F175D3DCCD1}">
-              <a14:hiddenFill xmlns:a14="http://schemas.microsoft.com/office/drawing/2010/main">
-                <a:solidFill>
-                  <a:schemeClr val="accent1"/>
-                </a:solidFill>
-              </a14:hiddenFill>
-            </a:ext>
-          </a:extLst>
-        </p:spPr>
-        <p:style>
-          <a:lnRef idx="2">
-            <a:schemeClr val="accent1">
-              <a:shade val="50000"/>
-            </a:schemeClr>
-          </a:lnRef>
-          <a:fillRef idx="1">
-            <a:schemeClr val="accent1"/>
-          </a:fillRef>
-          <a:effectRef idx="0">
-            <a:schemeClr val="accent1"/>
-          </a:effectRef>
-          <a:fontRef idx="minor">
-            <a:schemeClr val="lt1"/>
-          </a:fontRef>
-        </p:style>
-        <p:txBody>
-          <a:bodyPr rtlCol="0" anchor="ctr"/>
-          <a:p>
-            <a:pPr algn="ctr"/>
-            <a:r>
-              <a:rPr lang="zh-CN" altLang="en-US" sz="1200" b="1">
+        </p:grpSpPr>
+        <p:sp>
+          <p:nvSpPr>
+            <p:cNvPr id="5" name="矩形 4"/>
+            <p:cNvSpPr/>
+            <p:nvPr/>
+          </p:nvSpPr>
+          <p:spPr>
+            <a:xfrm>
+              <a:off x="4223" y="4666"/>
+              <a:ext cx="792" cy="2311"/>
+            </a:xfrm>
+            <a:prstGeom prst="rect">
+              <a:avLst/>
+            </a:prstGeom>
+            <a:noFill/>
+            <a:ln w="28575">
+              <a:solidFill>
+                <a:srgbClr val="2C3E50"/>
+              </a:solidFill>
+            </a:ln>
+            <a:extLst>
+              <a:ext uri="{909E8E84-426E-40DD-AFC4-6F175D3DCCD1}">
+                <a14:hiddenFill xmlns:a14="http://schemas.microsoft.com/office/drawing/2010/main">
+                  <a:solidFill>
+                    <a:schemeClr val="accent1"/>
+                  </a:solidFill>
+                </a14:hiddenFill>
+              </a:ext>
+            </a:extLst>
+          </p:spPr>
+          <p:style>
+            <a:lnRef idx="2">
+              <a:schemeClr val="accent1">
+                <a:shade val="50000"/>
+              </a:schemeClr>
+            </a:lnRef>
+            <a:fillRef idx="1">
+              <a:schemeClr val="accent1"/>
+            </a:fillRef>
+            <a:effectRef idx="0">
+              <a:schemeClr val="accent1"/>
+            </a:effectRef>
+            <a:fontRef idx="minor">
+              <a:schemeClr val="lt1"/>
+            </a:fontRef>
+          </p:style>
+          <p:txBody>
+            <a:bodyPr rtlCol="0" anchor="ctr"/>
+            <a:p>
+              <a:pPr algn="ctr"/>
+              <a:r>
+                <a:rPr lang="zh-CN" altLang="en-US" sz="1200" b="1">
+                  <a:solidFill>
+                    <a:srgbClr val="2C3E50"/>
+                  </a:solidFill>
+                </a:rPr>
+                <a:t>词法分析</a:t>
+              </a:r>
+              <a:endParaRPr lang="zh-CN" altLang="en-US" sz="1200" b="1">
                 <a:solidFill>
                   <a:srgbClr val="2C3E50"/>
                 </a:solidFill>
-              </a:rPr>
-              <a:t>词法分析</a:t>
-            </a:r>
-            <a:endParaRPr lang="zh-CN" altLang="en-US" sz="1200" b="1">
+              </a:endParaRPr>
+            </a:p>
+          </p:txBody>
+        </p:sp>
+        <p:sp>
+          <p:nvSpPr>
+            <p:cNvPr id="2" name="矩形 1"/>
+            <p:cNvSpPr/>
+            <p:nvPr/>
+          </p:nvSpPr>
+          <p:spPr>
+            <a:xfrm>
+              <a:off x="6136" y="4666"/>
+              <a:ext cx="792" cy="2311"/>
+            </a:xfrm>
+            <a:prstGeom prst="rect">
+              <a:avLst/>
+            </a:prstGeom>
+            <a:noFill/>
+            <a:ln w="28575">
               <a:solidFill>
                 <a:srgbClr val="2C3E50"/>
               </a:solidFill>
-            </a:endParaRPr>
-          </a:p>
-        </p:txBody>
-      </p:sp>
-      <p:sp>
-        <p:nvSpPr>
-          <p:cNvPr id="2" name="矩形 1"/>
-          <p:cNvSpPr/>
-          <p:nvPr/>
-        </p:nvSpPr>
-        <p:spPr>
-          <a:xfrm>
-            <a:off x="3896360" y="2962910"/>
-            <a:ext cx="502920" cy="1467485"/>
-          </a:xfrm>
-          <a:prstGeom prst="rect">
-            <a:avLst/>
-          </a:prstGeom>
-          <a:noFill/>
-          <a:ln w="28575">
-            <a:solidFill>
-              <a:srgbClr val="2C3E50"/>
-            </a:solidFill>
-          </a:ln>
-          <a:extLst>
-            <a:ext uri="{909E8E84-426E-40DD-AFC4-6F175D3DCCD1}">
-              <a14:hiddenFill xmlns:a14="http://schemas.microsoft.com/office/drawing/2010/main">
-                <a:solidFill>
-                  <a:schemeClr val="accent1"/>
-                </a:solidFill>
-              </a14:hiddenFill>
-            </a:ext>
-          </a:extLst>
-        </p:spPr>
-        <p:style>
-          <a:lnRef idx="2">
-            <a:schemeClr val="accent1">
-              <a:shade val="50000"/>
-            </a:schemeClr>
-          </a:lnRef>
-          <a:fillRef idx="1">
-            <a:schemeClr val="accent1"/>
-          </a:fillRef>
-          <a:effectRef idx="0">
-            <a:schemeClr val="accent1"/>
-          </a:effectRef>
-          <a:fontRef idx="minor">
-            <a:schemeClr val="lt1"/>
-          </a:fontRef>
-        </p:style>
-        <p:txBody>
-          <a:bodyPr rtlCol="0" anchor="ctr"/>
-          <a:p>
-            <a:pPr algn="ctr"/>
-            <a:r>
-              <a:rPr lang="zh-CN" altLang="en-US" sz="1200" b="1">
+            </a:ln>
+            <a:extLst>
+              <a:ext uri="{909E8E84-426E-40DD-AFC4-6F175D3DCCD1}">
+                <a14:hiddenFill xmlns:a14="http://schemas.microsoft.com/office/drawing/2010/main">
+                  <a:solidFill>
+                    <a:schemeClr val="accent1"/>
+                  </a:solidFill>
+                </a14:hiddenFill>
+              </a:ext>
+            </a:extLst>
+          </p:spPr>
+          <p:style>
+            <a:lnRef idx="2">
+              <a:schemeClr val="accent1">
+                <a:shade val="50000"/>
+              </a:schemeClr>
+            </a:lnRef>
+            <a:fillRef idx="1">
+              <a:schemeClr val="accent1"/>
+            </a:fillRef>
+            <a:effectRef idx="0">
+              <a:schemeClr val="accent1"/>
+            </a:effectRef>
+            <a:fontRef idx="minor">
+              <a:schemeClr val="lt1"/>
+            </a:fontRef>
+          </p:style>
+          <p:txBody>
+            <a:bodyPr rtlCol="0" anchor="ctr"/>
+            <a:p>
+              <a:pPr algn="ctr"/>
+              <a:r>
+                <a:rPr lang="zh-CN" altLang="en-US" sz="1200" b="1">
+                  <a:solidFill>
+                    <a:srgbClr val="2C3E50"/>
+                  </a:solidFill>
+                </a:rPr>
+                <a:t>语法分析</a:t>
+              </a:r>
+              <a:endParaRPr lang="zh-CN" altLang="en-US" sz="1200" b="1">
                 <a:solidFill>
                   <a:srgbClr val="2C3E50"/>
                 </a:solidFill>
-              </a:rPr>
-              <a:t>语法分析</a:t>
-            </a:r>
-            <a:endParaRPr lang="zh-CN" altLang="en-US" sz="1200" b="1">
+              </a:endParaRPr>
+            </a:p>
+          </p:txBody>
+        </p:sp>
+        <p:sp>
+          <p:nvSpPr>
+            <p:cNvPr id="3" name="矩形 2"/>
+            <p:cNvSpPr/>
+            <p:nvPr/>
+          </p:nvSpPr>
+          <p:spPr>
+            <a:xfrm>
+              <a:off x="8049" y="4666"/>
+              <a:ext cx="792" cy="2311"/>
+            </a:xfrm>
+            <a:prstGeom prst="rect">
+              <a:avLst/>
+            </a:prstGeom>
+            <a:noFill/>
+            <a:ln w="28575">
               <a:solidFill>
                 <a:srgbClr val="2C3E50"/>
               </a:solidFill>
-            </a:endParaRPr>
-          </a:p>
-        </p:txBody>
-      </p:sp>
-      <p:sp>
-        <p:nvSpPr>
-          <p:cNvPr id="3" name="矩形 2"/>
-          <p:cNvSpPr/>
-          <p:nvPr/>
-        </p:nvSpPr>
-        <p:spPr>
-          <a:xfrm>
-            <a:off x="5111115" y="2962910"/>
-            <a:ext cx="502920" cy="1467485"/>
-          </a:xfrm>
-          <a:prstGeom prst="rect">
-            <a:avLst/>
-          </a:prstGeom>
-          <a:noFill/>
-          <a:ln w="28575">
-            <a:solidFill>
-              <a:srgbClr val="2C3E50"/>
-            </a:solidFill>
-          </a:ln>
-          <a:extLst>
-            <a:ext uri="{909E8E84-426E-40DD-AFC4-6F175D3DCCD1}">
-              <a14:hiddenFill xmlns:a14="http://schemas.microsoft.com/office/drawing/2010/main">
-                <a:solidFill>
-                  <a:schemeClr val="accent1"/>
-                </a:solidFill>
-              </a14:hiddenFill>
-            </a:ext>
-          </a:extLst>
-        </p:spPr>
-        <p:style>
-          <a:lnRef idx="2">
-            <a:schemeClr val="accent1">
-              <a:shade val="50000"/>
-            </a:schemeClr>
-          </a:lnRef>
-          <a:fillRef idx="1">
-            <a:schemeClr val="accent1"/>
-          </a:fillRef>
-          <a:effectRef idx="0">
-            <a:schemeClr val="accent1"/>
-          </a:effectRef>
-          <a:fontRef idx="minor">
-            <a:schemeClr val="lt1"/>
-          </a:fontRef>
-        </p:style>
-        <p:txBody>
-          <a:bodyPr rtlCol="0" anchor="ctr"/>
-          <a:p>
-            <a:pPr algn="ctr"/>
-            <a:r>
-              <a:rPr lang="zh-CN" altLang="en-US" sz="1200" b="1">
+            </a:ln>
+            <a:extLst>
+              <a:ext uri="{909E8E84-426E-40DD-AFC4-6F175D3DCCD1}">
+                <a14:hiddenFill xmlns:a14="http://schemas.microsoft.com/office/drawing/2010/main">
+                  <a:solidFill>
+                    <a:schemeClr val="accent1"/>
+                  </a:solidFill>
+                </a14:hiddenFill>
+              </a:ext>
+            </a:extLst>
+          </p:spPr>
+          <p:style>
+            <a:lnRef idx="2">
+              <a:schemeClr val="accent1">
+                <a:shade val="50000"/>
+              </a:schemeClr>
+            </a:lnRef>
+            <a:fillRef idx="1">
+              <a:schemeClr val="accent1"/>
+            </a:fillRef>
+            <a:effectRef idx="0">
+              <a:schemeClr val="accent1"/>
+            </a:effectRef>
+            <a:fontRef idx="minor">
+              <a:schemeClr val="lt1"/>
+            </a:fontRef>
+          </p:style>
+          <p:txBody>
+            <a:bodyPr rtlCol="0" anchor="ctr"/>
+            <a:p>
+              <a:pPr algn="ctr"/>
+              <a:r>
+                <a:rPr lang="zh-CN" altLang="en-US" sz="1200" b="1">
+                  <a:solidFill>
+                    <a:srgbClr val="2C3E50"/>
+                  </a:solidFill>
+                </a:rPr>
+                <a:t>语义分析</a:t>
+              </a:r>
+              <a:endParaRPr lang="zh-CN" altLang="en-US" sz="1200" b="1">
                 <a:solidFill>
                   <a:srgbClr val="2C3E50"/>
                 </a:solidFill>
-              </a:rPr>
-              <a:t>语义分析</a:t>
-            </a:r>
-            <a:endParaRPr lang="zh-CN" altLang="en-US" sz="1200" b="1">
+              </a:endParaRPr>
+            </a:p>
+          </p:txBody>
+        </p:sp>
+        <p:sp>
+          <p:nvSpPr>
+            <p:cNvPr id="4" name="矩形 3"/>
+            <p:cNvSpPr/>
+            <p:nvPr/>
+          </p:nvSpPr>
+          <p:spPr>
+            <a:xfrm>
+              <a:off x="10454" y="4666"/>
+              <a:ext cx="792" cy="2311"/>
+            </a:xfrm>
+            <a:prstGeom prst="rect">
+              <a:avLst/>
+            </a:prstGeom>
+            <a:noFill/>
+            <a:ln w="28575">
               <a:solidFill>
                 <a:srgbClr val="2C3E50"/>
               </a:solidFill>
-            </a:endParaRPr>
-          </a:p>
-        </p:txBody>
-      </p:sp>
-      <p:sp>
-        <p:nvSpPr>
-          <p:cNvPr id="4" name="矩形 3"/>
-          <p:cNvSpPr/>
-          <p:nvPr/>
-        </p:nvSpPr>
-        <p:spPr>
-          <a:xfrm>
-            <a:off x="6638290" y="2962910"/>
-            <a:ext cx="502920" cy="1467485"/>
-          </a:xfrm>
-          <a:prstGeom prst="rect">
-            <a:avLst/>
-          </a:prstGeom>
-          <a:noFill/>
-          <a:ln w="28575">
-            <a:solidFill>
-              <a:srgbClr val="2C3E50"/>
-            </a:solidFill>
-          </a:ln>
-          <a:extLst>
-            <a:ext uri="{909E8E84-426E-40DD-AFC4-6F175D3DCCD1}">
-              <a14:hiddenFill xmlns:a14="http://schemas.microsoft.com/office/drawing/2010/main">
-                <a:solidFill>
-                  <a:schemeClr val="accent1"/>
-                </a:solidFill>
-              </a14:hiddenFill>
-            </a:ext>
-          </a:extLst>
-        </p:spPr>
-        <p:style>
-          <a:lnRef idx="2">
-            <a:schemeClr val="accent1">
-              <a:shade val="50000"/>
-            </a:schemeClr>
-          </a:lnRef>
-          <a:fillRef idx="1">
-            <a:schemeClr val="accent1"/>
-          </a:fillRef>
-          <a:effectRef idx="0">
-            <a:schemeClr val="accent1"/>
-          </a:effectRef>
-          <a:fontRef idx="minor">
-            <a:schemeClr val="lt1"/>
-          </a:fontRef>
-        </p:style>
-        <p:txBody>
-          <a:bodyPr rtlCol="0" anchor="ctr"/>
-          <a:p>
-            <a:pPr algn="ctr"/>
-            <a:r>
-              <a:rPr lang="zh-CN" altLang="en-US" sz="1200" b="1">
+            </a:ln>
+            <a:extLst>
+              <a:ext uri="{909E8E84-426E-40DD-AFC4-6F175D3DCCD1}">
+                <a14:hiddenFill xmlns:a14="http://schemas.microsoft.com/office/drawing/2010/main">
+                  <a:solidFill>
+                    <a:schemeClr val="accent1"/>
+                  </a:solidFill>
+                </a14:hiddenFill>
+              </a:ext>
+            </a:extLst>
+          </p:spPr>
+          <p:style>
+            <a:lnRef idx="2">
+              <a:schemeClr val="accent1">
+                <a:shade val="50000"/>
+              </a:schemeClr>
+            </a:lnRef>
+            <a:fillRef idx="1">
+              <a:schemeClr val="accent1"/>
+            </a:fillRef>
+            <a:effectRef idx="0">
+              <a:schemeClr val="accent1"/>
+            </a:effectRef>
+            <a:fontRef idx="minor">
+              <a:schemeClr val="lt1"/>
+            </a:fontRef>
+          </p:style>
+          <p:txBody>
+            <a:bodyPr rtlCol="0" anchor="ctr"/>
+            <a:p>
+              <a:pPr algn="ctr"/>
+              <a:r>
+                <a:rPr lang="zh-CN" altLang="en-US" sz="1200" b="1">
+                  <a:solidFill>
+                    <a:srgbClr val="2C3E50"/>
+                  </a:solidFill>
+                </a:rPr>
+                <a:t>代码优化</a:t>
+              </a:r>
+              <a:endParaRPr lang="zh-CN" altLang="en-US" sz="1200" b="1">
                 <a:solidFill>
                   <a:srgbClr val="2C3E50"/>
                 </a:solidFill>
-              </a:rPr>
-              <a:t>代码优化</a:t>
-            </a:r>
-            <a:endParaRPr lang="zh-CN" altLang="en-US" sz="1200" b="1">
+              </a:endParaRPr>
+            </a:p>
+          </p:txBody>
+        </p:sp>
+        <p:sp>
+          <p:nvSpPr>
+            <p:cNvPr id="12" name="矩形 11"/>
+            <p:cNvSpPr/>
+            <p:nvPr/>
+          </p:nvSpPr>
+          <p:spPr>
+            <a:xfrm>
+              <a:off x="12851" y="4667"/>
+              <a:ext cx="792" cy="2311"/>
+            </a:xfrm>
+            <a:prstGeom prst="rect">
+              <a:avLst/>
+            </a:prstGeom>
+            <a:noFill/>
+            <a:ln w="28575">
               <a:solidFill>
                 <a:srgbClr val="2C3E50"/>
               </a:solidFill>
-            </a:endParaRPr>
-          </a:p>
-        </p:txBody>
-      </p:sp>
-      <p:sp>
-        <p:nvSpPr>
-          <p:cNvPr id="12" name="矩形 11"/>
-          <p:cNvSpPr/>
-          <p:nvPr/>
-        </p:nvSpPr>
-        <p:spPr>
-          <a:xfrm>
-            <a:off x="8160385" y="2963545"/>
-            <a:ext cx="502920" cy="1467485"/>
-          </a:xfrm>
-          <a:prstGeom prst="rect">
-            <a:avLst/>
-          </a:prstGeom>
-          <a:noFill/>
-          <a:ln w="28575">
-            <a:solidFill>
-              <a:srgbClr val="2C3E50"/>
-            </a:solidFill>
-          </a:ln>
-          <a:extLst>
-            <a:ext uri="{909E8E84-426E-40DD-AFC4-6F175D3DCCD1}">
-              <a14:hiddenFill xmlns:a14="http://schemas.microsoft.com/office/drawing/2010/main">
-                <a:solidFill>
-                  <a:schemeClr val="accent1"/>
-                </a:solidFill>
-              </a14:hiddenFill>
-            </a:ext>
-          </a:extLst>
-        </p:spPr>
-        <p:style>
-          <a:lnRef idx="2">
-            <a:schemeClr val="accent1">
-              <a:shade val="50000"/>
-            </a:schemeClr>
-          </a:lnRef>
-          <a:fillRef idx="1">
-            <a:schemeClr val="accent1"/>
-          </a:fillRef>
-          <a:effectRef idx="0">
-            <a:schemeClr val="accent1"/>
-          </a:effectRef>
-          <a:fontRef idx="minor">
-            <a:schemeClr val="lt1"/>
-          </a:fontRef>
-        </p:style>
-        <p:txBody>
-          <a:bodyPr rtlCol="0" anchor="ctr"/>
-          <a:p>
-            <a:pPr algn="ctr"/>
-            <a:r>
-              <a:rPr lang="zh-CN" altLang="en-US" sz="1200" b="1">
+            </a:ln>
+            <a:extLst>
+              <a:ext uri="{909E8E84-426E-40DD-AFC4-6F175D3DCCD1}">
+                <a14:hiddenFill xmlns:a14="http://schemas.microsoft.com/office/drawing/2010/main">
+                  <a:solidFill>
+                    <a:schemeClr val="accent1"/>
+                  </a:solidFill>
+                </a14:hiddenFill>
+              </a:ext>
+            </a:extLst>
+          </p:spPr>
+          <p:style>
+            <a:lnRef idx="2">
+              <a:schemeClr val="accent1">
+                <a:shade val="50000"/>
+              </a:schemeClr>
+            </a:lnRef>
+            <a:fillRef idx="1">
+              <a:schemeClr val="accent1"/>
+            </a:fillRef>
+            <a:effectRef idx="0">
+              <a:schemeClr val="accent1"/>
+            </a:effectRef>
+            <a:fontRef idx="minor">
+              <a:schemeClr val="lt1"/>
+            </a:fontRef>
+          </p:style>
+          <p:txBody>
+            <a:bodyPr rtlCol="0" anchor="ctr"/>
+            <a:p>
+              <a:pPr algn="ctr"/>
+              <a:r>
+                <a:rPr lang="zh-CN" altLang="en-US" sz="1200" b="1">
+                  <a:solidFill>
+                    <a:srgbClr val="2C3E50"/>
+                  </a:solidFill>
+                </a:rPr>
+                <a:t>生成目标</a:t>
+              </a:r>
+              <a:endParaRPr lang="zh-CN" altLang="en-US" sz="1200" b="1">
                 <a:solidFill>
                   <a:srgbClr val="2C3E50"/>
                 </a:solidFill>
-              </a:rPr>
-              <a:t>生成目标</a:t>
-            </a:r>
-            <a:endParaRPr lang="zh-CN" altLang="en-US" sz="1200" b="1">
+              </a:endParaRPr>
+            </a:p>
+          </p:txBody>
+        </p:sp>
+        <p:sp>
+          <p:nvSpPr>
+            <p:cNvPr id="14" name="矩形 13"/>
+            <p:cNvSpPr/>
+            <p:nvPr/>
+          </p:nvSpPr>
+          <p:spPr>
+            <a:xfrm>
+              <a:off x="3799" y="4010"/>
+              <a:ext cx="5506" cy="3624"/>
+            </a:xfrm>
+            <a:prstGeom prst="rect">
+              <a:avLst/>
+            </a:prstGeom>
+            <a:noFill/>
+            <a:ln w="28575">
               <a:solidFill>
-                <a:srgbClr val="2C3E50"/>
+                <a:srgbClr val="3EAF7C"/>
               </a:solidFill>
-            </a:endParaRPr>
-          </a:p>
-        </p:txBody>
-      </p:sp>
-      <p:sp>
-        <p:nvSpPr>
-          <p:cNvPr id="14" name="矩形 13"/>
-          <p:cNvSpPr/>
-          <p:nvPr/>
-        </p:nvSpPr>
-        <p:spPr>
-          <a:xfrm>
-            <a:off x="2412365" y="2546350"/>
-            <a:ext cx="3496310" cy="2301240"/>
-          </a:xfrm>
-          <a:prstGeom prst="rect">
-            <a:avLst/>
-          </a:prstGeom>
-          <a:noFill/>
-          <a:ln w="28575">
-            <a:solidFill>
-              <a:srgbClr val="3EAF7C"/>
-            </a:solidFill>
-            <a:prstDash val="sysDash"/>
-          </a:ln>
-          <a:extLst>
-            <a:ext uri="{909E8E84-426E-40DD-AFC4-6F175D3DCCD1}">
-              <a14:hiddenFill xmlns:a14="http://schemas.microsoft.com/office/drawing/2010/main">
-                <a:solidFill>
-                  <a:schemeClr val="accent1"/>
-                </a:solidFill>
-              </a14:hiddenFill>
-            </a:ext>
-          </a:extLst>
-        </p:spPr>
-        <p:style>
-          <a:lnRef idx="2">
-            <a:schemeClr val="accent1">
-              <a:shade val="50000"/>
-            </a:schemeClr>
-          </a:lnRef>
-          <a:fillRef idx="1">
-            <a:schemeClr val="accent1"/>
-          </a:fillRef>
-          <a:effectRef idx="0">
-            <a:schemeClr val="accent1"/>
-          </a:effectRef>
-          <a:fontRef idx="minor">
-            <a:schemeClr val="lt1"/>
-          </a:fontRef>
-        </p:style>
-        <p:txBody>
-          <a:bodyPr rtlCol="0" anchor="ctr"/>
-          <a:p>
-            <a:pPr algn="ctr"/>
-            <a:endParaRPr lang="zh-CN" altLang="en-US"/>
-          </a:p>
-        </p:txBody>
-      </p:sp>
-      <p:sp>
-        <p:nvSpPr>
-          <p:cNvPr id="16" name="矩形 15"/>
-          <p:cNvSpPr/>
-          <p:nvPr/>
-        </p:nvSpPr>
-        <p:spPr>
-          <a:xfrm>
-            <a:off x="6396355" y="2545715"/>
-            <a:ext cx="1000125" cy="2301240"/>
-          </a:xfrm>
-          <a:prstGeom prst="rect">
-            <a:avLst/>
-          </a:prstGeom>
-          <a:noFill/>
-          <a:ln w="28575">
-            <a:solidFill>
-              <a:srgbClr val="3EAF7C"/>
-            </a:solidFill>
-            <a:prstDash val="sysDash"/>
-          </a:ln>
-          <a:extLst>
-            <a:ext uri="{909E8E84-426E-40DD-AFC4-6F175D3DCCD1}">
-              <a14:hiddenFill xmlns:a14="http://schemas.microsoft.com/office/drawing/2010/main">
-                <a:solidFill>
-                  <a:schemeClr val="accent1"/>
-                </a:solidFill>
-              </a14:hiddenFill>
-            </a:ext>
-          </a:extLst>
-        </p:spPr>
-        <p:style>
-          <a:lnRef idx="2">
-            <a:schemeClr val="accent1">
-              <a:shade val="50000"/>
-            </a:schemeClr>
-          </a:lnRef>
-          <a:fillRef idx="1">
-            <a:schemeClr val="accent1"/>
-          </a:fillRef>
-          <a:effectRef idx="0">
-            <a:schemeClr val="accent1"/>
-          </a:effectRef>
-          <a:fontRef idx="minor">
-            <a:schemeClr val="lt1"/>
-          </a:fontRef>
-        </p:style>
-        <p:txBody>
-          <a:bodyPr rtlCol="0" anchor="ctr"/>
-          <a:p>
-            <a:pPr algn="ctr"/>
-            <a:endParaRPr lang="zh-CN" altLang="en-US"/>
-          </a:p>
-        </p:txBody>
-      </p:sp>
-      <p:sp>
-        <p:nvSpPr>
-          <p:cNvPr id="17" name="矩形 16"/>
-          <p:cNvSpPr/>
-          <p:nvPr/>
-        </p:nvSpPr>
-        <p:spPr>
-          <a:xfrm>
-            <a:off x="7911465" y="2546350"/>
-            <a:ext cx="1000125" cy="2301240"/>
-          </a:xfrm>
-          <a:prstGeom prst="rect">
-            <a:avLst/>
-          </a:prstGeom>
-          <a:noFill/>
-          <a:ln w="28575">
-            <a:solidFill>
-              <a:srgbClr val="3EAF7C"/>
-            </a:solidFill>
-            <a:prstDash val="sysDash"/>
-          </a:ln>
-          <a:extLst>
-            <a:ext uri="{909E8E84-426E-40DD-AFC4-6F175D3DCCD1}">
-              <a14:hiddenFill xmlns:a14="http://schemas.microsoft.com/office/drawing/2010/main">
-                <a:solidFill>
-                  <a:schemeClr val="accent1"/>
-                </a:solidFill>
-              </a14:hiddenFill>
-            </a:ext>
-          </a:extLst>
-        </p:spPr>
-        <p:style>
-          <a:lnRef idx="2">
-            <a:schemeClr val="accent1">
-              <a:shade val="50000"/>
-            </a:schemeClr>
-          </a:lnRef>
-          <a:fillRef idx="1">
-            <a:schemeClr val="accent1"/>
-          </a:fillRef>
-          <a:effectRef idx="0">
-            <a:schemeClr val="accent1"/>
-          </a:effectRef>
-          <a:fontRef idx="minor">
-            <a:schemeClr val="lt1"/>
-          </a:fontRef>
-        </p:style>
-        <p:txBody>
-          <a:bodyPr rtlCol="0" anchor="ctr"/>
-          <a:p>
-            <a:pPr algn="ctr"/>
-            <a:endParaRPr lang="zh-CN" altLang="en-US"/>
-          </a:p>
-        </p:txBody>
-      </p:sp>
-      <p:sp>
-        <p:nvSpPr>
-          <p:cNvPr id="18" name="文本框 17"/>
-          <p:cNvSpPr txBox="true"/>
-          <p:nvPr/>
-        </p:nvSpPr>
-        <p:spPr>
-          <a:xfrm>
-            <a:off x="1287145" y="2962910"/>
-            <a:ext cx="642620" cy="368300"/>
-          </a:xfrm>
-          <a:prstGeom prst="rect">
-            <a:avLst/>
-          </a:prstGeom>
-          <a:noFill/>
-        </p:spPr>
-        <p:txBody>
-          <a:bodyPr wrap="none" rtlCol="0">
-            <a:spAutoFit/>
-          </a:bodyPr>
-          <a:p>
-            <a:r>
-              <a:rPr lang="zh-CN" altLang="en-US" b="1">
+              <a:prstDash val="sysDash"/>
+            </a:ln>
+            <a:extLst>
+              <a:ext uri="{909E8E84-426E-40DD-AFC4-6F175D3DCCD1}">
+                <a14:hiddenFill xmlns:a14="http://schemas.microsoft.com/office/drawing/2010/main">
+                  <a:solidFill>
+                    <a:schemeClr val="accent1"/>
+                  </a:solidFill>
+                </a14:hiddenFill>
+              </a:ext>
+            </a:extLst>
+          </p:spPr>
+          <p:style>
+            <a:lnRef idx="2">
+              <a:schemeClr val="accent1">
+                <a:shade val="50000"/>
+              </a:schemeClr>
+            </a:lnRef>
+            <a:fillRef idx="1">
+              <a:schemeClr val="accent1"/>
+            </a:fillRef>
+            <a:effectRef idx="0">
+              <a:schemeClr val="accent1"/>
+            </a:effectRef>
+            <a:fontRef idx="minor">
+              <a:schemeClr val="lt1"/>
+            </a:fontRef>
+          </p:style>
+          <p:txBody>
+            <a:bodyPr rtlCol="0" anchor="ctr"/>
+            <a:p>
+              <a:pPr algn="ctr"/>
+              <a:endParaRPr lang="zh-CN" altLang="en-US"/>
+            </a:p>
+          </p:txBody>
+        </p:sp>
+        <p:sp>
+          <p:nvSpPr>
+            <p:cNvPr id="16" name="矩形 15"/>
+            <p:cNvSpPr/>
+            <p:nvPr/>
+          </p:nvSpPr>
+          <p:spPr>
+            <a:xfrm>
+              <a:off x="10073" y="4009"/>
+              <a:ext cx="1575" cy="3624"/>
+            </a:xfrm>
+            <a:prstGeom prst="rect">
+              <a:avLst/>
+            </a:prstGeom>
+            <a:noFill/>
+            <a:ln w="28575">
+              <a:solidFill>
+                <a:srgbClr val="3EAF7C"/>
+              </a:solidFill>
+              <a:prstDash val="sysDash"/>
+            </a:ln>
+            <a:extLst>
+              <a:ext uri="{909E8E84-426E-40DD-AFC4-6F175D3DCCD1}">
+                <a14:hiddenFill xmlns:a14="http://schemas.microsoft.com/office/drawing/2010/main">
+                  <a:solidFill>
+                    <a:schemeClr val="accent1"/>
+                  </a:solidFill>
+                </a14:hiddenFill>
+              </a:ext>
+            </a:extLst>
+          </p:spPr>
+          <p:style>
+            <a:lnRef idx="2">
+              <a:schemeClr val="accent1">
+                <a:shade val="50000"/>
+              </a:schemeClr>
+            </a:lnRef>
+            <a:fillRef idx="1">
+              <a:schemeClr val="accent1"/>
+            </a:fillRef>
+            <a:effectRef idx="0">
+              <a:schemeClr val="accent1"/>
+            </a:effectRef>
+            <a:fontRef idx="minor">
+              <a:schemeClr val="lt1"/>
+            </a:fontRef>
+          </p:style>
+          <p:txBody>
+            <a:bodyPr rtlCol="0" anchor="ctr"/>
+            <a:p>
+              <a:pPr algn="ctr"/>
+              <a:endParaRPr lang="zh-CN" altLang="en-US"/>
+            </a:p>
+          </p:txBody>
+        </p:sp>
+        <p:sp>
+          <p:nvSpPr>
+            <p:cNvPr id="17" name="矩形 16"/>
+            <p:cNvSpPr/>
+            <p:nvPr/>
+          </p:nvSpPr>
+          <p:spPr>
+            <a:xfrm>
+              <a:off x="12459" y="4010"/>
+              <a:ext cx="1575" cy="3624"/>
+            </a:xfrm>
+            <a:prstGeom prst="rect">
+              <a:avLst/>
+            </a:prstGeom>
+            <a:noFill/>
+            <a:ln w="28575">
+              <a:solidFill>
+                <a:srgbClr val="3EAF7C"/>
+              </a:solidFill>
+              <a:prstDash val="sysDash"/>
+            </a:ln>
+            <a:extLst>
+              <a:ext uri="{909E8E84-426E-40DD-AFC4-6F175D3DCCD1}">
+                <a14:hiddenFill xmlns:a14="http://schemas.microsoft.com/office/drawing/2010/main">
+                  <a:solidFill>
+                    <a:schemeClr val="accent1"/>
+                  </a:solidFill>
+                </a14:hiddenFill>
+              </a:ext>
+            </a:extLst>
+          </p:spPr>
+          <p:style>
+            <a:lnRef idx="2">
+              <a:schemeClr val="accent1">
+                <a:shade val="50000"/>
+              </a:schemeClr>
+            </a:lnRef>
+            <a:fillRef idx="1">
+              <a:schemeClr val="accent1"/>
+            </a:fillRef>
+            <a:effectRef idx="0">
+              <a:schemeClr val="accent1"/>
+            </a:effectRef>
+            <a:fontRef idx="minor">
+              <a:schemeClr val="lt1"/>
+            </a:fontRef>
+          </p:style>
+          <p:txBody>
+            <a:bodyPr rtlCol="0" anchor="ctr"/>
+            <a:p>
+              <a:pPr algn="ctr"/>
+              <a:endParaRPr lang="zh-CN" altLang="en-US"/>
+            </a:p>
+          </p:txBody>
+        </p:sp>
+        <p:sp>
+          <p:nvSpPr>
+            <p:cNvPr id="18" name="文本框 17"/>
+            <p:cNvSpPr txBox="true"/>
+            <p:nvPr/>
+          </p:nvSpPr>
+          <p:spPr>
+            <a:xfrm>
+              <a:off x="2027" y="4666"/>
+              <a:ext cx="1012" cy="358"/>
+            </a:xfrm>
+            <a:prstGeom prst="rect">
+              <a:avLst/>
+            </a:prstGeom>
+            <a:noFill/>
+          </p:spPr>
+          <p:txBody>
+            <a:bodyPr wrap="square" rtlCol="0">
+              <a:spAutoFit/>
+            </a:bodyPr>
+            <a:p>
+              <a:r>
+                <a:rPr lang="zh-CN" altLang="en-US" b="1">
+                  <a:solidFill>
+                    <a:srgbClr val="2C3E50"/>
+                  </a:solidFill>
+                </a:rPr>
+                <a:t>源码</a:t>
+              </a:r>
+              <a:endParaRPr lang="zh-CN" altLang="en-US" b="1">
                 <a:solidFill>
                   <a:srgbClr val="2C3E50"/>
                 </a:solidFill>
-              </a:rPr>
-              <a:t>源码</a:t>
-            </a:r>
-            <a:endParaRPr lang="zh-CN" altLang="en-US" b="1">
-              <a:solidFill>
-                <a:srgbClr val="2C3E50"/>
-              </a:solidFill>
-            </a:endParaRPr>
-          </a:p>
-        </p:txBody>
-      </p:sp>
-      <p:sp>
-        <p:nvSpPr>
-          <p:cNvPr id="19" name="文本框 18"/>
-          <p:cNvSpPr txBox="true"/>
-          <p:nvPr/>
-        </p:nvSpPr>
-        <p:spPr>
-          <a:xfrm>
-            <a:off x="9477375" y="2962910"/>
-            <a:ext cx="642620" cy="368300"/>
-          </a:xfrm>
-          <a:prstGeom prst="rect">
-            <a:avLst/>
-          </a:prstGeom>
-          <a:noFill/>
-        </p:spPr>
-        <p:txBody>
-          <a:bodyPr wrap="none" rtlCol="0">
-            <a:spAutoFit/>
-          </a:bodyPr>
-          <a:p>
-            <a:r>
-              <a:rPr lang="zh-CN" altLang="en-US" b="1">
+              </a:endParaRPr>
+            </a:p>
+          </p:txBody>
+        </p:sp>
+        <p:sp>
+          <p:nvSpPr>
+            <p:cNvPr id="19" name="文本框 18"/>
+            <p:cNvSpPr txBox="true"/>
+            <p:nvPr/>
+          </p:nvSpPr>
+          <p:spPr>
+            <a:xfrm>
+              <a:off x="14925" y="4666"/>
+              <a:ext cx="1012" cy="358"/>
+            </a:xfrm>
+            <a:prstGeom prst="rect">
+              <a:avLst/>
+            </a:prstGeom>
+            <a:noFill/>
+          </p:spPr>
+          <p:txBody>
+            <a:bodyPr wrap="square" rtlCol="0">
+              <a:spAutoFit/>
+            </a:bodyPr>
+            <a:p>
+              <a:r>
+                <a:rPr lang="zh-CN" altLang="en-US" b="1">
+                  <a:solidFill>
+                    <a:srgbClr val="2C3E50"/>
+                  </a:solidFill>
+                </a:rPr>
+                <a:t>程序</a:t>
+              </a:r>
+              <a:endParaRPr lang="zh-CN" altLang="en-US" b="1">
                 <a:solidFill>
                   <a:srgbClr val="2C3E50"/>
                 </a:solidFill>
-              </a:rPr>
-              <a:t>程序</a:t>
-            </a:r>
-            <a:endParaRPr lang="zh-CN" altLang="en-US" b="1">
+              </a:endParaRPr>
+            </a:p>
+          </p:txBody>
+        </p:sp>
+        <p:cxnSp>
+          <p:nvCxnSpPr>
+            <p:cNvPr id="20" name="肘形连接符 19"/>
+            <p:cNvCxnSpPr>
+              <a:stCxn id="18" idx="2"/>
+              <a:endCxn id="5" idx="1"/>
+            </p:cNvCxnSpPr>
+            <p:nvPr/>
+          </p:nvCxnSpPr>
+          <p:spPr>
+            <a:xfrm rot="5400000" flipV="true">
+              <a:off x="2979" y="4578"/>
+              <a:ext cx="798" cy="1690"/>
+            </a:xfrm>
+            <a:prstGeom prst="bentConnector2">
+              <a:avLst/>
+            </a:prstGeom>
+            <a:ln w="38100">
               <a:solidFill>
-                <a:srgbClr val="2C3E50"/>
+                <a:srgbClr val="3EAF7C"/>
               </a:solidFill>
-            </a:endParaRPr>
-          </a:p>
-        </p:txBody>
-      </p:sp>
-      <p:cxnSp>
-        <p:nvCxnSpPr>
-          <p:cNvPr id="20" name="肘形连接符 19"/>
-          <p:cNvCxnSpPr>
-            <a:stCxn id="18" idx="2"/>
-            <a:endCxn id="5" idx="1"/>
-          </p:cNvCxnSpPr>
-          <p:nvPr/>
-        </p:nvCxnSpPr>
-        <p:spPr>
-          <a:xfrm rot="5400000" flipV="true">
-            <a:off x="1962150" y="2977515"/>
-            <a:ext cx="365760" cy="1073150"/>
-          </a:xfrm>
-          <a:prstGeom prst="bentConnector2">
-            <a:avLst/>
-          </a:prstGeom>
-          <a:ln w="38100">
-            <a:solidFill>
-              <a:srgbClr val="3EAF7C"/>
-            </a:solidFill>
-            <a:tailEnd type="arrow"/>
-          </a:ln>
-        </p:spPr>
-        <p:style>
-          <a:lnRef idx="1">
-            <a:schemeClr val="accent1"/>
-          </a:lnRef>
-          <a:fillRef idx="0">
-            <a:schemeClr val="accent1"/>
-          </a:fillRef>
-          <a:effectRef idx="0">
-            <a:schemeClr val="accent1"/>
-          </a:effectRef>
-          <a:fontRef idx="minor">
-            <a:schemeClr val="tx1"/>
-          </a:fontRef>
-        </p:style>
-      </p:cxnSp>
-      <p:cxnSp>
-        <p:nvCxnSpPr>
-          <p:cNvPr id="21" name="直接箭头连接符 20"/>
-          <p:cNvCxnSpPr>
-            <a:stCxn id="5" idx="3"/>
-            <a:endCxn id="2" idx="1"/>
-          </p:cNvCxnSpPr>
-          <p:nvPr/>
-        </p:nvCxnSpPr>
-        <p:spPr>
-          <a:xfrm>
-            <a:off x="3184525" y="3696970"/>
-            <a:ext cx="711835" cy="0"/>
-          </a:xfrm>
-          <a:prstGeom prst="straightConnector1">
-            <a:avLst/>
-          </a:prstGeom>
-          <a:ln w="38100">
-            <a:solidFill>
-              <a:srgbClr val="3EAF7C"/>
-            </a:solidFill>
-            <a:tailEnd type="arrow"/>
-          </a:ln>
-        </p:spPr>
-        <p:style>
-          <a:lnRef idx="1">
-            <a:schemeClr val="accent1"/>
-          </a:lnRef>
-          <a:fillRef idx="0">
-            <a:schemeClr val="accent1"/>
-          </a:fillRef>
-          <a:effectRef idx="0">
-            <a:schemeClr val="accent1"/>
-          </a:effectRef>
-          <a:fontRef idx="minor">
-            <a:schemeClr val="tx1"/>
-          </a:fontRef>
-        </p:style>
-      </p:cxnSp>
-      <p:cxnSp>
-        <p:nvCxnSpPr>
-          <p:cNvPr id="22" name="直接箭头连接符 21"/>
-          <p:cNvCxnSpPr>
-            <a:stCxn id="2" idx="3"/>
-            <a:endCxn id="3" idx="1"/>
-          </p:cNvCxnSpPr>
-          <p:nvPr/>
-        </p:nvCxnSpPr>
-        <p:spPr>
-          <a:xfrm>
-            <a:off x="4399280" y="3696970"/>
-            <a:ext cx="711835" cy="0"/>
-          </a:xfrm>
-          <a:prstGeom prst="straightConnector1">
-            <a:avLst/>
-          </a:prstGeom>
-          <a:ln w="38100">
-            <a:solidFill>
-              <a:srgbClr val="3EAF7C"/>
-            </a:solidFill>
-            <a:tailEnd type="arrow"/>
-          </a:ln>
-        </p:spPr>
-        <p:style>
-          <a:lnRef idx="1">
-            <a:schemeClr val="accent1"/>
-          </a:lnRef>
-          <a:fillRef idx="0">
-            <a:schemeClr val="accent1"/>
-          </a:fillRef>
-          <a:effectRef idx="0">
-            <a:schemeClr val="accent1"/>
-          </a:effectRef>
-          <a:fontRef idx="minor">
-            <a:schemeClr val="tx1"/>
-          </a:fontRef>
-        </p:style>
-      </p:cxnSp>
-      <p:cxnSp>
-        <p:nvCxnSpPr>
-          <p:cNvPr id="23" name="直接箭头连接符 22"/>
-          <p:cNvCxnSpPr>
-            <a:stCxn id="3" idx="3"/>
-            <a:endCxn id="4" idx="1"/>
-          </p:cNvCxnSpPr>
-          <p:nvPr/>
-        </p:nvCxnSpPr>
-        <p:spPr>
-          <a:xfrm>
-            <a:off x="5614035" y="3696970"/>
-            <a:ext cx="1024255" cy="0"/>
-          </a:xfrm>
-          <a:prstGeom prst="straightConnector1">
-            <a:avLst/>
-          </a:prstGeom>
-          <a:ln w="38100">
-            <a:solidFill>
-              <a:srgbClr val="3EAF7C"/>
-            </a:solidFill>
-            <a:tailEnd type="arrow"/>
-          </a:ln>
-        </p:spPr>
-        <p:style>
-          <a:lnRef idx="1">
-            <a:schemeClr val="accent1"/>
-          </a:lnRef>
-          <a:fillRef idx="0">
-            <a:schemeClr val="accent1"/>
-          </a:fillRef>
-          <a:effectRef idx="0">
-            <a:schemeClr val="accent1"/>
-          </a:effectRef>
-          <a:fontRef idx="minor">
-            <a:schemeClr val="tx1"/>
-          </a:fontRef>
-        </p:style>
-      </p:cxnSp>
-      <p:cxnSp>
-        <p:nvCxnSpPr>
-          <p:cNvPr id="24" name="直接箭头连接符 23"/>
-          <p:cNvCxnSpPr>
-            <a:stCxn id="4" idx="3"/>
-            <a:endCxn id="12" idx="1"/>
-          </p:cNvCxnSpPr>
-          <p:nvPr/>
-        </p:nvCxnSpPr>
-        <p:spPr>
-          <a:xfrm>
-            <a:off x="7141210" y="3696970"/>
-            <a:ext cx="1019175" cy="635"/>
-          </a:xfrm>
-          <a:prstGeom prst="straightConnector1">
-            <a:avLst/>
-          </a:prstGeom>
-          <a:ln w="38100">
-            <a:solidFill>
-              <a:srgbClr val="3EAF7C"/>
-            </a:solidFill>
-            <a:tailEnd type="arrow"/>
-          </a:ln>
-        </p:spPr>
-        <p:style>
-          <a:lnRef idx="1">
-            <a:schemeClr val="accent1"/>
-          </a:lnRef>
-          <a:fillRef idx="0">
-            <a:schemeClr val="accent1"/>
-          </a:fillRef>
-          <a:effectRef idx="0">
-            <a:schemeClr val="accent1"/>
-          </a:effectRef>
-          <a:fontRef idx="minor">
-            <a:schemeClr val="tx1"/>
-          </a:fontRef>
-        </p:style>
-      </p:cxnSp>
-      <p:cxnSp>
-        <p:nvCxnSpPr>
-          <p:cNvPr id="25" name="肘形连接符 24"/>
-          <p:cNvCxnSpPr>
-            <a:stCxn id="12" idx="3"/>
-            <a:endCxn id="19" idx="2"/>
-          </p:cNvCxnSpPr>
-          <p:nvPr/>
-        </p:nvCxnSpPr>
-        <p:spPr>
-          <a:xfrm flipV="true">
-            <a:off x="8663305" y="3331210"/>
-            <a:ext cx="1135380" cy="366395"/>
-          </a:xfrm>
-          <a:prstGeom prst="bentConnector2">
-            <a:avLst/>
-          </a:prstGeom>
-          <a:ln w="38100">
-            <a:solidFill>
-              <a:srgbClr val="3EAF7C"/>
-            </a:solidFill>
-            <a:tailEnd type="arrow"/>
-          </a:ln>
-        </p:spPr>
-        <p:style>
-          <a:lnRef idx="1">
-            <a:schemeClr val="accent1"/>
-          </a:lnRef>
-          <a:fillRef idx="0">
-            <a:schemeClr val="accent1"/>
-          </a:fillRef>
-          <a:effectRef idx="0">
-            <a:schemeClr val="accent1"/>
-          </a:effectRef>
-          <a:fontRef idx="minor">
-            <a:schemeClr val="tx1"/>
-          </a:fontRef>
-        </p:style>
-      </p:cxnSp>
-      <p:sp>
-        <p:nvSpPr>
-          <p:cNvPr id="26" name="文本框 25"/>
-          <p:cNvSpPr txBox="true"/>
-          <p:nvPr/>
-        </p:nvSpPr>
-        <p:spPr>
-          <a:xfrm>
-            <a:off x="3840480" y="2177415"/>
-            <a:ext cx="541020" cy="306705"/>
-          </a:xfrm>
-          <a:prstGeom prst="rect">
-            <a:avLst/>
-          </a:prstGeom>
-          <a:noFill/>
-        </p:spPr>
-        <p:txBody>
-          <a:bodyPr wrap="none" rtlCol="0">
-            <a:spAutoFit/>
-          </a:bodyPr>
-          <a:p>
-            <a:r>
-              <a:rPr lang="zh-CN" altLang="en-US" sz="1400" b="1">
+              <a:tailEnd type="arrow"/>
+            </a:ln>
+          </p:spPr>
+          <p:style>
+            <a:lnRef idx="1">
+              <a:schemeClr val="accent1"/>
+            </a:lnRef>
+            <a:fillRef idx="0">
+              <a:schemeClr val="accent1"/>
+            </a:fillRef>
+            <a:effectRef idx="0">
+              <a:schemeClr val="accent1"/>
+            </a:effectRef>
+            <a:fontRef idx="minor">
+              <a:schemeClr val="tx1"/>
+            </a:fontRef>
+          </p:style>
+        </p:cxnSp>
+        <p:cxnSp>
+          <p:nvCxnSpPr>
+            <p:cNvPr id="21" name="直接箭头连接符 20"/>
+            <p:cNvCxnSpPr>
+              <a:stCxn id="5" idx="3"/>
+              <a:endCxn id="2" idx="1"/>
+            </p:cNvCxnSpPr>
+            <p:nvPr/>
+          </p:nvCxnSpPr>
+          <p:spPr>
+            <a:xfrm>
+              <a:off x="5015" y="5822"/>
+              <a:ext cx="1121" cy="0"/>
+            </a:xfrm>
+            <a:prstGeom prst="straightConnector1">
+              <a:avLst/>
+            </a:prstGeom>
+            <a:ln w="38100">
+              <a:solidFill>
+                <a:srgbClr val="3EAF7C"/>
+              </a:solidFill>
+              <a:tailEnd type="arrow"/>
+            </a:ln>
+          </p:spPr>
+          <p:style>
+            <a:lnRef idx="1">
+              <a:schemeClr val="accent1"/>
+            </a:lnRef>
+            <a:fillRef idx="0">
+              <a:schemeClr val="accent1"/>
+            </a:fillRef>
+            <a:effectRef idx="0">
+              <a:schemeClr val="accent1"/>
+            </a:effectRef>
+            <a:fontRef idx="minor">
+              <a:schemeClr val="tx1"/>
+            </a:fontRef>
+          </p:style>
+        </p:cxnSp>
+        <p:cxnSp>
+          <p:nvCxnSpPr>
+            <p:cNvPr id="22" name="直接箭头连接符 21"/>
+            <p:cNvCxnSpPr>
+              <a:stCxn id="2" idx="3"/>
+              <a:endCxn id="3" idx="1"/>
+            </p:cNvCxnSpPr>
+            <p:nvPr/>
+          </p:nvCxnSpPr>
+          <p:spPr>
+            <a:xfrm>
+              <a:off x="6928" y="5822"/>
+              <a:ext cx="1121" cy="0"/>
+            </a:xfrm>
+            <a:prstGeom prst="straightConnector1">
+              <a:avLst/>
+            </a:prstGeom>
+            <a:ln w="38100">
+              <a:solidFill>
+                <a:srgbClr val="3EAF7C"/>
+              </a:solidFill>
+              <a:tailEnd type="arrow"/>
+            </a:ln>
+          </p:spPr>
+          <p:style>
+            <a:lnRef idx="1">
+              <a:schemeClr val="accent1"/>
+            </a:lnRef>
+            <a:fillRef idx="0">
+              <a:schemeClr val="accent1"/>
+            </a:fillRef>
+            <a:effectRef idx="0">
+              <a:schemeClr val="accent1"/>
+            </a:effectRef>
+            <a:fontRef idx="minor">
+              <a:schemeClr val="tx1"/>
+            </a:fontRef>
+          </p:style>
+        </p:cxnSp>
+        <p:cxnSp>
+          <p:nvCxnSpPr>
+            <p:cNvPr id="23" name="直接箭头连接符 22"/>
+            <p:cNvCxnSpPr>
+              <a:stCxn id="3" idx="3"/>
+              <a:endCxn id="4" idx="1"/>
+            </p:cNvCxnSpPr>
+            <p:nvPr/>
+          </p:nvCxnSpPr>
+          <p:spPr>
+            <a:xfrm>
+              <a:off x="8841" y="5822"/>
+              <a:ext cx="1613" cy="0"/>
+            </a:xfrm>
+            <a:prstGeom prst="straightConnector1">
+              <a:avLst/>
+            </a:prstGeom>
+            <a:ln w="38100">
+              <a:solidFill>
+                <a:srgbClr val="3EAF7C"/>
+              </a:solidFill>
+              <a:tailEnd type="arrow"/>
+            </a:ln>
+          </p:spPr>
+          <p:style>
+            <a:lnRef idx="1">
+              <a:schemeClr val="accent1"/>
+            </a:lnRef>
+            <a:fillRef idx="0">
+              <a:schemeClr val="accent1"/>
+            </a:fillRef>
+            <a:effectRef idx="0">
+              <a:schemeClr val="accent1"/>
+            </a:effectRef>
+            <a:fontRef idx="minor">
+              <a:schemeClr val="tx1"/>
+            </a:fontRef>
+          </p:style>
+        </p:cxnSp>
+        <p:cxnSp>
+          <p:nvCxnSpPr>
+            <p:cNvPr id="24" name="直接箭头连接符 23"/>
+            <p:cNvCxnSpPr>
+              <a:stCxn id="4" idx="3"/>
+              <a:endCxn id="12" idx="1"/>
+            </p:cNvCxnSpPr>
+            <p:nvPr/>
+          </p:nvCxnSpPr>
+          <p:spPr>
+            <a:xfrm>
+              <a:off x="11246" y="5822"/>
+              <a:ext cx="1605" cy="1"/>
+            </a:xfrm>
+            <a:prstGeom prst="straightConnector1">
+              <a:avLst/>
+            </a:prstGeom>
+            <a:ln w="38100">
+              <a:solidFill>
+                <a:srgbClr val="3EAF7C"/>
+              </a:solidFill>
+              <a:tailEnd type="arrow"/>
+            </a:ln>
+          </p:spPr>
+          <p:style>
+            <a:lnRef idx="1">
+              <a:schemeClr val="accent1"/>
+            </a:lnRef>
+            <a:fillRef idx="0">
+              <a:schemeClr val="accent1"/>
+            </a:fillRef>
+            <a:effectRef idx="0">
+              <a:schemeClr val="accent1"/>
+            </a:effectRef>
+            <a:fontRef idx="minor">
+              <a:schemeClr val="tx1"/>
+            </a:fontRef>
+          </p:style>
+        </p:cxnSp>
+        <p:cxnSp>
+          <p:nvCxnSpPr>
+            <p:cNvPr id="25" name="肘形连接符 24"/>
+            <p:cNvCxnSpPr>
+              <a:stCxn id="12" idx="3"/>
+              <a:endCxn id="19" idx="2"/>
+            </p:cNvCxnSpPr>
+            <p:nvPr/>
+          </p:nvCxnSpPr>
+          <p:spPr>
+            <a:xfrm flipV="true">
+              <a:off x="13643" y="5024"/>
+              <a:ext cx="1788" cy="798"/>
+            </a:xfrm>
+            <a:prstGeom prst="bentConnector2">
+              <a:avLst/>
+            </a:prstGeom>
+            <a:ln w="38100">
+              <a:solidFill>
+                <a:srgbClr val="3EAF7C"/>
+              </a:solidFill>
+              <a:tailEnd type="arrow"/>
+            </a:ln>
+          </p:spPr>
+          <p:style>
+            <a:lnRef idx="1">
+              <a:schemeClr val="accent1"/>
+            </a:lnRef>
+            <a:fillRef idx="0">
+              <a:schemeClr val="accent1"/>
+            </a:fillRef>
+            <a:effectRef idx="0">
+              <a:schemeClr val="accent1"/>
+            </a:effectRef>
+            <a:fontRef idx="minor">
+              <a:schemeClr val="tx1"/>
+            </a:fontRef>
+          </p:style>
+        </p:cxnSp>
+        <p:sp>
+          <p:nvSpPr>
+            <p:cNvPr id="26" name="文本框 25"/>
+            <p:cNvSpPr txBox="true"/>
+            <p:nvPr/>
+          </p:nvSpPr>
+          <p:spPr>
+            <a:xfrm>
+              <a:off x="6048" y="3429"/>
+              <a:ext cx="852" cy="298"/>
+            </a:xfrm>
+            <a:prstGeom prst="rect">
+              <a:avLst/>
+            </a:prstGeom>
+            <a:noFill/>
+          </p:spPr>
+          <p:txBody>
+            <a:bodyPr wrap="square" rtlCol="0">
+              <a:spAutoFit/>
+            </a:bodyPr>
+            <a:p>
+              <a:r>
+                <a:rPr lang="zh-CN" altLang="en-US" sz="1400" b="1">
+                  <a:solidFill>
+                    <a:srgbClr val="2C3E50"/>
+                  </a:solidFill>
+                </a:rPr>
+                <a:t>前端</a:t>
+              </a:r>
+              <a:endParaRPr lang="zh-CN" altLang="en-US" sz="1400" b="1">
                 <a:solidFill>
                   <a:srgbClr val="2C3E50"/>
                 </a:solidFill>
-              </a:rPr>
-              <a:t>前端</a:t>
-            </a:r>
-            <a:endParaRPr lang="zh-CN" altLang="en-US" sz="1400" b="1">
-              <a:solidFill>
-                <a:srgbClr val="2C3E50"/>
-              </a:solidFill>
-            </a:endParaRPr>
-          </a:p>
-        </p:txBody>
-      </p:sp>
-      <p:sp>
-        <p:nvSpPr>
-          <p:cNvPr id="27" name="文本框 26"/>
-          <p:cNvSpPr txBox="true"/>
-          <p:nvPr/>
-        </p:nvSpPr>
-        <p:spPr>
-          <a:xfrm>
-            <a:off x="6455410" y="2177415"/>
-            <a:ext cx="720090" cy="306705"/>
-          </a:xfrm>
-          <a:prstGeom prst="rect">
-            <a:avLst/>
-          </a:prstGeom>
-          <a:noFill/>
-        </p:spPr>
-        <p:txBody>
-          <a:bodyPr wrap="none" rtlCol="0">
-            <a:spAutoFit/>
-          </a:bodyPr>
-          <a:p>
-            <a:r>
-              <a:rPr lang="zh-CN" altLang="en-US" sz="1400" b="1">
+              </a:endParaRPr>
+            </a:p>
+          </p:txBody>
+        </p:sp>
+        <p:sp>
+          <p:nvSpPr>
+            <p:cNvPr id="27" name="文本框 26"/>
+            <p:cNvSpPr txBox="true"/>
+            <p:nvPr/>
+          </p:nvSpPr>
+          <p:spPr>
+            <a:xfrm>
+              <a:off x="10166" y="3429"/>
+              <a:ext cx="1134" cy="298"/>
+            </a:xfrm>
+            <a:prstGeom prst="rect">
+              <a:avLst/>
+            </a:prstGeom>
+            <a:noFill/>
+          </p:spPr>
+          <p:txBody>
+            <a:bodyPr wrap="square" rtlCol="0">
+              <a:spAutoFit/>
+            </a:bodyPr>
+            <a:p>
+              <a:r>
+                <a:rPr lang="zh-CN" altLang="en-US" sz="1400" b="1">
+                  <a:solidFill>
+                    <a:srgbClr val="2C3E50"/>
+                  </a:solidFill>
+                </a:rPr>
+                <a:t>优化器</a:t>
+              </a:r>
+              <a:endParaRPr lang="zh-CN" altLang="en-US" sz="1400" b="1">
                 <a:solidFill>
                   <a:srgbClr val="2C3E50"/>
                 </a:solidFill>
-              </a:rPr>
-              <a:t>优化器</a:t>
-            </a:r>
-            <a:endParaRPr lang="zh-CN" altLang="en-US" sz="1400" b="1">
-              <a:solidFill>
-                <a:srgbClr val="2C3E50"/>
-              </a:solidFill>
-            </a:endParaRPr>
-          </a:p>
-        </p:txBody>
-      </p:sp>
-      <p:sp>
-        <p:nvSpPr>
-          <p:cNvPr id="28" name="文本框 27"/>
-          <p:cNvSpPr txBox="true"/>
-          <p:nvPr/>
-        </p:nvSpPr>
-        <p:spPr>
-          <a:xfrm>
-            <a:off x="8098155" y="2177415"/>
-            <a:ext cx="541020" cy="306705"/>
-          </a:xfrm>
-          <a:prstGeom prst="rect">
-            <a:avLst/>
-          </a:prstGeom>
-          <a:noFill/>
-        </p:spPr>
-        <p:txBody>
-          <a:bodyPr wrap="none" rtlCol="0">
-            <a:spAutoFit/>
-          </a:bodyPr>
-          <a:p>
-            <a:r>
-              <a:rPr lang="zh-CN" altLang="en-US" sz="1400" b="1">
+              </a:endParaRPr>
+            </a:p>
+          </p:txBody>
+        </p:sp>
+        <p:sp>
+          <p:nvSpPr>
+            <p:cNvPr id="28" name="文本框 27"/>
+            <p:cNvSpPr txBox="true"/>
+            <p:nvPr/>
+          </p:nvSpPr>
+          <p:spPr>
+            <a:xfrm>
+              <a:off x="12753" y="3429"/>
+              <a:ext cx="852" cy="298"/>
+            </a:xfrm>
+            <a:prstGeom prst="rect">
+              <a:avLst/>
+            </a:prstGeom>
+            <a:noFill/>
+          </p:spPr>
+          <p:txBody>
+            <a:bodyPr wrap="square" rtlCol="0">
+              <a:spAutoFit/>
+            </a:bodyPr>
+            <a:p>
+              <a:r>
+                <a:rPr lang="zh-CN" altLang="en-US" sz="1400" b="1">
+                  <a:solidFill>
+                    <a:srgbClr val="2C3E50"/>
+                  </a:solidFill>
+                </a:rPr>
+                <a:t>后端</a:t>
+              </a:r>
+              <a:endParaRPr lang="zh-CN" altLang="en-US" sz="1400" b="1">
                 <a:solidFill>
                   <a:srgbClr val="2C3E50"/>
                 </a:solidFill>
-              </a:rPr>
-              <a:t>后端</a:t>
-            </a:r>
-            <a:endParaRPr lang="zh-CN" altLang="en-US" sz="1400" b="1">
-              <a:solidFill>
-                <a:srgbClr val="2C3E50"/>
-              </a:solidFill>
-            </a:endParaRPr>
-          </a:p>
-        </p:txBody>
-      </p:sp>
+              </a:endParaRPr>
+            </a:p>
+          </p:txBody>
+        </p:sp>
+      </p:grpSp>
     </p:spTree>
   </p:cSld>
   <p:clrMapOvr>
@@ -4437,220 +4452,235 @@
         <p:nvPr/>
       </p:nvGrpSpPr>
       <p:grpSpPr/>
-      <p:sp>
-        <p:nvSpPr>
-          <p:cNvPr id="5" name="矩形 4"/>
-          <p:cNvSpPr/>
+      <p:grpSp>
+        <p:nvGrpSpPr>
+          <p:cNvPr id="2" name="组合 1"/>
+          <p:cNvGrpSpPr/>
           <p:nvPr/>
-        </p:nvSpPr>
-        <p:spPr>
+        </p:nvGrpSpPr>
+        <p:grpSpPr>
           <a:xfrm>
-            <a:off x="4402455" y="2978785"/>
-            <a:ext cx="1857375" cy="661670"/>
+            <a:off x="1605915" y="1323975"/>
+            <a:ext cx="8882380" cy="4101465"/>
+            <a:chOff x="4737" y="4086"/>
+            <a:chExt cx="7542" cy="1647"/>
           </a:xfrm>
-          <a:prstGeom prst="rect">
-            <a:avLst/>
-          </a:prstGeom>
-          <a:noFill/>
-          <a:ln w="28575">
-            <a:solidFill>
-              <a:srgbClr val="2C3E50"/>
-            </a:solidFill>
-          </a:ln>
-          <a:extLst>
-            <a:ext uri="{909E8E84-426E-40DD-AFC4-6F175D3DCCD1}">
-              <a14:hiddenFill xmlns:a14="http://schemas.microsoft.com/office/drawing/2010/main">
-                <a:solidFill>
-                  <a:schemeClr val="accent1"/>
-                </a:solidFill>
-              </a14:hiddenFill>
-            </a:ext>
-          </a:extLst>
-        </p:spPr>
-        <p:style>
-          <a:lnRef idx="2">
-            <a:schemeClr val="accent1">
-              <a:shade val="50000"/>
-            </a:schemeClr>
-          </a:lnRef>
-          <a:fillRef idx="1">
-            <a:schemeClr val="accent1"/>
-          </a:fillRef>
-          <a:effectRef idx="0">
-            <a:schemeClr val="accent1"/>
-          </a:effectRef>
-          <a:fontRef idx="minor">
-            <a:schemeClr val="lt1"/>
-          </a:fontRef>
-        </p:style>
-        <p:txBody>
-          <a:bodyPr rtlCol="0" anchor="ctr"/>
-          <a:p>
-            <a:pPr algn="ctr"/>
-            <a:r>
-              <a:rPr lang="zh-CN" altLang="en-US" sz="2000" b="1">
+        </p:grpSpPr>
+        <p:sp>
+          <p:nvSpPr>
+            <p:cNvPr id="5" name="矩形 4"/>
+            <p:cNvSpPr/>
+            <p:nvPr/>
+          </p:nvSpPr>
+          <p:spPr>
+            <a:xfrm>
+              <a:off x="6933" y="4691"/>
+              <a:ext cx="2925" cy="1042"/>
+            </a:xfrm>
+            <a:prstGeom prst="rect">
+              <a:avLst/>
+            </a:prstGeom>
+            <a:noFill/>
+            <a:ln w="28575">
+              <a:solidFill>
+                <a:srgbClr val="2C3E50"/>
+              </a:solidFill>
+            </a:ln>
+            <a:extLst>
+              <a:ext uri="{909E8E84-426E-40DD-AFC4-6F175D3DCCD1}">
+                <a14:hiddenFill xmlns:a14="http://schemas.microsoft.com/office/drawing/2010/main">
+                  <a:solidFill>
+                    <a:schemeClr val="accent1"/>
+                  </a:solidFill>
+                </a14:hiddenFill>
+              </a:ext>
+            </a:extLst>
+          </p:spPr>
+          <p:style>
+            <a:lnRef idx="2">
+              <a:schemeClr val="accent1">
+                <a:shade val="50000"/>
+              </a:schemeClr>
+            </a:lnRef>
+            <a:fillRef idx="1">
+              <a:schemeClr val="accent1"/>
+            </a:fillRef>
+            <a:effectRef idx="0">
+              <a:schemeClr val="accent1"/>
+            </a:effectRef>
+            <a:fontRef idx="minor">
+              <a:schemeClr val="lt1"/>
+            </a:fontRef>
+          </p:style>
+          <p:txBody>
+            <a:bodyPr rtlCol="0" anchor="ctr"/>
+            <a:p>
+              <a:pPr algn="ctr"/>
+              <a:r>
+                <a:rPr lang="zh-CN" altLang="en-US" sz="2000" b="1">
+                  <a:solidFill>
+                    <a:srgbClr val="2C3E50"/>
+                  </a:solidFill>
+                </a:rPr>
+                <a:t>编译器</a:t>
+              </a:r>
+              <a:endParaRPr lang="zh-CN" altLang="en-US" sz="2000" b="1">
                 <a:solidFill>
                   <a:srgbClr val="2C3E50"/>
                 </a:solidFill>
-              </a:rPr>
-              <a:t>编译器</a:t>
-            </a:r>
-            <a:endParaRPr lang="zh-CN" altLang="en-US" sz="2000" b="1">
-              <a:solidFill>
-                <a:srgbClr val="2C3E50"/>
-              </a:solidFill>
-            </a:endParaRPr>
-          </a:p>
-        </p:txBody>
-      </p:sp>
-      <p:sp>
-        <p:nvSpPr>
-          <p:cNvPr id="18" name="文本框 17"/>
-          <p:cNvSpPr txBox="true"/>
-          <p:nvPr/>
-        </p:nvSpPr>
-        <p:spPr>
-          <a:xfrm>
-            <a:off x="3007995" y="2594610"/>
-            <a:ext cx="541020" cy="306705"/>
-          </a:xfrm>
-          <a:prstGeom prst="rect">
-            <a:avLst/>
-          </a:prstGeom>
-          <a:noFill/>
-        </p:spPr>
-        <p:txBody>
-          <a:bodyPr wrap="none" rtlCol="0">
-            <a:spAutoFit/>
-          </a:bodyPr>
-          <a:p>
-            <a:r>
-              <a:rPr lang="zh-CN" altLang="en-US" sz="1400" b="1">
+              </a:endParaRPr>
+            </a:p>
+          </p:txBody>
+        </p:sp>
+        <p:sp>
+          <p:nvSpPr>
+            <p:cNvPr id="18" name="文本框 17"/>
+            <p:cNvSpPr txBox="true"/>
+            <p:nvPr/>
+          </p:nvSpPr>
+          <p:spPr>
+            <a:xfrm>
+              <a:off x="4737" y="4086"/>
+              <a:ext cx="852" cy="123"/>
+            </a:xfrm>
+            <a:prstGeom prst="rect">
+              <a:avLst/>
+            </a:prstGeom>
+            <a:noFill/>
+          </p:spPr>
+          <p:txBody>
+            <a:bodyPr wrap="square" rtlCol="0">
+              <a:spAutoFit/>
+            </a:bodyPr>
+            <a:p>
+              <a:r>
+                <a:rPr lang="zh-CN" altLang="en-US" sz="1400" b="1">
+                  <a:solidFill>
+                    <a:srgbClr val="2C3E50"/>
+                  </a:solidFill>
+                </a:rPr>
+                <a:t>源码</a:t>
+              </a:r>
+              <a:endParaRPr lang="zh-CN" altLang="en-US" sz="1400" b="1">
                 <a:solidFill>
                   <a:srgbClr val="2C3E50"/>
                 </a:solidFill>
-              </a:rPr>
-              <a:t>源码</a:t>
-            </a:r>
-            <a:endParaRPr lang="zh-CN" altLang="en-US" sz="1400" b="1">
-              <a:solidFill>
-                <a:srgbClr val="2C3E50"/>
-              </a:solidFill>
-            </a:endParaRPr>
-          </a:p>
-        </p:txBody>
-      </p:sp>
-      <p:sp>
-        <p:nvSpPr>
-          <p:cNvPr id="19" name="文本框 18"/>
-          <p:cNvSpPr txBox="true"/>
-          <p:nvPr/>
-        </p:nvSpPr>
-        <p:spPr>
-          <a:xfrm>
-            <a:off x="6718935" y="2646680"/>
-            <a:ext cx="1078230" cy="306705"/>
-          </a:xfrm>
-          <a:prstGeom prst="rect">
-            <a:avLst/>
-          </a:prstGeom>
-          <a:noFill/>
-        </p:spPr>
-        <p:txBody>
-          <a:bodyPr wrap="none" rtlCol="0">
-            <a:spAutoFit/>
-          </a:bodyPr>
-          <a:p>
-            <a:r>
-              <a:rPr lang="zh-CN" altLang="" sz="1400" b="1">
+              </a:endParaRPr>
+            </a:p>
+          </p:txBody>
+        </p:sp>
+        <p:sp>
+          <p:nvSpPr>
+            <p:cNvPr id="19" name="文本框 18"/>
+            <p:cNvSpPr txBox="true"/>
+            <p:nvPr/>
+          </p:nvSpPr>
+          <p:spPr>
+            <a:xfrm>
+              <a:off x="10581" y="4168"/>
+              <a:ext cx="1698" cy="123"/>
+            </a:xfrm>
+            <a:prstGeom prst="rect">
+              <a:avLst/>
+            </a:prstGeom>
+            <a:noFill/>
+          </p:spPr>
+          <p:txBody>
+            <a:bodyPr wrap="square" rtlCol="0">
+              <a:spAutoFit/>
+            </a:bodyPr>
+            <a:p>
+              <a:r>
+                <a:rPr lang="zh-CN" altLang="" sz="1400" b="1">
+                  <a:solidFill>
+                    <a:srgbClr val="2C3E50"/>
+                  </a:solidFill>
+                </a:rPr>
+                <a:t>目标机器码</a:t>
+              </a:r>
+              <a:endParaRPr lang="zh-CN" altLang="" sz="1400" b="1">
                 <a:solidFill>
                   <a:srgbClr val="2C3E50"/>
                 </a:solidFill>
-              </a:rPr>
-              <a:t>目标机器码</a:t>
-            </a:r>
-            <a:endParaRPr lang="zh-CN" altLang="" sz="1400" b="1">
+              </a:endParaRPr>
+            </a:p>
+          </p:txBody>
+        </p:sp>
+        <p:cxnSp>
+          <p:nvCxnSpPr>
+            <p:cNvPr id="20" name="肘形连接符 19"/>
+            <p:cNvCxnSpPr>
+              <a:stCxn id="18" idx="2"/>
+            </p:cNvCxnSpPr>
+            <p:nvPr/>
+          </p:nvCxnSpPr>
+          <p:spPr>
+            <a:xfrm rot="5400000" flipV="true">
+              <a:off x="5720" y="3652"/>
+              <a:ext cx="576" cy="1690"/>
+            </a:xfrm>
+            <a:prstGeom prst="bentConnector2">
+              <a:avLst/>
+            </a:prstGeom>
+            <a:ln w="38100">
               <a:solidFill>
-                <a:srgbClr val="2C3E50"/>
+                <a:srgbClr val="3EAF7C"/>
               </a:solidFill>
-            </a:endParaRPr>
-          </a:p>
-        </p:txBody>
-      </p:sp>
-      <p:cxnSp>
-        <p:nvCxnSpPr>
-          <p:cNvPr id="20" name="肘形连接符 19"/>
-          <p:cNvCxnSpPr>
-            <a:stCxn id="18" idx="2"/>
-          </p:cNvCxnSpPr>
-          <p:nvPr/>
-        </p:nvCxnSpPr>
-        <p:spPr>
-          <a:xfrm rot="5400000" flipV="true">
-            <a:off x="3632200" y="2547620"/>
-            <a:ext cx="365760" cy="1073150"/>
-          </a:xfrm>
-          <a:prstGeom prst="bentConnector2">
-            <a:avLst/>
-          </a:prstGeom>
-          <a:ln w="38100">
-            <a:solidFill>
-              <a:srgbClr val="3EAF7C"/>
-            </a:solidFill>
-            <a:tailEnd type="arrow"/>
-          </a:ln>
-        </p:spPr>
-        <p:style>
-          <a:lnRef idx="1">
-            <a:schemeClr val="accent1"/>
-          </a:lnRef>
-          <a:fillRef idx="0">
-            <a:schemeClr val="accent1"/>
-          </a:fillRef>
-          <a:effectRef idx="0">
-            <a:schemeClr val="accent1"/>
-          </a:effectRef>
-          <a:fontRef idx="minor">
-            <a:schemeClr val="tx1"/>
-          </a:fontRef>
-        </p:style>
-      </p:cxnSp>
-      <p:cxnSp>
-        <p:nvCxnSpPr>
-          <p:cNvPr id="25" name="肘形连接符 24"/>
-          <p:cNvCxnSpPr/>
-          <p:nvPr/>
-        </p:nvCxnSpPr>
-        <p:spPr>
-          <a:xfrm flipV="true">
-            <a:off x="6259830" y="2978785"/>
-            <a:ext cx="1135380" cy="366395"/>
-          </a:xfrm>
-          <a:prstGeom prst="bentConnector2">
-            <a:avLst/>
-          </a:prstGeom>
-          <a:ln w="38100">
-            <a:solidFill>
-              <a:srgbClr val="3EAF7C"/>
-            </a:solidFill>
-            <a:tailEnd type="arrow"/>
-          </a:ln>
-        </p:spPr>
-        <p:style>
-          <a:lnRef idx="1">
-            <a:schemeClr val="accent1"/>
-          </a:lnRef>
-          <a:fillRef idx="0">
-            <a:schemeClr val="accent1"/>
-          </a:fillRef>
-          <a:effectRef idx="0">
-            <a:schemeClr val="accent1"/>
-          </a:effectRef>
-          <a:fontRef idx="minor">
-            <a:schemeClr val="tx1"/>
-          </a:fontRef>
-        </p:style>
-      </p:cxnSp>
+              <a:tailEnd type="arrow"/>
+            </a:ln>
+          </p:spPr>
+          <p:style>
+            <a:lnRef idx="1">
+              <a:schemeClr val="accent1"/>
+            </a:lnRef>
+            <a:fillRef idx="0">
+              <a:schemeClr val="accent1"/>
+            </a:fillRef>
+            <a:effectRef idx="0">
+              <a:schemeClr val="accent1"/>
+            </a:effectRef>
+            <a:fontRef idx="minor">
+              <a:schemeClr val="tx1"/>
+            </a:fontRef>
+          </p:style>
+        </p:cxnSp>
+        <p:cxnSp>
+          <p:nvCxnSpPr>
+            <p:cNvPr id="25" name="肘形连接符 24"/>
+            <p:cNvCxnSpPr/>
+            <p:nvPr/>
+          </p:nvCxnSpPr>
+          <p:spPr>
+            <a:xfrm flipV="true">
+              <a:off x="9858" y="4691"/>
+              <a:ext cx="1788" cy="577"/>
+            </a:xfrm>
+            <a:prstGeom prst="bentConnector2">
+              <a:avLst/>
+            </a:prstGeom>
+            <a:ln w="38100">
+              <a:solidFill>
+                <a:srgbClr val="3EAF7C"/>
+              </a:solidFill>
+              <a:tailEnd type="arrow"/>
+            </a:ln>
+          </p:spPr>
+          <p:style>
+            <a:lnRef idx="1">
+              <a:schemeClr val="accent1"/>
+            </a:lnRef>
+            <a:fillRef idx="0">
+              <a:schemeClr val="accent1"/>
+            </a:fillRef>
+            <a:effectRef idx="0">
+              <a:schemeClr val="accent1"/>
+            </a:effectRef>
+            <a:fontRef idx="minor">
+              <a:schemeClr val="tx1"/>
+            </a:fontRef>
+          </p:style>
+        </p:cxnSp>
+      </p:grpSp>
     </p:spTree>
   </p:cSld>
   <p:clrMapOvr>
@@ -4669,854 +4699,869 @@
         <p:nvPr/>
       </p:nvGrpSpPr>
       <p:grpSpPr/>
-      <p:sp>
-        <p:nvSpPr>
-          <p:cNvPr id="5" name="矩形 4"/>
-          <p:cNvSpPr/>
+      <p:grpSp>
+        <p:nvGrpSpPr>
+          <p:cNvPr id="25" name="组合 24"/>
+          <p:cNvGrpSpPr/>
           <p:nvPr/>
-        </p:nvSpPr>
-        <p:spPr>
+        </p:nvGrpSpPr>
+        <p:grpSpPr>
           <a:xfrm>
-            <a:off x="3635375" y="1924685"/>
-            <a:ext cx="1020445" cy="423545"/>
+            <a:off x="1054100" y="777240"/>
+            <a:ext cx="10431780" cy="5391785"/>
+            <a:chOff x="5725" y="2955"/>
+            <a:chExt cx="7632" cy="4230"/>
           </a:xfrm>
-          <a:prstGeom prst="rect">
-            <a:avLst/>
-          </a:prstGeom>
-          <a:noFill/>
-          <a:ln w="28575">
-            <a:solidFill>
-              <a:srgbClr val="2C3E50"/>
-            </a:solidFill>
-          </a:ln>
-          <a:extLst>
-            <a:ext uri="{909E8E84-426E-40DD-AFC4-6F175D3DCCD1}">
-              <a14:hiddenFill xmlns:a14="http://schemas.microsoft.com/office/drawing/2010/main">
-                <a:solidFill>
-                  <a:schemeClr val="accent1"/>
-                </a:solidFill>
-              </a14:hiddenFill>
-            </a:ext>
-          </a:extLst>
-        </p:spPr>
-        <p:style>
-          <a:lnRef idx="2">
-            <a:schemeClr val="accent1">
-              <a:shade val="50000"/>
-            </a:schemeClr>
-          </a:lnRef>
-          <a:fillRef idx="1">
-            <a:schemeClr val="accent1"/>
-          </a:fillRef>
-          <a:effectRef idx="0">
-            <a:schemeClr val="accent1"/>
-          </a:effectRef>
-          <a:fontRef idx="minor">
-            <a:schemeClr val="lt1"/>
-          </a:fontRef>
-        </p:style>
-        <p:txBody>
-          <a:bodyPr rtlCol="0" anchor="ctr"/>
-          <a:p>
-            <a:pPr algn="ctr"/>
-            <a:r>
-              <a:rPr lang="en-US" altLang="zh-CN" sz="1200" b="1">
+        </p:grpSpPr>
+        <p:sp>
+          <p:nvSpPr>
+            <p:cNvPr id="5" name="矩形 4"/>
+            <p:cNvSpPr/>
+            <p:nvPr/>
+          </p:nvSpPr>
+          <p:spPr>
+            <a:xfrm>
+              <a:off x="5725" y="3031"/>
+              <a:ext cx="1607" cy="667"/>
+            </a:xfrm>
+            <a:prstGeom prst="rect">
+              <a:avLst/>
+            </a:prstGeom>
+            <a:noFill/>
+            <a:ln w="28575">
+              <a:solidFill>
+                <a:srgbClr val="2C3E50"/>
+              </a:solidFill>
+            </a:ln>
+            <a:extLst>
+              <a:ext uri="{909E8E84-426E-40DD-AFC4-6F175D3DCCD1}">
+                <a14:hiddenFill xmlns:a14="http://schemas.microsoft.com/office/drawing/2010/main">
+                  <a:solidFill>
+                    <a:schemeClr val="accent1"/>
+                  </a:solidFill>
+                </a14:hiddenFill>
+              </a:ext>
+            </a:extLst>
+          </p:spPr>
+          <p:style>
+            <a:lnRef idx="2">
+              <a:schemeClr val="accent1">
+                <a:shade val="50000"/>
+              </a:schemeClr>
+            </a:lnRef>
+            <a:fillRef idx="1">
+              <a:schemeClr val="accent1"/>
+            </a:fillRef>
+            <a:effectRef idx="0">
+              <a:schemeClr val="accent1"/>
+            </a:effectRef>
+            <a:fontRef idx="minor">
+              <a:schemeClr val="lt1"/>
+            </a:fontRef>
+          </p:style>
+          <p:txBody>
+            <a:bodyPr rtlCol="0" anchor="ctr"/>
+            <a:p>
+              <a:pPr algn="ctr"/>
+              <a:r>
+                <a:rPr lang="en-US" altLang="zh-CN" sz="2000" b="1">
+                  <a:solidFill>
+                    <a:srgbClr val="2C3E50"/>
+                  </a:solidFill>
+                </a:rPr>
+                <a:t>C</a:t>
+              </a:r>
+              <a:endParaRPr lang="en-US" altLang="zh-CN" sz="2000" b="1">
                 <a:solidFill>
                   <a:srgbClr val="2C3E50"/>
                 </a:solidFill>
-              </a:rPr>
-              <a:t>C</a:t>
-            </a:r>
-            <a:endParaRPr lang="zh-CN" altLang="en-US" sz="1200" b="1">
+              </a:endParaRPr>
+            </a:p>
+          </p:txBody>
+        </p:sp>
+        <p:sp>
+          <p:nvSpPr>
+            <p:cNvPr id="6" name="矩形 5"/>
+            <p:cNvSpPr/>
+            <p:nvPr/>
+          </p:nvSpPr>
+          <p:spPr>
+            <a:xfrm>
+              <a:off x="5725" y="3698"/>
+              <a:ext cx="1607" cy="662"/>
+            </a:xfrm>
+            <a:prstGeom prst="rect">
+              <a:avLst/>
+            </a:prstGeom>
+            <a:noFill/>
+            <a:ln w="28575">
               <a:solidFill>
                 <a:srgbClr val="2C3E50"/>
               </a:solidFill>
-            </a:endParaRPr>
-          </a:p>
-        </p:txBody>
-      </p:sp>
-      <p:sp>
-        <p:nvSpPr>
-          <p:cNvPr id="6" name="矩形 5"/>
-          <p:cNvSpPr/>
-          <p:nvPr/>
-        </p:nvSpPr>
-        <p:spPr>
-          <a:xfrm>
-            <a:off x="3635375" y="2348230"/>
-            <a:ext cx="1020445" cy="420370"/>
-          </a:xfrm>
-          <a:prstGeom prst="rect">
-            <a:avLst/>
-          </a:prstGeom>
-          <a:noFill/>
-          <a:ln w="28575">
-            <a:solidFill>
-              <a:srgbClr val="2C3E50"/>
-            </a:solidFill>
-          </a:ln>
-          <a:extLst>
-            <a:ext uri="{909E8E84-426E-40DD-AFC4-6F175D3DCCD1}">
-              <a14:hiddenFill xmlns:a14="http://schemas.microsoft.com/office/drawing/2010/main">
-                <a:solidFill>
-                  <a:schemeClr val="accent1"/>
-                </a:solidFill>
-              </a14:hiddenFill>
-            </a:ext>
-          </a:extLst>
-        </p:spPr>
-        <p:style>
-          <a:lnRef idx="2">
-            <a:schemeClr val="accent1">
-              <a:shade val="50000"/>
-            </a:schemeClr>
-          </a:lnRef>
-          <a:fillRef idx="1">
-            <a:schemeClr val="accent1"/>
-          </a:fillRef>
-          <a:effectRef idx="0">
-            <a:schemeClr val="accent1"/>
-          </a:effectRef>
-          <a:fontRef idx="minor">
-            <a:schemeClr val="lt1"/>
-          </a:fontRef>
-        </p:style>
-        <p:txBody>
-          <a:bodyPr rtlCol="0" anchor="ctr"/>
-          <a:p>
-            <a:pPr algn="ctr"/>
-            <a:r>
-              <a:rPr lang="en-US" altLang="zh-CN" sz="1200" b="1">
+            </a:ln>
+            <a:extLst>
+              <a:ext uri="{909E8E84-426E-40DD-AFC4-6F175D3DCCD1}">
+                <a14:hiddenFill xmlns:a14="http://schemas.microsoft.com/office/drawing/2010/main">
+                  <a:solidFill>
+                    <a:schemeClr val="accent1"/>
+                  </a:solidFill>
+                </a14:hiddenFill>
+              </a:ext>
+            </a:extLst>
+          </p:spPr>
+          <p:style>
+            <a:lnRef idx="2">
+              <a:schemeClr val="accent1">
+                <a:shade val="50000"/>
+              </a:schemeClr>
+            </a:lnRef>
+            <a:fillRef idx="1">
+              <a:schemeClr val="accent1"/>
+            </a:fillRef>
+            <a:effectRef idx="0">
+              <a:schemeClr val="accent1"/>
+            </a:effectRef>
+            <a:fontRef idx="minor">
+              <a:schemeClr val="lt1"/>
+            </a:fontRef>
+          </p:style>
+          <p:txBody>
+            <a:bodyPr rtlCol="0" anchor="ctr"/>
+            <a:p>
+              <a:pPr algn="ctr"/>
+              <a:r>
+                <a:rPr lang="en-US" altLang="zh-CN" sz="2000" b="1">
+                  <a:solidFill>
+                    <a:srgbClr val="2C3E50"/>
+                  </a:solidFill>
+                </a:rPr>
+                <a:t>C++</a:t>
+              </a:r>
+              <a:endParaRPr lang="en-US" altLang="zh-CN" sz="2000" b="1">
                 <a:solidFill>
                   <a:srgbClr val="2C3E50"/>
                 </a:solidFill>
-              </a:rPr>
-              <a:t>C++</a:t>
-            </a:r>
-            <a:endParaRPr lang="en-US" altLang="zh-CN" sz="1200" b="1">
+              </a:endParaRPr>
+            </a:p>
+          </p:txBody>
+        </p:sp>
+        <p:sp>
+          <p:nvSpPr>
+            <p:cNvPr id="7" name="矩形 6"/>
+            <p:cNvSpPr/>
+            <p:nvPr/>
+          </p:nvSpPr>
+          <p:spPr>
+            <a:xfrm>
+              <a:off x="5725" y="6459"/>
+              <a:ext cx="1607" cy="716"/>
+            </a:xfrm>
+            <a:prstGeom prst="rect">
+              <a:avLst/>
+            </a:prstGeom>
+            <a:noFill/>
+            <a:ln w="28575">
               <a:solidFill>
                 <a:srgbClr val="2C3E50"/>
               </a:solidFill>
-            </a:endParaRPr>
-          </a:p>
-        </p:txBody>
-      </p:sp>
-      <p:sp>
-        <p:nvSpPr>
-          <p:cNvPr id="7" name="矩形 6"/>
-          <p:cNvSpPr/>
-          <p:nvPr/>
-        </p:nvSpPr>
-        <p:spPr>
-          <a:xfrm>
-            <a:off x="3635375" y="4101465"/>
-            <a:ext cx="1020445" cy="454660"/>
-          </a:xfrm>
-          <a:prstGeom prst="rect">
-            <a:avLst/>
-          </a:prstGeom>
-          <a:noFill/>
-          <a:ln w="28575">
-            <a:solidFill>
-              <a:srgbClr val="2C3E50"/>
-            </a:solidFill>
-          </a:ln>
-          <a:extLst>
-            <a:ext uri="{909E8E84-426E-40DD-AFC4-6F175D3DCCD1}">
-              <a14:hiddenFill xmlns:a14="http://schemas.microsoft.com/office/drawing/2010/main">
-                <a:solidFill>
-                  <a:schemeClr val="accent1"/>
-                </a:solidFill>
-              </a14:hiddenFill>
-            </a:ext>
-          </a:extLst>
-        </p:spPr>
-        <p:style>
-          <a:lnRef idx="2">
-            <a:schemeClr val="accent1">
-              <a:shade val="50000"/>
-            </a:schemeClr>
-          </a:lnRef>
-          <a:fillRef idx="1">
-            <a:schemeClr val="accent1"/>
-          </a:fillRef>
-          <a:effectRef idx="0">
-            <a:schemeClr val="accent1"/>
-          </a:effectRef>
-          <a:fontRef idx="minor">
-            <a:schemeClr val="lt1"/>
-          </a:fontRef>
-        </p:style>
-        <p:txBody>
-          <a:bodyPr rtlCol="0" anchor="ctr"/>
-          <a:p>
-            <a:pPr algn="ctr"/>
-            <a:r>
-              <a:rPr lang="" altLang="en-US" sz="1200" b="1">
+            </a:ln>
+            <a:extLst>
+              <a:ext uri="{909E8E84-426E-40DD-AFC4-6F175D3DCCD1}">
+                <a14:hiddenFill xmlns:a14="http://schemas.microsoft.com/office/drawing/2010/main">
+                  <a:solidFill>
+                    <a:schemeClr val="accent1"/>
+                  </a:solidFill>
+                </a14:hiddenFill>
+              </a:ext>
+            </a:extLst>
+          </p:spPr>
+          <p:style>
+            <a:lnRef idx="2">
+              <a:schemeClr val="accent1">
+                <a:shade val="50000"/>
+              </a:schemeClr>
+            </a:lnRef>
+            <a:fillRef idx="1">
+              <a:schemeClr val="accent1"/>
+            </a:fillRef>
+            <a:effectRef idx="0">
+              <a:schemeClr val="accent1"/>
+            </a:effectRef>
+            <a:fontRef idx="minor">
+              <a:schemeClr val="lt1"/>
+            </a:fontRef>
+          </p:style>
+          <p:txBody>
+            <a:bodyPr rtlCol="0" anchor="ctr"/>
+            <a:p>
+              <a:pPr algn="ctr"/>
+              <a:r>
+                <a:rPr lang="" altLang="en-US" sz="2000" b="1">
+                  <a:solidFill>
+                    <a:srgbClr val="2C3E50"/>
+                  </a:solidFill>
+                </a:rPr>
+                <a:t>?</a:t>
+              </a:r>
+              <a:endParaRPr lang="" altLang="en-US" sz="2000" b="1">
                 <a:solidFill>
                   <a:srgbClr val="2C3E50"/>
                 </a:solidFill>
-              </a:rPr>
-              <a:t>?</a:t>
-            </a:r>
-            <a:endParaRPr lang="" altLang="en-US" sz="1200" b="1">
+              </a:endParaRPr>
+            </a:p>
+          </p:txBody>
+        </p:sp>
+        <p:sp>
+          <p:nvSpPr>
+            <p:cNvPr id="8" name="矩形 7"/>
+            <p:cNvSpPr/>
+            <p:nvPr/>
+          </p:nvSpPr>
+          <p:spPr>
+            <a:xfrm>
+              <a:off x="5725" y="4360"/>
+              <a:ext cx="1607" cy="658"/>
+            </a:xfrm>
+            <a:prstGeom prst="rect">
+              <a:avLst/>
+            </a:prstGeom>
+            <a:noFill/>
+            <a:ln w="28575">
               <a:solidFill>
                 <a:srgbClr val="2C3E50"/>
               </a:solidFill>
-            </a:endParaRPr>
-          </a:p>
-        </p:txBody>
-      </p:sp>
-      <p:sp>
-        <p:nvSpPr>
-          <p:cNvPr id="8" name="矩形 7"/>
-          <p:cNvSpPr/>
-          <p:nvPr/>
-        </p:nvSpPr>
-        <p:spPr>
-          <a:xfrm>
-            <a:off x="3635375" y="2768600"/>
-            <a:ext cx="1020445" cy="417830"/>
-          </a:xfrm>
-          <a:prstGeom prst="rect">
-            <a:avLst/>
-          </a:prstGeom>
-          <a:noFill/>
-          <a:ln w="28575">
-            <a:solidFill>
-              <a:srgbClr val="2C3E50"/>
-            </a:solidFill>
-          </a:ln>
-          <a:extLst>
-            <a:ext uri="{909E8E84-426E-40DD-AFC4-6F175D3DCCD1}">
-              <a14:hiddenFill xmlns:a14="http://schemas.microsoft.com/office/drawing/2010/main">
-                <a:solidFill>
-                  <a:schemeClr val="accent1"/>
-                </a:solidFill>
-              </a14:hiddenFill>
-            </a:ext>
-          </a:extLst>
-        </p:spPr>
-        <p:style>
-          <a:lnRef idx="2">
-            <a:schemeClr val="accent1">
-              <a:shade val="50000"/>
-            </a:schemeClr>
-          </a:lnRef>
-          <a:fillRef idx="1">
-            <a:schemeClr val="accent1"/>
-          </a:fillRef>
-          <a:effectRef idx="0">
-            <a:schemeClr val="accent1"/>
-          </a:effectRef>
-          <a:fontRef idx="minor">
-            <a:schemeClr val="lt1"/>
-          </a:fontRef>
-        </p:style>
-        <p:txBody>
-          <a:bodyPr rtlCol="0" anchor="ctr"/>
-          <a:p>
-            <a:pPr algn="ctr"/>
-            <a:r>
-              <a:rPr lang="en-US" altLang="zh-CN" sz="1200" b="1">
+            </a:ln>
+            <a:extLst>
+              <a:ext uri="{909E8E84-426E-40DD-AFC4-6F175D3DCCD1}">
+                <a14:hiddenFill xmlns:a14="http://schemas.microsoft.com/office/drawing/2010/main">
+                  <a:solidFill>
+                    <a:schemeClr val="accent1"/>
+                  </a:solidFill>
+                </a14:hiddenFill>
+              </a:ext>
+            </a:extLst>
+          </p:spPr>
+          <p:style>
+            <a:lnRef idx="2">
+              <a:schemeClr val="accent1">
+                <a:shade val="50000"/>
+              </a:schemeClr>
+            </a:lnRef>
+            <a:fillRef idx="1">
+              <a:schemeClr val="accent1"/>
+            </a:fillRef>
+            <a:effectRef idx="0">
+              <a:schemeClr val="accent1"/>
+            </a:effectRef>
+            <a:fontRef idx="minor">
+              <a:schemeClr val="lt1"/>
+            </a:fontRef>
+          </p:style>
+          <p:txBody>
+            <a:bodyPr rtlCol="0" anchor="ctr"/>
+            <a:p>
+              <a:pPr algn="ctr"/>
+              <a:r>
+                <a:rPr lang="en-US" altLang="zh-CN" sz="2000" b="1">
+                  <a:solidFill>
+                    <a:srgbClr val="2C3E50"/>
+                  </a:solidFill>
+                </a:rPr>
+                <a:t>Go</a:t>
+              </a:r>
+              <a:endParaRPr lang="en-US" altLang="zh-CN" sz="2000" b="1">
                 <a:solidFill>
                   <a:srgbClr val="2C3E50"/>
                 </a:solidFill>
-              </a:rPr>
-              <a:t>Go</a:t>
-            </a:r>
-            <a:endParaRPr lang="en-US" altLang="zh-CN" sz="1200" b="1">
+              </a:endParaRPr>
+            </a:p>
+          </p:txBody>
+        </p:sp>
+        <p:sp>
+          <p:nvSpPr>
+            <p:cNvPr id="4" name="矩形 3"/>
+            <p:cNvSpPr/>
+            <p:nvPr/>
+          </p:nvSpPr>
+          <p:spPr>
+            <a:xfrm>
+              <a:off x="5725" y="5018"/>
+              <a:ext cx="1607" cy="1441"/>
+            </a:xfrm>
+            <a:prstGeom prst="rect">
+              <a:avLst/>
+            </a:prstGeom>
+            <a:noFill/>
+            <a:ln w="28575">
               <a:solidFill>
                 <a:srgbClr val="2C3E50"/>
               </a:solidFill>
-            </a:endParaRPr>
-          </a:p>
-        </p:txBody>
-      </p:sp>
-      <p:sp>
-        <p:nvSpPr>
-          <p:cNvPr id="4" name="矩形 3"/>
-          <p:cNvSpPr/>
-          <p:nvPr/>
-        </p:nvSpPr>
-        <p:spPr>
-          <a:xfrm>
-            <a:off x="3635375" y="3186430"/>
-            <a:ext cx="1020445" cy="915035"/>
-          </a:xfrm>
-          <a:prstGeom prst="rect">
-            <a:avLst/>
-          </a:prstGeom>
-          <a:noFill/>
-          <a:ln w="28575">
-            <a:solidFill>
-              <a:srgbClr val="2C3E50"/>
-            </a:solidFill>
-          </a:ln>
-          <a:extLst>
-            <a:ext uri="{909E8E84-426E-40DD-AFC4-6F175D3DCCD1}">
-              <a14:hiddenFill xmlns:a14="http://schemas.microsoft.com/office/drawing/2010/main">
-                <a:solidFill>
-                  <a:schemeClr val="accent1"/>
-                </a:solidFill>
-              </a14:hiddenFill>
-            </a:ext>
-          </a:extLst>
-        </p:spPr>
-        <p:style>
-          <a:lnRef idx="2">
-            <a:schemeClr val="accent1">
-              <a:shade val="50000"/>
-            </a:schemeClr>
-          </a:lnRef>
-          <a:fillRef idx="1">
-            <a:schemeClr val="accent1"/>
-          </a:fillRef>
-          <a:effectRef idx="0">
-            <a:schemeClr val="accent1"/>
-          </a:effectRef>
-          <a:fontRef idx="minor">
-            <a:schemeClr val="lt1"/>
-          </a:fontRef>
-        </p:style>
-        <p:txBody>
-          <a:bodyPr rtlCol="0" anchor="ctr"/>
-          <a:p>
-            <a:pPr algn="ctr"/>
-            <a:r>
-              <a:rPr lang="" altLang="zh-CN" sz="1200" b="1">
+            </a:ln>
+            <a:extLst>
+              <a:ext uri="{909E8E84-426E-40DD-AFC4-6F175D3DCCD1}">
+                <a14:hiddenFill xmlns:a14="http://schemas.microsoft.com/office/drawing/2010/main">
+                  <a:solidFill>
+                    <a:schemeClr val="accent1"/>
+                  </a:solidFill>
+                </a14:hiddenFill>
+              </a:ext>
+            </a:extLst>
+          </p:spPr>
+          <p:style>
+            <a:lnRef idx="2">
+              <a:schemeClr val="accent1">
+                <a:shade val="50000"/>
+              </a:schemeClr>
+            </a:lnRef>
+            <a:fillRef idx="1">
+              <a:schemeClr val="accent1"/>
+            </a:fillRef>
+            <a:effectRef idx="0">
+              <a:schemeClr val="accent1"/>
+            </a:effectRef>
+            <a:fontRef idx="minor">
+              <a:schemeClr val="lt1"/>
+            </a:fontRef>
+          </p:style>
+          <p:txBody>
+            <a:bodyPr rtlCol="0" anchor="ctr"/>
+            <a:p>
+              <a:pPr algn="ctr"/>
+              <a:r>
+                <a:rPr lang="" altLang="zh-CN" sz="2000" b="1">
+                  <a:solidFill>
+                    <a:srgbClr val="2C3E50"/>
+                  </a:solidFill>
+                </a:rPr>
+                <a:t>.</a:t>
+              </a:r>
+              <a:endParaRPr lang="" altLang="zh-CN" sz="2000" b="1">
                 <a:solidFill>
                   <a:srgbClr val="2C3E50"/>
                 </a:solidFill>
-              </a:rPr>
-              <a:t>.</a:t>
-            </a:r>
-            <a:endParaRPr lang="" altLang="zh-CN" sz="1200" b="1">
+              </a:endParaRPr>
+            </a:p>
+            <a:p>
+              <a:pPr algn="ctr"/>
+              <a:r>
+                <a:rPr lang="" altLang="zh-CN" sz="2000" b="1">
+                  <a:solidFill>
+                    <a:srgbClr val="2C3E50"/>
+                  </a:solidFill>
+                </a:rPr>
+                <a:t>.</a:t>
+              </a:r>
+              <a:endParaRPr lang="" altLang="zh-CN" sz="2000" b="1">
+                <a:solidFill>
+                  <a:srgbClr val="2C3E50"/>
+                </a:solidFill>
+              </a:endParaRPr>
+            </a:p>
+            <a:p>
+              <a:pPr algn="ctr"/>
+              <a:r>
+                <a:rPr lang="" altLang="zh-CN" sz="2000" b="1">
+                  <a:solidFill>
+                    <a:srgbClr val="2C3E50"/>
+                  </a:solidFill>
+                </a:rPr>
+                <a:t>.</a:t>
+              </a:r>
+              <a:endParaRPr lang="" altLang="zh-CN" sz="2000" b="1">
+                <a:solidFill>
+                  <a:srgbClr val="2C3E50"/>
+                </a:solidFill>
+              </a:endParaRPr>
+            </a:p>
+          </p:txBody>
+        </p:sp>
+        <p:sp>
+          <p:nvSpPr>
+            <p:cNvPr id="15" name="矩形 14"/>
+            <p:cNvSpPr/>
+            <p:nvPr/>
+          </p:nvSpPr>
+          <p:spPr>
+            <a:xfrm>
+              <a:off x="11750" y="3031"/>
+              <a:ext cx="1607" cy="667"/>
+            </a:xfrm>
+            <a:prstGeom prst="rect">
+              <a:avLst/>
+            </a:prstGeom>
+            <a:noFill/>
+            <a:ln w="28575">
               <a:solidFill>
                 <a:srgbClr val="2C3E50"/>
               </a:solidFill>
-            </a:endParaRPr>
-          </a:p>
-          <a:p>
-            <a:pPr algn="ctr"/>
-            <a:r>
-              <a:rPr lang="" altLang="zh-CN" sz="1200" b="1">
+            </a:ln>
+            <a:extLst>
+              <a:ext uri="{909E8E84-426E-40DD-AFC4-6F175D3DCCD1}">
+                <a14:hiddenFill xmlns:a14="http://schemas.microsoft.com/office/drawing/2010/main">
+                  <a:solidFill>
+                    <a:schemeClr val="accent1"/>
+                  </a:solidFill>
+                </a14:hiddenFill>
+              </a:ext>
+            </a:extLst>
+          </p:spPr>
+          <p:style>
+            <a:lnRef idx="2">
+              <a:schemeClr val="accent1">
+                <a:shade val="50000"/>
+              </a:schemeClr>
+            </a:lnRef>
+            <a:fillRef idx="1">
+              <a:schemeClr val="accent1"/>
+            </a:fillRef>
+            <a:effectRef idx="0">
+              <a:schemeClr val="accent1"/>
+            </a:effectRef>
+            <a:fontRef idx="minor">
+              <a:schemeClr val="lt1"/>
+            </a:fontRef>
+          </p:style>
+          <p:txBody>
+            <a:bodyPr rtlCol="0" anchor="ctr"/>
+            <a:p>
+              <a:pPr algn="ctr"/>
+              <a:r>
+                <a:rPr lang="" altLang="en-US" sz="2000" b="1">
+                  <a:solidFill>
+                    <a:srgbClr val="2C3E50"/>
+                  </a:solidFill>
+                </a:rPr>
+                <a:t>X86</a:t>
+              </a:r>
+              <a:endParaRPr lang="" altLang="en-US" sz="2000" b="1">
                 <a:solidFill>
                   <a:srgbClr val="2C3E50"/>
                 </a:solidFill>
-              </a:rPr>
-              <a:t>.</a:t>
-            </a:r>
-            <a:endParaRPr lang="" altLang="zh-CN" sz="1200" b="1">
+              </a:endParaRPr>
+            </a:p>
+          </p:txBody>
+        </p:sp>
+        <p:sp>
+          <p:nvSpPr>
+            <p:cNvPr id="16" name="矩形 15"/>
+            <p:cNvSpPr/>
+            <p:nvPr/>
+          </p:nvSpPr>
+          <p:spPr>
+            <a:xfrm>
+              <a:off x="11750" y="3698"/>
+              <a:ext cx="1607" cy="662"/>
+            </a:xfrm>
+            <a:prstGeom prst="rect">
+              <a:avLst/>
+            </a:prstGeom>
+            <a:noFill/>
+            <a:ln w="28575">
               <a:solidFill>
                 <a:srgbClr val="2C3E50"/>
               </a:solidFill>
-            </a:endParaRPr>
-          </a:p>
-          <a:p>
-            <a:pPr algn="ctr"/>
-            <a:r>
-              <a:rPr lang="" altLang="zh-CN" sz="1200" b="1">
+            </a:ln>
+            <a:extLst>
+              <a:ext uri="{909E8E84-426E-40DD-AFC4-6F175D3DCCD1}">
+                <a14:hiddenFill xmlns:a14="http://schemas.microsoft.com/office/drawing/2010/main">
+                  <a:solidFill>
+                    <a:schemeClr val="accent1"/>
+                  </a:solidFill>
+                </a14:hiddenFill>
+              </a:ext>
+            </a:extLst>
+          </p:spPr>
+          <p:style>
+            <a:lnRef idx="2">
+              <a:schemeClr val="accent1">
+                <a:shade val="50000"/>
+              </a:schemeClr>
+            </a:lnRef>
+            <a:fillRef idx="1">
+              <a:schemeClr val="accent1"/>
+            </a:fillRef>
+            <a:effectRef idx="0">
+              <a:schemeClr val="accent1"/>
+            </a:effectRef>
+            <a:fontRef idx="minor">
+              <a:schemeClr val="lt1"/>
+            </a:fontRef>
+          </p:style>
+          <p:txBody>
+            <a:bodyPr rtlCol="0" anchor="ctr"/>
+            <a:p>
+              <a:pPr algn="ctr"/>
+              <a:r>
+                <a:rPr lang="" altLang="en-US" sz="2000" b="1">
+                  <a:solidFill>
+                    <a:srgbClr val="2C3E50"/>
+                  </a:solidFill>
+                </a:rPr>
+                <a:t>ARM</a:t>
+              </a:r>
+              <a:endParaRPr lang="" altLang="en-US" sz="2000" b="1">
                 <a:solidFill>
                   <a:srgbClr val="2C3E50"/>
                 </a:solidFill>
-              </a:rPr>
-              <a:t>.</a:t>
-            </a:r>
-            <a:endParaRPr lang="" altLang="zh-CN" sz="1200" b="1">
+              </a:endParaRPr>
+            </a:p>
+          </p:txBody>
+        </p:sp>
+        <p:sp>
+          <p:nvSpPr>
+            <p:cNvPr id="17" name="矩形 16"/>
+            <p:cNvSpPr/>
+            <p:nvPr/>
+          </p:nvSpPr>
+          <p:spPr>
+            <a:xfrm>
+              <a:off x="11750" y="6459"/>
+              <a:ext cx="1607" cy="716"/>
+            </a:xfrm>
+            <a:prstGeom prst="rect">
+              <a:avLst/>
+            </a:prstGeom>
+            <a:noFill/>
+            <a:ln w="28575">
               <a:solidFill>
                 <a:srgbClr val="2C3E50"/>
               </a:solidFill>
-            </a:endParaRPr>
-          </a:p>
-        </p:txBody>
-      </p:sp>
-      <p:sp>
-        <p:nvSpPr>
-          <p:cNvPr id="15" name="矩形 14"/>
-          <p:cNvSpPr/>
-          <p:nvPr/>
-        </p:nvSpPr>
-        <p:spPr>
-          <a:xfrm>
-            <a:off x="7461250" y="1924685"/>
-            <a:ext cx="1020445" cy="423545"/>
-          </a:xfrm>
-          <a:prstGeom prst="rect">
-            <a:avLst/>
-          </a:prstGeom>
-          <a:noFill/>
-          <a:ln w="28575">
-            <a:solidFill>
-              <a:srgbClr val="2C3E50"/>
-            </a:solidFill>
-          </a:ln>
-          <a:extLst>
-            <a:ext uri="{909E8E84-426E-40DD-AFC4-6F175D3DCCD1}">
-              <a14:hiddenFill xmlns:a14="http://schemas.microsoft.com/office/drawing/2010/main">
-                <a:solidFill>
-                  <a:schemeClr val="accent1"/>
-                </a:solidFill>
-              </a14:hiddenFill>
-            </a:ext>
-          </a:extLst>
-        </p:spPr>
-        <p:style>
-          <a:lnRef idx="2">
-            <a:schemeClr val="accent1">
-              <a:shade val="50000"/>
-            </a:schemeClr>
-          </a:lnRef>
-          <a:fillRef idx="1">
-            <a:schemeClr val="accent1"/>
-          </a:fillRef>
-          <a:effectRef idx="0">
-            <a:schemeClr val="accent1"/>
-          </a:effectRef>
-          <a:fontRef idx="minor">
-            <a:schemeClr val="lt1"/>
-          </a:fontRef>
-        </p:style>
-        <p:txBody>
-          <a:bodyPr rtlCol="0" anchor="ctr"/>
-          <a:p>
-            <a:pPr algn="ctr"/>
-            <a:r>
-              <a:rPr lang="" altLang="en-US" sz="1200" b="1">
+            </a:ln>
+            <a:extLst>
+              <a:ext uri="{909E8E84-426E-40DD-AFC4-6F175D3DCCD1}">
+                <a14:hiddenFill xmlns:a14="http://schemas.microsoft.com/office/drawing/2010/main">
+                  <a:solidFill>
+                    <a:schemeClr val="accent1"/>
+                  </a:solidFill>
+                </a14:hiddenFill>
+              </a:ext>
+            </a:extLst>
+          </p:spPr>
+          <p:style>
+            <a:lnRef idx="2">
+              <a:schemeClr val="accent1">
+                <a:shade val="50000"/>
+              </a:schemeClr>
+            </a:lnRef>
+            <a:fillRef idx="1">
+              <a:schemeClr val="accent1"/>
+            </a:fillRef>
+            <a:effectRef idx="0">
+              <a:schemeClr val="accent1"/>
+            </a:effectRef>
+            <a:fontRef idx="minor">
+              <a:schemeClr val="lt1"/>
+            </a:fontRef>
+          </p:style>
+          <p:txBody>
+            <a:bodyPr rtlCol="0" anchor="ctr"/>
+            <a:p>
+              <a:pPr algn="ctr"/>
+              <a:r>
+                <a:rPr lang="" altLang="en-US" sz="2000" b="1">
+                  <a:solidFill>
+                    <a:srgbClr val="2C3E50"/>
+                  </a:solidFill>
+                </a:rPr>
+                <a:t>?</a:t>
+              </a:r>
+              <a:endParaRPr lang="" altLang="en-US" sz="2000" b="1">
                 <a:solidFill>
                   <a:srgbClr val="2C3E50"/>
                 </a:solidFill>
-              </a:rPr>
-              <a:t>X86</a:t>
-            </a:r>
-            <a:endParaRPr lang="" altLang="en-US" sz="1200" b="1">
+              </a:endParaRPr>
+            </a:p>
+          </p:txBody>
+        </p:sp>
+        <p:sp>
+          <p:nvSpPr>
+            <p:cNvPr id="18" name="矩形 17"/>
+            <p:cNvSpPr/>
+            <p:nvPr/>
+          </p:nvSpPr>
+          <p:spPr>
+            <a:xfrm>
+              <a:off x="11750" y="4360"/>
+              <a:ext cx="1607" cy="658"/>
+            </a:xfrm>
+            <a:prstGeom prst="rect">
+              <a:avLst/>
+            </a:prstGeom>
+            <a:noFill/>
+            <a:ln w="28575">
               <a:solidFill>
                 <a:srgbClr val="2C3E50"/>
               </a:solidFill>
-            </a:endParaRPr>
-          </a:p>
-        </p:txBody>
-      </p:sp>
-      <p:sp>
-        <p:nvSpPr>
-          <p:cNvPr id="16" name="矩形 15"/>
-          <p:cNvSpPr/>
-          <p:nvPr/>
-        </p:nvSpPr>
-        <p:spPr>
-          <a:xfrm>
-            <a:off x="7461250" y="2348230"/>
-            <a:ext cx="1020445" cy="420370"/>
-          </a:xfrm>
-          <a:prstGeom prst="rect">
-            <a:avLst/>
-          </a:prstGeom>
-          <a:noFill/>
-          <a:ln w="28575">
-            <a:solidFill>
-              <a:srgbClr val="2C3E50"/>
-            </a:solidFill>
-          </a:ln>
-          <a:extLst>
-            <a:ext uri="{909E8E84-426E-40DD-AFC4-6F175D3DCCD1}">
-              <a14:hiddenFill xmlns:a14="http://schemas.microsoft.com/office/drawing/2010/main">
-                <a:solidFill>
-                  <a:schemeClr val="accent1"/>
-                </a:solidFill>
-              </a14:hiddenFill>
-            </a:ext>
-          </a:extLst>
-        </p:spPr>
-        <p:style>
-          <a:lnRef idx="2">
-            <a:schemeClr val="accent1">
-              <a:shade val="50000"/>
-            </a:schemeClr>
-          </a:lnRef>
-          <a:fillRef idx="1">
-            <a:schemeClr val="accent1"/>
-          </a:fillRef>
-          <a:effectRef idx="0">
-            <a:schemeClr val="accent1"/>
-          </a:effectRef>
-          <a:fontRef idx="minor">
-            <a:schemeClr val="lt1"/>
-          </a:fontRef>
-        </p:style>
-        <p:txBody>
-          <a:bodyPr rtlCol="0" anchor="ctr"/>
-          <a:p>
-            <a:pPr algn="ctr"/>
-            <a:r>
-              <a:rPr lang="" altLang="en-US" sz="1200" b="1">
+            </a:ln>
+            <a:extLst>
+              <a:ext uri="{909E8E84-426E-40DD-AFC4-6F175D3DCCD1}">
+                <a14:hiddenFill xmlns:a14="http://schemas.microsoft.com/office/drawing/2010/main">
+                  <a:solidFill>
+                    <a:schemeClr val="accent1"/>
+                  </a:solidFill>
+                </a14:hiddenFill>
+              </a:ext>
+            </a:extLst>
+          </p:spPr>
+          <p:style>
+            <a:lnRef idx="2">
+              <a:schemeClr val="accent1">
+                <a:shade val="50000"/>
+              </a:schemeClr>
+            </a:lnRef>
+            <a:fillRef idx="1">
+              <a:schemeClr val="accent1"/>
+            </a:fillRef>
+            <a:effectRef idx="0">
+              <a:schemeClr val="accent1"/>
+            </a:effectRef>
+            <a:fontRef idx="minor">
+              <a:schemeClr val="lt1"/>
+            </a:fontRef>
+          </p:style>
+          <p:txBody>
+            <a:bodyPr rtlCol="0" anchor="ctr"/>
+            <a:p>
+              <a:pPr algn="ctr"/>
+              <a:r>
+                <a:rPr lang="" altLang="en-US" sz="2000" b="1">
+                  <a:solidFill>
+                    <a:srgbClr val="2C3E50"/>
+                  </a:solidFill>
+                </a:rPr>
+                <a:t>Powerpc</a:t>
+              </a:r>
+              <a:endParaRPr lang="" altLang="en-US" sz="2000" b="1">
                 <a:solidFill>
                   <a:srgbClr val="2C3E50"/>
                 </a:solidFill>
-              </a:rPr>
-              <a:t>ARM</a:t>
-            </a:r>
-            <a:endParaRPr lang="" altLang="en-US" sz="1200" b="1">
+              </a:endParaRPr>
+            </a:p>
+          </p:txBody>
+        </p:sp>
+        <p:sp>
+          <p:nvSpPr>
+            <p:cNvPr id="19" name="矩形 18"/>
+            <p:cNvSpPr/>
+            <p:nvPr/>
+          </p:nvSpPr>
+          <p:spPr>
+            <a:xfrm>
+              <a:off x="11750" y="5018"/>
+              <a:ext cx="1607" cy="1441"/>
+            </a:xfrm>
+            <a:prstGeom prst="rect">
+              <a:avLst/>
+            </a:prstGeom>
+            <a:noFill/>
+            <a:ln w="28575">
               <a:solidFill>
                 <a:srgbClr val="2C3E50"/>
               </a:solidFill>
-            </a:endParaRPr>
-          </a:p>
-        </p:txBody>
-      </p:sp>
-      <p:sp>
-        <p:nvSpPr>
-          <p:cNvPr id="17" name="矩形 16"/>
-          <p:cNvSpPr/>
-          <p:nvPr/>
-        </p:nvSpPr>
-        <p:spPr>
-          <a:xfrm>
-            <a:off x="7461250" y="4101465"/>
-            <a:ext cx="1020445" cy="454660"/>
-          </a:xfrm>
-          <a:prstGeom prst="rect">
-            <a:avLst/>
-          </a:prstGeom>
-          <a:noFill/>
-          <a:ln w="28575">
-            <a:solidFill>
-              <a:srgbClr val="2C3E50"/>
-            </a:solidFill>
-          </a:ln>
-          <a:extLst>
-            <a:ext uri="{909E8E84-426E-40DD-AFC4-6F175D3DCCD1}">
-              <a14:hiddenFill xmlns:a14="http://schemas.microsoft.com/office/drawing/2010/main">
-                <a:solidFill>
-                  <a:schemeClr val="accent1"/>
-                </a:solidFill>
-              </a14:hiddenFill>
-            </a:ext>
-          </a:extLst>
-        </p:spPr>
-        <p:style>
-          <a:lnRef idx="2">
-            <a:schemeClr val="accent1">
-              <a:shade val="50000"/>
-            </a:schemeClr>
-          </a:lnRef>
-          <a:fillRef idx="1">
-            <a:schemeClr val="accent1"/>
-          </a:fillRef>
-          <a:effectRef idx="0">
-            <a:schemeClr val="accent1"/>
-          </a:effectRef>
-          <a:fontRef idx="minor">
-            <a:schemeClr val="lt1"/>
-          </a:fontRef>
-        </p:style>
-        <p:txBody>
-          <a:bodyPr rtlCol="0" anchor="ctr"/>
-          <a:p>
-            <a:pPr algn="ctr"/>
-            <a:r>
-              <a:rPr lang="" altLang="en-US" sz="1200" b="1">
+            </a:ln>
+            <a:extLst>
+              <a:ext uri="{909E8E84-426E-40DD-AFC4-6F175D3DCCD1}">
+                <a14:hiddenFill xmlns:a14="http://schemas.microsoft.com/office/drawing/2010/main">
+                  <a:solidFill>
+                    <a:schemeClr val="accent1"/>
+                  </a:solidFill>
+                </a14:hiddenFill>
+              </a:ext>
+            </a:extLst>
+          </p:spPr>
+          <p:style>
+            <a:lnRef idx="2">
+              <a:schemeClr val="accent1">
+                <a:shade val="50000"/>
+              </a:schemeClr>
+            </a:lnRef>
+            <a:fillRef idx="1">
+              <a:schemeClr val="accent1"/>
+            </a:fillRef>
+            <a:effectRef idx="0">
+              <a:schemeClr val="accent1"/>
+            </a:effectRef>
+            <a:fontRef idx="minor">
+              <a:schemeClr val="lt1"/>
+            </a:fontRef>
+          </p:style>
+          <p:txBody>
+            <a:bodyPr rtlCol="0" anchor="ctr"/>
+            <a:p>
+              <a:pPr algn="ctr"/>
+              <a:endParaRPr lang="en-US" altLang="zh-CN" sz="2000" b="1">
                 <a:solidFill>
                   <a:srgbClr val="2C3E50"/>
                 </a:solidFill>
-              </a:rPr>
-              <a:t>?</a:t>
-            </a:r>
-            <a:endParaRPr lang="" altLang="en-US" sz="1200" b="1">
+              </a:endParaRPr>
+            </a:p>
+          </p:txBody>
+        </p:sp>
+        <p:sp>
+          <p:nvSpPr>
+            <p:cNvPr id="21" name="左大括号 20"/>
+            <p:cNvSpPr/>
+            <p:nvPr/>
+          </p:nvSpPr>
+          <p:spPr>
+            <a:xfrm>
+              <a:off x="10850" y="2955"/>
+              <a:ext cx="900" cy="4220"/>
+            </a:xfrm>
+            <a:prstGeom prst="leftBrace">
+              <a:avLst>
+                <a:gd name="adj1" fmla="val 8333"/>
+                <a:gd name="adj2" fmla="val 51267"/>
+              </a:avLst>
+            </a:prstGeom>
+            <a:ln w="38100">
               <a:solidFill>
-                <a:srgbClr val="2C3E50"/>
+                <a:srgbClr val="3EAF7C"/>
               </a:solidFill>
-            </a:endParaRPr>
-          </a:p>
-        </p:txBody>
-      </p:sp>
-      <p:sp>
-        <p:nvSpPr>
-          <p:cNvPr id="18" name="矩形 17"/>
-          <p:cNvSpPr/>
-          <p:nvPr/>
-        </p:nvSpPr>
-        <p:spPr>
-          <a:xfrm>
-            <a:off x="7461250" y="2768600"/>
-            <a:ext cx="1020445" cy="417830"/>
-          </a:xfrm>
-          <a:prstGeom prst="rect">
-            <a:avLst/>
-          </a:prstGeom>
-          <a:noFill/>
-          <a:ln w="28575">
-            <a:solidFill>
-              <a:srgbClr val="2C3E50"/>
-            </a:solidFill>
-          </a:ln>
-          <a:extLst>
-            <a:ext uri="{909E8E84-426E-40DD-AFC4-6F175D3DCCD1}">
-              <a14:hiddenFill xmlns:a14="http://schemas.microsoft.com/office/drawing/2010/main">
-                <a:solidFill>
-                  <a:schemeClr val="accent1"/>
-                </a:solidFill>
-              </a14:hiddenFill>
-            </a:ext>
-          </a:extLst>
-        </p:spPr>
-        <p:style>
-          <a:lnRef idx="2">
-            <a:schemeClr val="accent1">
-              <a:shade val="50000"/>
-            </a:schemeClr>
-          </a:lnRef>
-          <a:fillRef idx="1">
-            <a:schemeClr val="accent1"/>
-          </a:fillRef>
-          <a:effectRef idx="0">
-            <a:schemeClr val="accent1"/>
-          </a:effectRef>
-          <a:fontRef idx="minor">
-            <a:schemeClr val="lt1"/>
-          </a:fontRef>
-        </p:style>
-        <p:txBody>
-          <a:bodyPr rtlCol="0" anchor="ctr"/>
-          <a:p>
-            <a:pPr algn="ctr"/>
-            <a:r>
-              <a:rPr lang="" altLang="en-US" sz="1200" b="1">
+            </a:ln>
+          </p:spPr>
+          <p:style>
+            <a:lnRef idx="1">
+              <a:schemeClr val="accent1"/>
+            </a:lnRef>
+            <a:fillRef idx="0">
+              <a:schemeClr val="accent1"/>
+            </a:fillRef>
+            <a:effectRef idx="0">
+              <a:schemeClr val="accent1"/>
+            </a:effectRef>
+            <a:fontRef idx="minor">
+              <a:schemeClr val="tx1"/>
+            </a:fontRef>
+          </p:style>
+          <p:txBody>
+            <a:bodyPr rtlCol="0" anchor="ctr"/>
+            <a:p>
+              <a:pPr algn="ctr"/>
+              <a:endParaRPr lang="zh-CN" altLang="en-US" sz="2000"/>
+            </a:p>
+          </p:txBody>
+        </p:sp>
+        <p:sp>
+          <p:nvSpPr>
+            <p:cNvPr id="22" name="左大括号 21"/>
+            <p:cNvSpPr/>
+            <p:nvPr/>
+          </p:nvSpPr>
+          <p:spPr>
+            <a:xfrm rot="10800000">
+              <a:off x="7259" y="2965"/>
+              <a:ext cx="921" cy="4220"/>
+            </a:xfrm>
+            <a:prstGeom prst="leftBrace">
+              <a:avLst>
+                <a:gd name="adj1" fmla="val 8333"/>
+                <a:gd name="adj2" fmla="val 51267"/>
+              </a:avLst>
+            </a:prstGeom>
+            <a:ln w="38100">
+              <a:solidFill>
+                <a:srgbClr val="3EAF7C"/>
+              </a:solidFill>
+            </a:ln>
+          </p:spPr>
+          <p:style>
+            <a:lnRef idx="1">
+              <a:schemeClr val="accent1"/>
+            </a:lnRef>
+            <a:fillRef idx="0">
+              <a:schemeClr val="accent1"/>
+            </a:fillRef>
+            <a:effectRef idx="0">
+              <a:schemeClr val="accent1"/>
+            </a:effectRef>
+            <a:fontRef idx="minor">
+              <a:schemeClr val="tx1"/>
+            </a:fontRef>
+          </p:style>
+          <p:txBody>
+            <a:bodyPr rtlCol="0" anchor="ctr"/>
+            <a:p>
+              <a:pPr algn="ctr"/>
+              <a:endParaRPr lang="zh-CN" altLang="en-US" sz="2000"/>
+            </a:p>
+          </p:txBody>
+        </p:sp>
+        <p:sp>
+          <p:nvSpPr>
+            <p:cNvPr id="23" name="文本框 22"/>
+            <p:cNvSpPr txBox="true"/>
+            <p:nvPr/>
+          </p:nvSpPr>
+          <p:spPr>
+            <a:xfrm>
+              <a:off x="8559" y="4775"/>
+              <a:ext cx="548" cy="313"/>
+            </a:xfrm>
+            <a:prstGeom prst="rect">
+              <a:avLst/>
+            </a:prstGeom>
+            <a:noFill/>
+          </p:spPr>
+          <p:txBody>
+            <a:bodyPr wrap="square" rtlCol="0">
+              <a:spAutoFit/>
+            </a:bodyPr>
+            <a:p>
+              <a:r>
+                <a:rPr lang="" altLang="zh-CN" sz="2000" b="1">
+                  <a:solidFill>
+                    <a:srgbClr val="2C3E50"/>
+                  </a:solidFill>
+                </a:rPr>
+                <a:t>N</a:t>
+              </a:r>
+              <a:endParaRPr lang="" altLang="zh-CN" sz="2000" b="1">
                 <a:solidFill>
                   <a:srgbClr val="2C3E50"/>
                 </a:solidFill>
-              </a:rPr>
-              <a:t>Powerpc</a:t>
-            </a:r>
-            <a:endParaRPr lang="" altLang="en-US" sz="1200" b="1">
-              <a:solidFill>
-                <a:srgbClr val="2C3E50"/>
-              </a:solidFill>
-            </a:endParaRPr>
-          </a:p>
-        </p:txBody>
-      </p:sp>
-      <p:sp>
-        <p:nvSpPr>
-          <p:cNvPr id="19" name="矩形 18"/>
-          <p:cNvSpPr/>
-          <p:nvPr/>
-        </p:nvSpPr>
-        <p:spPr>
-          <a:xfrm>
-            <a:off x="7461250" y="3186430"/>
-            <a:ext cx="1020445" cy="915035"/>
-          </a:xfrm>
-          <a:prstGeom prst="rect">
-            <a:avLst/>
-          </a:prstGeom>
-          <a:noFill/>
-          <a:ln w="28575">
-            <a:solidFill>
-              <a:srgbClr val="2C3E50"/>
-            </a:solidFill>
-          </a:ln>
-          <a:extLst>
-            <a:ext uri="{909E8E84-426E-40DD-AFC4-6F175D3DCCD1}">
-              <a14:hiddenFill xmlns:a14="http://schemas.microsoft.com/office/drawing/2010/main">
-                <a:solidFill>
-                  <a:schemeClr val="accent1"/>
-                </a:solidFill>
-              </a14:hiddenFill>
-            </a:ext>
-          </a:extLst>
-        </p:spPr>
-        <p:style>
-          <a:lnRef idx="2">
-            <a:schemeClr val="accent1">
-              <a:shade val="50000"/>
-            </a:schemeClr>
-          </a:lnRef>
-          <a:fillRef idx="1">
-            <a:schemeClr val="accent1"/>
-          </a:fillRef>
-          <a:effectRef idx="0">
-            <a:schemeClr val="accent1"/>
-          </a:effectRef>
-          <a:fontRef idx="minor">
-            <a:schemeClr val="lt1"/>
-          </a:fontRef>
-        </p:style>
-        <p:txBody>
-          <a:bodyPr rtlCol="0" anchor="ctr"/>
-          <a:p>
-            <a:pPr algn="ctr"/>
-            <a:endParaRPr lang="en-US" altLang="zh-CN" sz="1200" b="1">
-              <a:solidFill>
-                <a:srgbClr val="2C3E50"/>
-              </a:solidFill>
-            </a:endParaRPr>
-          </a:p>
-        </p:txBody>
-      </p:sp>
-      <p:sp>
-        <p:nvSpPr>
-          <p:cNvPr id="21" name="左大括号 20"/>
-          <p:cNvSpPr/>
-          <p:nvPr/>
-        </p:nvSpPr>
-        <p:spPr>
-          <a:xfrm>
-            <a:off x="6889750" y="1876425"/>
-            <a:ext cx="571500" cy="2679700"/>
-          </a:xfrm>
-          <a:prstGeom prst="leftBrace">
-            <a:avLst>
-              <a:gd name="adj1" fmla="val 8333"/>
-              <a:gd name="adj2" fmla="val 51267"/>
-            </a:avLst>
-          </a:prstGeom>
-          <a:ln w="38100">
-            <a:solidFill>
-              <a:srgbClr val="3EAF7C"/>
-            </a:solidFill>
-          </a:ln>
-        </p:spPr>
-        <p:style>
-          <a:lnRef idx="1">
-            <a:schemeClr val="accent1"/>
-          </a:lnRef>
-          <a:fillRef idx="0">
-            <a:schemeClr val="accent1"/>
-          </a:fillRef>
-          <a:effectRef idx="0">
-            <a:schemeClr val="accent1"/>
-          </a:effectRef>
-          <a:fontRef idx="minor">
-            <a:schemeClr val="tx1"/>
-          </a:fontRef>
-        </p:style>
-        <p:txBody>
-          <a:bodyPr rtlCol="0" anchor="ctr"/>
-          <a:p>
-            <a:pPr algn="ctr"/>
-            <a:endParaRPr lang="zh-CN" altLang="en-US"/>
-          </a:p>
-        </p:txBody>
-      </p:sp>
-      <p:sp>
-        <p:nvSpPr>
-          <p:cNvPr id="22" name="左大括号 21"/>
-          <p:cNvSpPr/>
-          <p:nvPr/>
-        </p:nvSpPr>
-        <p:spPr>
-          <a:xfrm rot="10800000">
-            <a:off x="4609465" y="1882775"/>
-            <a:ext cx="584835" cy="2679700"/>
-          </a:xfrm>
-          <a:prstGeom prst="leftBrace">
-            <a:avLst>
-              <a:gd name="adj1" fmla="val 8333"/>
-              <a:gd name="adj2" fmla="val 51267"/>
-            </a:avLst>
-          </a:prstGeom>
-          <a:ln w="38100">
-            <a:solidFill>
-              <a:srgbClr val="3EAF7C"/>
-            </a:solidFill>
-          </a:ln>
-        </p:spPr>
-        <p:style>
-          <a:lnRef idx="1">
-            <a:schemeClr val="accent1"/>
-          </a:lnRef>
-          <a:fillRef idx="0">
-            <a:schemeClr val="accent1"/>
-          </a:fillRef>
-          <a:effectRef idx="0">
-            <a:schemeClr val="accent1"/>
-          </a:effectRef>
-          <a:fontRef idx="minor">
-            <a:schemeClr val="tx1"/>
-          </a:fontRef>
-        </p:style>
-        <p:txBody>
-          <a:bodyPr rtlCol="0" anchor="ctr"/>
-          <a:p>
-            <a:pPr algn="ctr"/>
-            <a:endParaRPr lang="zh-CN" altLang="en-US"/>
-          </a:p>
-        </p:txBody>
-      </p:sp>
-      <p:sp>
-        <p:nvSpPr>
-          <p:cNvPr id="23" name="文本框 22"/>
-          <p:cNvSpPr txBox="true"/>
-          <p:nvPr/>
-        </p:nvSpPr>
-        <p:spPr>
-          <a:xfrm>
-            <a:off x="5434965" y="3032125"/>
-            <a:ext cx="347980" cy="368300"/>
-          </a:xfrm>
-          <a:prstGeom prst="rect">
-            <a:avLst/>
-          </a:prstGeom>
-          <a:noFill/>
-        </p:spPr>
-        <p:txBody>
-          <a:bodyPr wrap="none" rtlCol="0">
-            <a:spAutoFit/>
-          </a:bodyPr>
-          <a:p>
-            <a:r>
-              <a:rPr lang="" altLang="zh-CN" b="1">
+              </a:endParaRPr>
+            </a:p>
+          </p:txBody>
+        </p:sp>
+        <p:sp>
+          <p:nvSpPr>
+            <p:cNvPr id="24" name="文本框 23"/>
+            <p:cNvSpPr txBox="true"/>
+            <p:nvPr/>
+          </p:nvSpPr>
+          <p:spPr>
+            <a:xfrm>
+              <a:off x="10089" y="4785"/>
+              <a:ext cx="548" cy="313"/>
+            </a:xfrm>
+            <a:prstGeom prst="rect">
+              <a:avLst/>
+            </a:prstGeom>
+            <a:noFill/>
+          </p:spPr>
+          <p:txBody>
+            <a:bodyPr wrap="square" rtlCol="0">
+              <a:spAutoFit/>
+            </a:bodyPr>
+            <a:p>
+              <a:r>
+                <a:rPr lang="en-US" altLang="zh-CN" sz="2000" b="1">
+                  <a:solidFill>
+                    <a:srgbClr val="2C3E50"/>
+                  </a:solidFill>
+                </a:rPr>
+                <a:t>N</a:t>
+              </a:r>
+              <a:endParaRPr lang="en-US" altLang="zh-CN" sz="2000" b="1">
                 <a:solidFill>
                   <a:srgbClr val="2C3E50"/>
                 </a:solidFill>
-              </a:rPr>
-              <a:t>N</a:t>
-            </a:r>
-            <a:endParaRPr lang="" altLang="zh-CN" b="1">
-              <a:solidFill>
-                <a:srgbClr val="2C3E50"/>
-              </a:solidFill>
-            </a:endParaRPr>
-          </a:p>
-        </p:txBody>
-      </p:sp>
-      <p:sp>
-        <p:nvSpPr>
-          <p:cNvPr id="24" name="文本框 23"/>
-          <p:cNvSpPr txBox="true"/>
-          <p:nvPr/>
-        </p:nvSpPr>
-        <p:spPr>
-          <a:xfrm>
-            <a:off x="6406515" y="3038475"/>
-            <a:ext cx="347980" cy="368300"/>
-          </a:xfrm>
-          <a:prstGeom prst="rect">
-            <a:avLst/>
-          </a:prstGeom>
-          <a:noFill/>
-        </p:spPr>
-        <p:txBody>
-          <a:bodyPr wrap="none" rtlCol="0">
-            <a:spAutoFit/>
-          </a:bodyPr>
-          <a:p>
-            <a:r>
-              <a:rPr lang="en-US" altLang="zh-CN" b="1">
-                <a:solidFill>
-                  <a:srgbClr val="2C3E50"/>
-                </a:solidFill>
-              </a:rPr>
-              <a:t>N</a:t>
-            </a:r>
-            <a:endParaRPr lang="en-US" altLang="zh-CN" b="1">
-              <a:solidFill>
-                <a:srgbClr val="2C3E50"/>
-              </a:solidFill>
-            </a:endParaRPr>
-          </a:p>
-        </p:txBody>
-      </p:sp>
+              </a:endParaRPr>
+            </a:p>
+          </p:txBody>
+        </p:sp>
+      </p:grpSp>
     </p:spTree>
   </p:cSld>
   <p:clrMapOvr>

--- a/docs/tools/builder/common/front-backend/front-backend.pptx
+++ b/docs/tools/builder/common/front-backend/front-backend.pptx
@@ -4452,235 +4452,220 @@
         <p:nvPr/>
       </p:nvGrpSpPr>
       <p:grpSpPr/>
-      <p:grpSp>
-        <p:nvGrpSpPr>
-          <p:cNvPr id="2" name="组合 1"/>
-          <p:cNvGrpSpPr/>
+      <p:sp>
+        <p:nvSpPr>
+          <p:cNvPr id="5" name="矩形 4"/>
+          <p:cNvSpPr/>
           <p:nvPr/>
-        </p:nvGrpSpPr>
-        <p:grpSpPr>
+        </p:nvSpPr>
+        <p:spPr>
           <a:xfrm>
-            <a:off x="1605915" y="1323975"/>
-            <a:ext cx="8882380" cy="4101465"/>
-            <a:chOff x="4737" y="4086"/>
-            <a:chExt cx="7542" cy="1647"/>
+            <a:off x="4192270" y="2830830"/>
+            <a:ext cx="3444875" cy="2594610"/>
           </a:xfrm>
-        </p:grpSpPr>
-        <p:sp>
-          <p:nvSpPr>
-            <p:cNvPr id="5" name="矩形 4"/>
-            <p:cNvSpPr/>
-            <p:nvPr/>
-          </p:nvSpPr>
-          <p:spPr>
-            <a:xfrm>
-              <a:off x="6933" y="4691"/>
-              <a:ext cx="2925" cy="1042"/>
-            </a:xfrm>
-            <a:prstGeom prst="rect">
-              <a:avLst/>
-            </a:prstGeom>
-            <a:noFill/>
-            <a:ln w="28575">
+          <a:prstGeom prst="rect">
+            <a:avLst/>
+          </a:prstGeom>
+          <a:noFill/>
+          <a:ln w="28575">
+            <a:solidFill>
+              <a:srgbClr val="2C3E50"/>
+            </a:solidFill>
+          </a:ln>
+          <a:extLst>
+            <a:ext uri="{909E8E84-426E-40DD-AFC4-6F175D3DCCD1}">
+              <a14:hiddenFill xmlns:a14="http://schemas.microsoft.com/office/drawing/2010/main">
+                <a:solidFill>
+                  <a:schemeClr val="accent1"/>
+                </a:solidFill>
+              </a14:hiddenFill>
+            </a:ext>
+          </a:extLst>
+        </p:spPr>
+        <p:style>
+          <a:lnRef idx="2">
+            <a:schemeClr val="accent1">
+              <a:shade val="50000"/>
+            </a:schemeClr>
+          </a:lnRef>
+          <a:fillRef idx="1">
+            <a:schemeClr val="accent1"/>
+          </a:fillRef>
+          <a:effectRef idx="0">
+            <a:schemeClr val="accent1"/>
+          </a:effectRef>
+          <a:fontRef idx="minor">
+            <a:schemeClr val="lt1"/>
+          </a:fontRef>
+        </p:style>
+        <p:txBody>
+          <a:bodyPr rtlCol="0" anchor="ctr"/>
+          <a:p>
+            <a:pPr algn="ctr"/>
+            <a:r>
+              <a:rPr lang="zh-CN" altLang="en-US" sz="2000" b="1">
+                <a:solidFill>
+                  <a:srgbClr val="2C3E50"/>
+                </a:solidFill>
+              </a:rPr>
+              <a:t>编译器</a:t>
+            </a:r>
+            <a:endParaRPr lang="zh-CN" altLang="en-US" sz="2000" b="1">
               <a:solidFill>
                 <a:srgbClr val="2C3E50"/>
               </a:solidFill>
-            </a:ln>
-            <a:extLst>
-              <a:ext uri="{909E8E84-426E-40DD-AFC4-6F175D3DCCD1}">
-                <a14:hiddenFill xmlns:a14="http://schemas.microsoft.com/office/drawing/2010/main">
-                  <a:solidFill>
-                    <a:schemeClr val="accent1"/>
-                  </a:solidFill>
-                </a14:hiddenFill>
-              </a:ext>
-            </a:extLst>
-          </p:spPr>
-          <p:style>
-            <a:lnRef idx="2">
-              <a:schemeClr val="accent1">
-                <a:shade val="50000"/>
-              </a:schemeClr>
-            </a:lnRef>
-            <a:fillRef idx="1">
-              <a:schemeClr val="accent1"/>
-            </a:fillRef>
-            <a:effectRef idx="0">
-              <a:schemeClr val="accent1"/>
-            </a:effectRef>
-            <a:fontRef idx="minor">
-              <a:schemeClr val="lt1"/>
-            </a:fontRef>
-          </p:style>
-          <p:txBody>
-            <a:bodyPr rtlCol="0" anchor="ctr"/>
-            <a:p>
-              <a:pPr algn="ctr"/>
-              <a:r>
-                <a:rPr lang="zh-CN" altLang="en-US" sz="2000" b="1">
-                  <a:solidFill>
-                    <a:srgbClr val="2C3E50"/>
-                  </a:solidFill>
-                </a:rPr>
-                <a:t>编译器</a:t>
-              </a:r>
-              <a:endParaRPr lang="zh-CN" altLang="en-US" sz="2000" b="1">
+            </a:endParaRPr>
+          </a:p>
+        </p:txBody>
+      </p:sp>
+      <p:sp>
+        <p:nvSpPr>
+          <p:cNvPr id="18" name="文本框 17"/>
+          <p:cNvSpPr txBox="true"/>
+          <p:nvPr/>
+        </p:nvSpPr>
+        <p:spPr>
+          <a:xfrm>
+            <a:off x="1639570" y="2524760"/>
+            <a:ext cx="1003300" cy="306070"/>
+          </a:xfrm>
+          <a:prstGeom prst="rect">
+            <a:avLst/>
+          </a:prstGeom>
+          <a:noFill/>
+        </p:spPr>
+        <p:txBody>
+          <a:bodyPr wrap="square" rtlCol="0">
+            <a:spAutoFit/>
+          </a:bodyPr>
+          <a:p>
+            <a:r>
+              <a:rPr lang="zh-CN" altLang="en-US" sz="1400" b="1">
                 <a:solidFill>
                   <a:srgbClr val="2C3E50"/>
                 </a:solidFill>
-              </a:endParaRPr>
-            </a:p>
-          </p:txBody>
-        </p:sp>
-        <p:sp>
-          <p:nvSpPr>
-            <p:cNvPr id="18" name="文本框 17"/>
-            <p:cNvSpPr txBox="true"/>
-            <p:nvPr/>
-          </p:nvSpPr>
-          <p:spPr>
-            <a:xfrm>
-              <a:off x="4737" y="4086"/>
-              <a:ext cx="852" cy="123"/>
-            </a:xfrm>
-            <a:prstGeom prst="rect">
-              <a:avLst/>
-            </a:prstGeom>
-            <a:noFill/>
-          </p:spPr>
-          <p:txBody>
-            <a:bodyPr wrap="square" rtlCol="0">
-              <a:spAutoFit/>
-            </a:bodyPr>
-            <a:p>
-              <a:r>
-                <a:rPr lang="zh-CN" altLang="en-US" sz="1400" b="1">
-                  <a:solidFill>
-                    <a:srgbClr val="2C3E50"/>
-                  </a:solidFill>
-                </a:rPr>
-                <a:t>源码</a:t>
-              </a:r>
-              <a:endParaRPr lang="zh-CN" altLang="en-US" sz="1400" b="1">
+              </a:rPr>
+              <a:t>源码</a:t>
+            </a:r>
+            <a:endParaRPr lang="zh-CN" altLang="en-US" sz="1400" b="1">
+              <a:solidFill>
+                <a:srgbClr val="2C3E50"/>
+              </a:solidFill>
+            </a:endParaRPr>
+          </a:p>
+        </p:txBody>
+      </p:sp>
+      <p:sp>
+        <p:nvSpPr>
+          <p:cNvPr id="19" name="文本框 18"/>
+          <p:cNvSpPr txBox="true"/>
+          <p:nvPr/>
+        </p:nvSpPr>
+        <p:spPr>
+          <a:xfrm>
+            <a:off x="9067800" y="2524760"/>
+            <a:ext cx="1999615" cy="306070"/>
+          </a:xfrm>
+          <a:prstGeom prst="rect">
+            <a:avLst/>
+          </a:prstGeom>
+          <a:noFill/>
+        </p:spPr>
+        <p:txBody>
+          <a:bodyPr wrap="square" rtlCol="0">
+            <a:spAutoFit/>
+          </a:bodyPr>
+          <a:p>
+            <a:r>
+              <a:rPr lang="zh-CN" altLang="" sz="1400" b="1">
                 <a:solidFill>
                   <a:srgbClr val="2C3E50"/>
                 </a:solidFill>
-              </a:endParaRPr>
-            </a:p>
-          </p:txBody>
-        </p:sp>
-        <p:sp>
-          <p:nvSpPr>
-            <p:cNvPr id="19" name="文本框 18"/>
-            <p:cNvSpPr txBox="true"/>
-            <p:nvPr/>
-          </p:nvSpPr>
-          <p:spPr>
-            <a:xfrm>
-              <a:off x="10581" y="4168"/>
-              <a:ext cx="1698" cy="123"/>
-            </a:xfrm>
-            <a:prstGeom prst="rect">
-              <a:avLst/>
-            </a:prstGeom>
-            <a:noFill/>
-          </p:spPr>
-          <p:txBody>
-            <a:bodyPr wrap="square" rtlCol="0">
-              <a:spAutoFit/>
-            </a:bodyPr>
-            <a:p>
-              <a:r>
-                <a:rPr lang="zh-CN" altLang="" sz="1400" b="1">
-                  <a:solidFill>
-                    <a:srgbClr val="2C3E50"/>
-                  </a:solidFill>
-                </a:rPr>
-                <a:t>目标机器码</a:t>
-              </a:r>
-              <a:endParaRPr lang="zh-CN" altLang="" sz="1400" b="1">
-                <a:solidFill>
-                  <a:srgbClr val="2C3E50"/>
-                </a:solidFill>
-              </a:endParaRPr>
-            </a:p>
-          </p:txBody>
-        </p:sp>
-        <p:cxnSp>
-          <p:nvCxnSpPr>
-            <p:cNvPr id="20" name="肘形连接符 19"/>
-            <p:cNvCxnSpPr>
-              <a:stCxn id="18" idx="2"/>
-            </p:cNvCxnSpPr>
-            <p:nvPr/>
-          </p:nvCxnSpPr>
-          <p:spPr>
-            <a:xfrm rot="5400000" flipV="true">
-              <a:off x="5720" y="3652"/>
-              <a:ext cx="576" cy="1690"/>
-            </a:xfrm>
-            <a:prstGeom prst="bentConnector2">
-              <a:avLst/>
-            </a:prstGeom>
-            <a:ln w="38100">
+              </a:rPr>
+              <a:t>目标机器码</a:t>
+            </a:r>
+            <a:endParaRPr lang="zh-CN" altLang="" sz="1400" b="1">
               <a:solidFill>
-                <a:srgbClr val="3EAF7C"/>
+                <a:srgbClr val="2C3E50"/>
               </a:solidFill>
-              <a:tailEnd type="arrow"/>
-            </a:ln>
-          </p:spPr>
-          <p:style>
-            <a:lnRef idx="1">
-              <a:schemeClr val="accent1"/>
-            </a:lnRef>
-            <a:fillRef idx="0">
-              <a:schemeClr val="accent1"/>
-            </a:fillRef>
-            <a:effectRef idx="0">
-              <a:schemeClr val="accent1"/>
-            </a:effectRef>
-            <a:fontRef idx="minor">
-              <a:schemeClr val="tx1"/>
-            </a:fontRef>
-          </p:style>
-        </p:cxnSp>
-        <p:cxnSp>
-          <p:nvCxnSpPr>
-            <p:cNvPr id="25" name="肘形连接符 24"/>
-            <p:cNvCxnSpPr/>
-            <p:nvPr/>
-          </p:nvCxnSpPr>
-          <p:spPr>
-            <a:xfrm flipV="true">
-              <a:off x="9858" y="4691"/>
-              <a:ext cx="1788" cy="577"/>
-            </a:xfrm>
-            <a:prstGeom prst="bentConnector2">
-              <a:avLst/>
-            </a:prstGeom>
-            <a:ln w="38100">
-              <a:solidFill>
-                <a:srgbClr val="3EAF7C"/>
-              </a:solidFill>
-              <a:tailEnd type="arrow"/>
-            </a:ln>
-          </p:spPr>
-          <p:style>
-            <a:lnRef idx="1">
-              <a:schemeClr val="accent1"/>
-            </a:lnRef>
-            <a:fillRef idx="0">
-              <a:schemeClr val="accent1"/>
-            </a:fillRef>
-            <a:effectRef idx="0">
-              <a:schemeClr val="accent1"/>
-            </a:effectRef>
-            <a:fontRef idx="minor">
-              <a:schemeClr val="tx1"/>
-            </a:fontRef>
-          </p:style>
-        </p:cxnSp>
-      </p:grpSp>
+            </a:endParaRPr>
+          </a:p>
+        </p:txBody>
+      </p:sp>
+      <p:cxnSp>
+        <p:nvCxnSpPr>
+          <p:cNvPr id="20" name="肘形连接符 19"/>
+          <p:cNvCxnSpPr>
+            <a:stCxn id="18" idx="2"/>
+          </p:cNvCxnSpPr>
+          <p:nvPr/>
+        </p:nvCxnSpPr>
+        <p:spPr>
+          <a:xfrm rot="5400000" flipV="true">
+            <a:off x="2418715" y="2552700"/>
+            <a:ext cx="1434465" cy="1990090"/>
+          </a:xfrm>
+          <a:prstGeom prst="bentConnector2">
+            <a:avLst/>
+          </a:prstGeom>
+          <a:ln w="38100">
+            <a:solidFill>
+              <a:srgbClr val="3EAF7C"/>
+            </a:solidFill>
+            <a:tailEnd type="arrow"/>
+          </a:ln>
+        </p:spPr>
+        <p:style>
+          <a:lnRef idx="1">
+            <a:schemeClr val="accent1"/>
+          </a:lnRef>
+          <a:fillRef idx="0">
+            <a:schemeClr val="accent1"/>
+          </a:fillRef>
+          <a:effectRef idx="0">
+            <a:schemeClr val="accent1"/>
+          </a:effectRef>
+          <a:fontRef idx="minor">
+            <a:schemeClr val="tx1"/>
+          </a:fontRef>
+        </p:style>
+      </p:cxnSp>
+      <p:cxnSp>
+        <p:nvCxnSpPr>
+          <p:cNvPr id="25" name="肘形连接符 24"/>
+          <p:cNvCxnSpPr/>
+          <p:nvPr/>
+        </p:nvCxnSpPr>
+        <p:spPr>
+          <a:xfrm flipV="true">
+            <a:off x="7637145" y="2830830"/>
+            <a:ext cx="2105660" cy="1437005"/>
+          </a:xfrm>
+          <a:prstGeom prst="bentConnector2">
+            <a:avLst/>
+          </a:prstGeom>
+          <a:ln w="38100">
+            <a:solidFill>
+              <a:srgbClr val="3EAF7C"/>
+            </a:solidFill>
+            <a:tailEnd type="arrow"/>
+          </a:ln>
+        </p:spPr>
+        <p:style>
+          <a:lnRef idx="1">
+            <a:schemeClr val="accent1"/>
+          </a:lnRef>
+          <a:fillRef idx="0">
+            <a:schemeClr val="accent1"/>
+          </a:fillRef>
+          <a:effectRef idx="0">
+            <a:schemeClr val="accent1"/>
+          </a:effectRef>
+          <a:fontRef idx="minor">
+            <a:schemeClr val="tx1"/>
+          </a:fontRef>
+        </p:style>
+      </p:cxnSp>
     </p:spTree>
   </p:cSld>
   <p:clrMapOvr>
